--- a/Summarization with Yahoo - SETN/實習專案報告 Template.pptx
+++ b/Summarization with Yahoo - SETN/實習專案報告 Template.pptx
@@ -203,7 +203,7 @@
           <a:p>
             <a:fld id="{0B591A0D-67DB-46C5-A7A9-63DDE47213C1}" type="datetimeFigureOut">
               <a:rPr lang="zh-TW" altLang="en-US" smtClean="0"/>
-              <a:t>2018/12/25</a:t>
+              <a:t>2018/12/26</a:t>
             </a:fld>
             <a:endParaRPr lang="zh-TW" altLang="en-US"/>
           </a:p>
@@ -517,39 +517,13 @@
           <a:p>
             <a:r>
               <a:rPr lang="en-US" altLang="zh-TW" dirty="0" smtClean="0"/>
-              <a:t>- Page 5 + 6 (</a:t>
-            </a:r>
-            <a:r>
-              <a:rPr lang="zh-TW" altLang="en-US" dirty="0" smtClean="0"/>
-              <a:t>整合在一起</a:t>
-            </a:r>
-            <a:r>
-              <a:rPr lang="en-US" altLang="zh-TW" dirty="0" smtClean="0"/>
-              <a:t>)</a:t>
-            </a:r>
-          </a:p>
-          <a:p>
-            <a:r>
-              <a:rPr lang="en-US" altLang="zh-TW" dirty="0" smtClean="0"/>
-              <a:t>- Highlight</a:t>
-            </a:r>
-            <a:r>
-              <a:rPr lang="zh-TW" altLang="en-US" dirty="0" smtClean="0"/>
-              <a:t>這次有選的方法論</a:t>
-            </a:r>
-            <a:r>
-              <a:rPr lang="en-US" altLang="zh-TW" dirty="0" smtClean="0"/>
-              <a:t>(</a:t>
-            </a:r>
-            <a:r>
-              <a:rPr lang="zh-TW" altLang="en-US" dirty="0" smtClean="0"/>
-              <a:t>為什麼選這幾個</a:t>
-            </a:r>
-            <a:r>
-              <a:rPr lang="en-US" altLang="zh-TW" dirty="0" smtClean="0"/>
-              <a:t>)</a:t>
-            </a:r>
-            <a:endParaRPr lang="zh-TW" altLang="en-US" dirty="0" smtClean="0"/>
+              <a:t>Maybe add</a:t>
+            </a:r>
+            <a:r>
+              <a:rPr lang="en-US" altLang="zh-TW" baseline="0" dirty="0" smtClean="0"/>
+              <a:t> a slide after this showing how the text is separated into words to show how computers undergo text mining (machine version of comprehending the text)</a:t>
+            </a:r>
+            <a:endParaRPr lang="zh-TW" altLang="en-US" dirty="0"/>
           </a:p>
         </p:txBody>
       </p:sp>
@@ -570,7 +544,7 @@
           <a:p>
             <a:fld id="{FB2EA650-878E-4CDF-A387-AF53C187A029}" type="slidenum">
               <a:rPr lang="zh-TW" altLang="en-US" smtClean="0"/>
-              <a:t>5</a:t>
+              <a:t>3</a:t>
             </a:fld>
             <a:endParaRPr lang="zh-TW" altLang="en-US"/>
           </a:p>
@@ -579,7 +553,7 @@
     </p:spTree>
     <p:extLst>
       <p:ext uri="{BB962C8B-B14F-4D97-AF65-F5344CB8AC3E}">
-        <p14:creationId xmlns:p14="http://schemas.microsoft.com/office/powerpoint/2010/main" val="2896271449"/>
+        <p14:creationId xmlns:p14="http://schemas.microsoft.com/office/powerpoint/2010/main" val="1574570488"/>
       </p:ext>
     </p:extLst>
   </p:cSld>
@@ -633,28 +607,24 @@
           <a:bodyPr/>
           <a:lstStyle/>
           <a:p>
-            <a:pPr marL="0" marR="0" indent="0" algn="l" defTabSz="914400" rtl="0" eaLnBrk="1" fontAlgn="auto" latinLnBrk="0" hangingPunct="1">
-              <a:lnSpc>
-                <a:spcPct val="100000"/>
-              </a:lnSpc>
-              <a:spcBef>
-                <a:spcPts val="0"/>
-              </a:spcBef>
-              <a:spcAft>
-                <a:spcPts val="0"/>
-              </a:spcAft>
-              <a:buClrTx/>
-              <a:buSzTx/>
-              <a:buFontTx/>
-              <a:buNone/>
-              <a:tabLst/>
-              <a:defRPr/>
-            </a:pPr>
-            <a:r>
-              <a:rPr lang="en-US" altLang="zh-TW" dirty="0" smtClean="0"/>
-              <a:t>Page 7</a:t>
-            </a:r>
-            <a:endParaRPr lang="zh-TW" altLang="en-US" dirty="0" smtClean="0"/>
+            <a:r>
+              <a:rPr lang="zh-TW" altLang="en-US" dirty="0" smtClean="0"/>
+              <a:t>因為中英文差異，中文需要斷詞，才能進行後續演算</a:t>
+            </a:r>
+            <a:endParaRPr lang="en-US" altLang="zh-TW" dirty="0" smtClean="0"/>
+          </a:p>
+          <a:p>
+            <a:r>
+              <a:rPr lang="zh-TW" altLang="en-US" dirty="0" smtClean="0"/>
+              <a:t>這次研究使用的資料</a:t>
+            </a:r>
+            <a:endParaRPr lang="en-US" altLang="zh-TW" dirty="0" smtClean="0"/>
+          </a:p>
+          <a:p>
+            <a:r>
+              <a:rPr lang="zh-TW" altLang="en-US" dirty="0" smtClean="0"/>
+              <a:t>有了詞庫才能轉成詞向量</a:t>
+            </a:r>
           </a:p>
           <a:p>
             <a:endParaRPr lang="zh-TW" altLang="en-US" dirty="0"/>
@@ -678,7 +648,7 @@
           <a:p>
             <a:fld id="{FB2EA650-878E-4CDF-A387-AF53C187A029}" type="slidenum">
               <a:rPr lang="zh-TW" altLang="en-US" smtClean="0"/>
-              <a:t>6</a:t>
+              <a:t>4</a:t>
             </a:fld>
             <a:endParaRPr lang="zh-TW" altLang="en-US"/>
           </a:p>
@@ -687,7 +657,7 @@
     </p:spTree>
     <p:extLst>
       <p:ext uri="{BB962C8B-B14F-4D97-AF65-F5344CB8AC3E}">
-        <p14:creationId xmlns:p14="http://schemas.microsoft.com/office/powerpoint/2010/main" val="708262110"/>
+        <p14:creationId xmlns:p14="http://schemas.microsoft.com/office/powerpoint/2010/main" val="448512634"/>
       </p:ext>
     </p:extLst>
   </p:cSld>
@@ -740,6 +710,316 @@
         <p:txBody>
           <a:bodyPr/>
           <a:lstStyle/>
+          <a:p>
+            <a:r>
+              <a:rPr lang="en-US" altLang="zh-TW" dirty="0" smtClean="0"/>
+              <a:t>- Page 5 + 6 (</a:t>
+            </a:r>
+            <a:r>
+              <a:rPr lang="zh-TW" altLang="en-US" dirty="0" smtClean="0"/>
+              <a:t>整合在一起</a:t>
+            </a:r>
+            <a:r>
+              <a:rPr lang="en-US" altLang="zh-TW" dirty="0" smtClean="0"/>
+              <a:t>)</a:t>
+            </a:r>
+          </a:p>
+          <a:p>
+            <a:r>
+              <a:rPr lang="en-US" altLang="zh-TW" dirty="0" smtClean="0"/>
+              <a:t>- Highlight</a:t>
+            </a:r>
+            <a:r>
+              <a:rPr lang="zh-TW" altLang="en-US" dirty="0" smtClean="0"/>
+              <a:t>這次有選的方法論</a:t>
+            </a:r>
+            <a:r>
+              <a:rPr lang="en-US" altLang="zh-TW" dirty="0" smtClean="0"/>
+              <a:t>(</a:t>
+            </a:r>
+            <a:r>
+              <a:rPr lang="zh-TW" altLang="en-US" dirty="0" smtClean="0"/>
+              <a:t>為什麼選這幾個</a:t>
+            </a:r>
+            <a:r>
+              <a:rPr lang="en-US" altLang="zh-TW" dirty="0" smtClean="0"/>
+              <a:t>)</a:t>
+            </a:r>
+            <a:endParaRPr lang="zh-TW" altLang="en-US" dirty="0" smtClean="0"/>
+          </a:p>
+        </p:txBody>
+      </p:sp>
+      <p:sp>
+        <p:nvSpPr>
+          <p:cNvPr id="4" name="投影片編號版面配置區 3"/>
+          <p:cNvSpPr>
+            <a:spLocks noGrp="1"/>
+          </p:cNvSpPr>
+          <p:nvPr>
+            <p:ph type="sldNum" sz="quarter" idx="10"/>
+          </p:nvPr>
+        </p:nvSpPr>
+        <p:spPr/>
+        <p:txBody>
+          <a:bodyPr/>
+          <a:lstStyle/>
+          <a:p>
+            <a:fld id="{FB2EA650-878E-4CDF-A387-AF53C187A029}" type="slidenum">
+              <a:rPr lang="zh-TW" altLang="en-US" smtClean="0"/>
+              <a:t>5</a:t>
+            </a:fld>
+            <a:endParaRPr lang="zh-TW" altLang="en-US"/>
+          </a:p>
+        </p:txBody>
+      </p:sp>
+    </p:spTree>
+    <p:extLst>
+      <p:ext uri="{BB962C8B-B14F-4D97-AF65-F5344CB8AC3E}">
+        <p14:creationId xmlns:p14="http://schemas.microsoft.com/office/powerpoint/2010/main" val="2896271449"/>
+      </p:ext>
+    </p:extLst>
+  </p:cSld>
+  <p:clrMapOvr>
+    <a:masterClrMapping/>
+  </p:clrMapOvr>
+</p:notes>
+</file>
+
+<file path=ppt/notesSlides/notesSlide4.xml><?xml version="1.0" encoding="utf-8"?>
+<p:notes xmlns:a="http://schemas.openxmlformats.org/drawingml/2006/main" xmlns:r="http://schemas.openxmlformats.org/officeDocument/2006/relationships" xmlns:p="http://schemas.openxmlformats.org/presentationml/2006/main">
+  <p:cSld>
+    <p:spTree>
+      <p:nvGrpSpPr>
+        <p:cNvPr id="1" name=""/>
+        <p:cNvGrpSpPr/>
+        <p:nvPr/>
+      </p:nvGrpSpPr>
+      <p:grpSpPr>
+        <a:xfrm>
+          <a:off x="0" y="0"/>
+          <a:ext cx="0" cy="0"/>
+          <a:chOff x="0" y="0"/>
+          <a:chExt cx="0" cy="0"/>
+        </a:xfrm>
+      </p:grpSpPr>
+      <p:sp>
+        <p:nvSpPr>
+          <p:cNvPr id="2" name="投影片圖像版面配置區 1"/>
+          <p:cNvSpPr>
+            <a:spLocks noGrp="1" noRot="1" noChangeAspect="1"/>
+          </p:cNvSpPr>
+          <p:nvPr>
+            <p:ph type="sldImg"/>
+          </p:nvPr>
+        </p:nvSpPr>
+        <p:spPr/>
+      </p:sp>
+      <p:sp>
+        <p:nvSpPr>
+          <p:cNvPr id="3" name="備忘稿版面配置區 2"/>
+          <p:cNvSpPr>
+            <a:spLocks noGrp="1"/>
+          </p:cNvSpPr>
+          <p:nvPr>
+            <p:ph type="body" idx="1"/>
+          </p:nvPr>
+        </p:nvSpPr>
+        <p:spPr/>
+        <p:txBody>
+          <a:bodyPr/>
+          <a:lstStyle/>
+          <a:p>
+            <a:pPr marL="0" marR="0" indent="0" algn="l" defTabSz="914400" rtl="0" eaLnBrk="1" fontAlgn="auto" latinLnBrk="0" hangingPunct="1">
+              <a:lnSpc>
+                <a:spcPct val="100000"/>
+              </a:lnSpc>
+              <a:spcBef>
+                <a:spcPts val="0"/>
+              </a:spcBef>
+              <a:spcAft>
+                <a:spcPts val="0"/>
+              </a:spcAft>
+              <a:buClrTx/>
+              <a:buSzTx/>
+              <a:buFontTx/>
+              <a:buNone/>
+              <a:tabLst/>
+              <a:defRPr/>
+            </a:pPr>
+            <a:r>
+              <a:rPr lang="en-US" altLang="zh-TW" dirty="0" smtClean="0"/>
+              <a:t>Page 7</a:t>
+            </a:r>
+            <a:endParaRPr lang="zh-TW" altLang="en-US" dirty="0" smtClean="0"/>
+          </a:p>
+          <a:p>
+            <a:endParaRPr lang="zh-TW" altLang="en-US" dirty="0"/>
+          </a:p>
+        </p:txBody>
+      </p:sp>
+      <p:sp>
+        <p:nvSpPr>
+          <p:cNvPr id="4" name="投影片編號版面配置區 3"/>
+          <p:cNvSpPr>
+            <a:spLocks noGrp="1"/>
+          </p:cNvSpPr>
+          <p:nvPr>
+            <p:ph type="sldNum" sz="quarter" idx="10"/>
+          </p:nvPr>
+        </p:nvSpPr>
+        <p:spPr/>
+        <p:txBody>
+          <a:bodyPr/>
+          <a:lstStyle/>
+          <a:p>
+            <a:fld id="{FB2EA650-878E-4CDF-A387-AF53C187A029}" type="slidenum">
+              <a:rPr lang="zh-TW" altLang="en-US" smtClean="0"/>
+              <a:t>6</a:t>
+            </a:fld>
+            <a:endParaRPr lang="zh-TW" altLang="en-US"/>
+          </a:p>
+        </p:txBody>
+      </p:sp>
+    </p:spTree>
+    <p:extLst>
+      <p:ext uri="{BB962C8B-B14F-4D97-AF65-F5344CB8AC3E}">
+        <p14:creationId xmlns:p14="http://schemas.microsoft.com/office/powerpoint/2010/main" val="708262110"/>
+      </p:ext>
+    </p:extLst>
+  </p:cSld>
+  <p:clrMapOvr>
+    <a:masterClrMapping/>
+  </p:clrMapOvr>
+</p:notes>
+</file>
+
+<file path=ppt/notesSlides/notesSlide5.xml><?xml version="1.0" encoding="utf-8"?>
+<p:notes xmlns:a="http://schemas.openxmlformats.org/drawingml/2006/main" xmlns:r="http://schemas.openxmlformats.org/officeDocument/2006/relationships" xmlns:p="http://schemas.openxmlformats.org/presentationml/2006/main">
+  <p:cSld>
+    <p:spTree>
+      <p:nvGrpSpPr>
+        <p:cNvPr id="1" name=""/>
+        <p:cNvGrpSpPr/>
+        <p:nvPr/>
+      </p:nvGrpSpPr>
+      <p:grpSpPr>
+        <a:xfrm>
+          <a:off x="0" y="0"/>
+          <a:ext cx="0" cy="0"/>
+          <a:chOff x="0" y="0"/>
+          <a:chExt cx="0" cy="0"/>
+        </a:xfrm>
+      </p:grpSpPr>
+      <p:sp>
+        <p:nvSpPr>
+          <p:cNvPr id="2" name="投影片圖像版面配置區 1"/>
+          <p:cNvSpPr>
+            <a:spLocks noGrp="1" noRot="1" noChangeAspect="1"/>
+          </p:cNvSpPr>
+          <p:nvPr>
+            <p:ph type="sldImg"/>
+          </p:nvPr>
+        </p:nvSpPr>
+        <p:spPr/>
+      </p:sp>
+      <p:sp>
+        <p:nvSpPr>
+          <p:cNvPr id="3" name="備忘稿版面配置區 2"/>
+          <p:cNvSpPr>
+            <a:spLocks noGrp="1"/>
+          </p:cNvSpPr>
+          <p:nvPr>
+            <p:ph type="body" idx="1"/>
+          </p:nvPr>
+        </p:nvSpPr>
+        <p:spPr/>
+        <p:txBody>
+          <a:bodyPr/>
+          <a:lstStyle/>
+          <a:p>
+            <a:r>
+              <a:rPr lang="zh-TW" altLang="en-US" dirty="0" smtClean="0"/>
+              <a:t>我是</a:t>
+            </a:r>
+            <a:r>
+              <a:rPr lang="en-US" altLang="zh-TW" dirty="0" smtClean="0"/>
+              <a:t>OO</a:t>
+            </a:r>
+            <a:r>
+              <a:rPr lang="zh-TW" altLang="en-US" dirty="0" smtClean="0"/>
+              <a:t> 我是</a:t>
+            </a:r>
+            <a:r>
+              <a:rPr lang="en-US" altLang="zh-TW" dirty="0" smtClean="0"/>
+              <a:t>OO</a:t>
+            </a:r>
+            <a:r>
+              <a:rPr lang="en-US" altLang="zh-TW" baseline="0" dirty="0" smtClean="0"/>
+              <a:t> </a:t>
+            </a:r>
+            <a:r>
+              <a:rPr lang="zh-TW" altLang="en-US" dirty="0" smtClean="0"/>
+              <a:t>我是</a:t>
+            </a:r>
+            <a:r>
+              <a:rPr lang="en-US" altLang="zh-TW" dirty="0" smtClean="0"/>
+              <a:t>OO</a:t>
+            </a:r>
+          </a:p>
+          <a:p>
+            <a:r>
+              <a:rPr lang="zh-TW" altLang="en-US" dirty="0" smtClean="0"/>
+              <a:t>我是</a:t>
+            </a:r>
+            <a:r>
+              <a:rPr lang="en-US" altLang="zh-TW" dirty="0" smtClean="0"/>
+              <a:t>XX</a:t>
+            </a:r>
+            <a:r>
+              <a:rPr lang="en-US" altLang="zh-TW" baseline="0" dirty="0" smtClean="0"/>
+              <a:t> </a:t>
+            </a:r>
+            <a:r>
+              <a:rPr lang="zh-TW" altLang="en-US" dirty="0" smtClean="0"/>
+              <a:t>我是</a:t>
+            </a:r>
+            <a:r>
+              <a:rPr lang="en-US" altLang="zh-TW" dirty="0" smtClean="0"/>
+              <a:t>XX</a:t>
+            </a:r>
+            <a:r>
+              <a:rPr lang="en-US" altLang="zh-TW" baseline="0" dirty="0" smtClean="0"/>
+              <a:t> </a:t>
+            </a:r>
+            <a:r>
+              <a:rPr lang="zh-TW" altLang="en-US" dirty="0" smtClean="0"/>
+              <a:t>我是</a:t>
+            </a:r>
+            <a:r>
+              <a:rPr lang="en-US" altLang="zh-TW" dirty="0" smtClean="0"/>
+              <a:t>XX </a:t>
+            </a:r>
+          </a:p>
+          <a:p>
+            <a:pPr marL="0" marR="0" indent="0" algn="l" defTabSz="914400" rtl="0" eaLnBrk="1" fontAlgn="auto" latinLnBrk="0" hangingPunct="1">
+              <a:lnSpc>
+                <a:spcPct val="100000"/>
+              </a:lnSpc>
+              <a:spcBef>
+                <a:spcPts val="0"/>
+              </a:spcBef>
+              <a:spcAft>
+                <a:spcPts val="0"/>
+              </a:spcAft>
+              <a:buClrTx/>
+              <a:buSzTx/>
+              <a:buFontTx/>
+              <a:buNone/>
+              <a:tabLst/>
+              <a:defRPr/>
+            </a:pPr>
+            <a:endParaRPr lang="en-US" altLang="zh-TW" dirty="0" smtClean="0"/>
+          </a:p>
           <a:p>
             <a:pPr marL="0" marR="0" indent="0" algn="l" defTabSz="914400" rtl="0" eaLnBrk="1" fontAlgn="auto" latinLnBrk="0" hangingPunct="1">
               <a:lnSpc>
@@ -1586,7 +1866,7 @@
           <a:p>
             <a:fld id="{5BBEAD13-0566-4C6C-97E7-55F17F24B09F}" type="datetimeFigureOut">
               <a:rPr lang="zh-TW" altLang="en-US" smtClean="0"/>
-              <a:t>2018/12/25</a:t>
+              <a:t>2018/12/26</a:t>
             </a:fld>
             <a:endParaRPr lang="zh-TW" altLang="en-US"/>
           </a:p>
@@ -1777,7 +2057,7 @@
           <a:p>
             <a:fld id="{5BBEAD13-0566-4C6C-97E7-55F17F24B09F}" type="datetimeFigureOut">
               <a:rPr lang="zh-TW" altLang="en-US" smtClean="0"/>
-              <a:t>2018/12/25</a:t>
+              <a:t>2018/12/26</a:t>
             </a:fld>
             <a:endParaRPr lang="zh-TW" altLang="en-US"/>
           </a:p>
@@ -1958,7 +2238,7 @@
           <a:p>
             <a:fld id="{5BBEAD13-0566-4C6C-97E7-55F17F24B09F}" type="datetimeFigureOut">
               <a:rPr lang="zh-TW" altLang="en-US" smtClean="0"/>
-              <a:t>2018/12/25</a:t>
+              <a:t>2018/12/26</a:t>
             </a:fld>
             <a:endParaRPr lang="zh-TW" altLang="en-US"/>
           </a:p>
@@ -2222,7 +2502,7 @@
           <a:p>
             <a:fld id="{5BBEAD13-0566-4C6C-97E7-55F17F24B09F}" type="datetimeFigureOut">
               <a:rPr lang="zh-TW" altLang="en-US" smtClean="0"/>
-              <a:t>2018/12/25</a:t>
+              <a:t>2018/12/26</a:t>
             </a:fld>
             <a:endParaRPr lang="zh-TW" altLang="en-US"/>
           </a:p>
@@ -2521,7 +2801,7 @@
           <a:p>
             <a:fld id="{5BBEAD13-0566-4C6C-97E7-55F17F24B09F}" type="datetimeFigureOut">
               <a:rPr lang="zh-TW" altLang="en-US" smtClean="0"/>
-              <a:t>2018/12/25</a:t>
+              <a:t>2018/12/26</a:t>
             </a:fld>
             <a:endParaRPr lang="zh-TW" altLang="en-US"/>
           </a:p>
@@ -2954,7 +3234,7 @@
           <a:p>
             <a:fld id="{5BBEAD13-0566-4C6C-97E7-55F17F24B09F}" type="datetimeFigureOut">
               <a:rPr lang="zh-TW" altLang="en-US" smtClean="0"/>
-              <a:t>2018/12/25</a:t>
+              <a:t>2018/12/26</a:t>
             </a:fld>
             <a:endParaRPr lang="zh-TW" altLang="en-US"/>
           </a:p>
@@ -3083,7 +3363,7 @@
           <a:p>
             <a:fld id="{5BBEAD13-0566-4C6C-97E7-55F17F24B09F}" type="datetimeFigureOut">
               <a:rPr lang="zh-TW" altLang="en-US" smtClean="0"/>
-              <a:t>2018/12/25</a:t>
+              <a:t>2018/12/26</a:t>
             </a:fld>
             <a:endParaRPr lang="zh-TW" altLang="en-US"/>
           </a:p>
@@ -3189,7 +3469,7 @@
           <a:p>
             <a:fld id="{5BBEAD13-0566-4C6C-97E7-55F17F24B09F}" type="datetimeFigureOut">
               <a:rPr lang="zh-TW" altLang="en-US" smtClean="0"/>
-              <a:t>2018/12/25</a:t>
+              <a:t>2018/12/26</a:t>
             </a:fld>
             <a:endParaRPr lang="zh-TW" altLang="en-US"/>
           </a:p>
@@ -3477,7 +3757,7 @@
           <a:p>
             <a:fld id="{5BBEAD13-0566-4C6C-97E7-55F17F24B09F}" type="datetimeFigureOut">
               <a:rPr lang="zh-TW" altLang="en-US" smtClean="0"/>
-              <a:t>2018/12/25</a:t>
+              <a:t>2018/12/26</a:t>
             </a:fld>
             <a:endParaRPr lang="zh-TW" altLang="en-US"/>
           </a:p>
@@ -3745,7 +4025,7 @@
           <a:p>
             <a:fld id="{5BBEAD13-0566-4C6C-97E7-55F17F24B09F}" type="datetimeFigureOut">
               <a:rPr lang="zh-TW" altLang="en-US" smtClean="0"/>
-              <a:t>2018/12/25</a:t>
+              <a:t>2018/12/26</a:t>
             </a:fld>
             <a:endParaRPr lang="zh-TW" altLang="en-US"/>
           </a:p>
@@ -4532,135 +4812,931 @@
           </a:p>
         </p:txBody>
       </p:sp>
-      <p:grpSp>
-        <p:nvGrpSpPr>
-          <p:cNvPr id="4" name="群組 3"/>
-          <p:cNvGrpSpPr/>
+      <p:sp>
+        <p:nvSpPr>
+          <p:cNvPr id="8" name="矩形 7"/>
+          <p:cNvSpPr/>
           <p:nvPr/>
-        </p:nvGrpSpPr>
-        <p:grpSpPr>
+        </p:nvSpPr>
+        <p:spPr>
           <a:xfrm>
-            <a:off x="4295897" y="3140968"/>
-            <a:ext cx="2652367" cy="3312368"/>
-            <a:chOff x="4295897" y="926826"/>
-            <a:chExt cx="4392489" cy="5526510"/>
+            <a:off x="4644007" y="926826"/>
+            <a:ext cx="4392488" cy="360040"/>
           </a:xfrm>
-        </p:grpSpPr>
-        <p:sp>
-          <p:nvSpPr>
-            <p:cNvPr id="5" name="矩形 4"/>
-            <p:cNvSpPr/>
-            <p:nvPr/>
-          </p:nvSpPr>
-          <p:spPr>
-            <a:xfrm>
-              <a:off x="4295897" y="926826"/>
-              <a:ext cx="4392488" cy="360040"/>
-            </a:xfrm>
-            <a:prstGeom prst="rect">
-              <a:avLst/>
-            </a:prstGeom>
-          </p:spPr>
-          <p:style>
-            <a:lnRef idx="2">
-              <a:schemeClr val="accent1">
-                <a:shade val="50000"/>
-              </a:schemeClr>
-            </a:lnRef>
-            <a:fillRef idx="1">
-              <a:schemeClr val="accent1"/>
-            </a:fillRef>
-            <a:effectRef idx="0">
-              <a:schemeClr val="accent1"/>
-            </a:effectRef>
-            <a:fontRef idx="minor">
-              <a:schemeClr val="lt1"/>
-            </a:fontRef>
-          </p:style>
-          <p:txBody>
-            <a:bodyPr rtlCol="0" anchor="ctr"/>
-            <a:lstStyle/>
-            <a:p>
-              <a:pPr algn="ctr"/>
-              <a:r>
-                <a:rPr lang="zh-TW" altLang="en-US" dirty="0" smtClean="0"/>
-                <a:t>小樣本實測</a:t>
-              </a:r>
-              <a:endParaRPr lang="zh-TW" altLang="en-US" dirty="0"/>
-            </a:p>
-          </p:txBody>
-        </p:sp>
-        <p:sp>
-          <p:nvSpPr>
-            <p:cNvPr id="6" name="文字方塊 5"/>
-            <p:cNvSpPr txBox="1"/>
-            <p:nvPr/>
-          </p:nvSpPr>
-          <p:spPr>
-            <a:xfrm>
-              <a:off x="4295898" y="1412776"/>
-              <a:ext cx="4392488" cy="2952328"/>
-            </a:xfrm>
-            <a:prstGeom prst="rect">
-              <a:avLst/>
-            </a:prstGeom>
-            <a:noFill/>
-            <a:ln>
-              <a:solidFill>
-                <a:schemeClr val="accent5"/>
-              </a:solidFill>
-            </a:ln>
-          </p:spPr>
-          <p:txBody>
-            <a:bodyPr wrap="square" rtlCol="0">
-              <a:noAutofit/>
-            </a:bodyPr>
-            <a:lstStyle/>
-            <a:p>
-              <a:r>
-                <a:rPr lang="zh-TW" altLang="en-US" dirty="0" smtClean="0"/>
-                <a:t>原文</a:t>
-              </a:r>
-              <a:endParaRPr lang="zh-TW" altLang="en-US" dirty="0"/>
-            </a:p>
-          </p:txBody>
-        </p:sp>
-        <p:sp>
-          <p:nvSpPr>
-            <p:cNvPr id="7" name="文字方塊 6"/>
-            <p:cNvSpPr txBox="1"/>
-            <p:nvPr/>
-          </p:nvSpPr>
-          <p:spPr>
-            <a:xfrm>
-              <a:off x="4295897" y="4437112"/>
-              <a:ext cx="4392488" cy="2016224"/>
-            </a:xfrm>
-            <a:prstGeom prst="rect">
-              <a:avLst/>
-            </a:prstGeom>
-            <a:noFill/>
-            <a:ln>
-              <a:solidFill>
-                <a:schemeClr val="accent5"/>
-              </a:solidFill>
-            </a:ln>
-          </p:spPr>
-          <p:txBody>
-            <a:bodyPr wrap="square" rtlCol="0">
-              <a:noAutofit/>
-            </a:bodyPr>
-            <a:lstStyle/>
-            <a:p>
-              <a:r>
-                <a:rPr lang="zh-TW" altLang="en-US" dirty="0" smtClean="0"/>
-                <a:t>摘要結果</a:t>
-              </a:r>
-              <a:endParaRPr lang="zh-TW" altLang="en-US" dirty="0"/>
-            </a:p>
-          </p:txBody>
-        </p:sp>
-      </p:grpSp>
+          <a:prstGeom prst="rect">
+            <a:avLst/>
+          </a:prstGeom>
+        </p:spPr>
+        <p:style>
+          <a:lnRef idx="2">
+            <a:schemeClr val="accent1">
+              <a:shade val="50000"/>
+            </a:schemeClr>
+          </a:lnRef>
+          <a:fillRef idx="1">
+            <a:schemeClr val="accent1"/>
+          </a:fillRef>
+          <a:effectRef idx="0">
+            <a:schemeClr val="accent1"/>
+          </a:effectRef>
+          <a:fontRef idx="minor">
+            <a:schemeClr val="lt1"/>
+          </a:fontRef>
+        </p:style>
+        <p:txBody>
+          <a:bodyPr rtlCol="0" anchor="ctr"/>
+          <a:lstStyle/>
+          <a:p>
+            <a:pPr algn="ctr"/>
+            <a:r>
+              <a:rPr lang="zh-TW" altLang="en-US" dirty="0" smtClean="0"/>
+              <a:t>小樣本實測</a:t>
+            </a:r>
+            <a:endParaRPr lang="zh-TW" altLang="en-US" dirty="0"/>
+          </a:p>
+        </p:txBody>
+      </p:sp>
+      <p:sp>
+        <p:nvSpPr>
+          <p:cNvPr id="9" name="文字方塊 8"/>
+          <p:cNvSpPr txBox="1"/>
+          <p:nvPr/>
+        </p:nvSpPr>
+        <p:spPr>
+          <a:xfrm>
+            <a:off x="4644008" y="1412776"/>
+            <a:ext cx="4392488" cy="3168352"/>
+          </a:xfrm>
+          <a:prstGeom prst="rect">
+            <a:avLst/>
+          </a:prstGeom>
+          <a:noFill/>
+          <a:ln>
+            <a:solidFill>
+              <a:schemeClr val="accent5"/>
+            </a:solidFill>
+          </a:ln>
+        </p:spPr>
+        <p:txBody>
+          <a:bodyPr wrap="square" rtlCol="0">
+            <a:noAutofit/>
+          </a:bodyPr>
+          <a:lstStyle/>
+          <a:p>
+            <a:r>
+              <a:rPr lang="zh-TW" altLang="en-US" sz="1100" b="1" u="sng" dirty="0">
+                <a:latin typeface="微軟正黑體" panose="020B0604030504040204" pitchFamily="34" charset="-120"/>
+                <a:ea typeface="微軟正黑體" panose="020B0604030504040204" pitchFamily="34" charset="-120"/>
+              </a:rPr>
+              <a:t>標題</a:t>
+            </a:r>
+            <a:r>
+              <a:rPr lang="en-US" altLang="zh-TW" sz="1100" b="1" u="sng" dirty="0">
+                <a:latin typeface="微軟正黑體" panose="020B0604030504040204" pitchFamily="34" charset="-120"/>
+                <a:ea typeface="微軟正黑體" panose="020B0604030504040204" pitchFamily="34" charset="-120"/>
+              </a:rPr>
+              <a:t>: 《</a:t>
+            </a:r>
+            <a:r>
+              <a:rPr lang="zh-TW" altLang="en-US" sz="1100" b="1" u="sng" dirty="0">
+                <a:latin typeface="微軟正黑體" panose="020B0604030504040204" pitchFamily="34" charset="-120"/>
+                <a:ea typeface="微軟正黑體" panose="020B0604030504040204" pitchFamily="34" charset="-120"/>
+              </a:rPr>
+              <a:t>柯文哲若尋求下任總統　民調：</a:t>
+            </a:r>
+            <a:r>
+              <a:rPr lang="en-US" altLang="zh-TW" sz="1100" b="1" u="sng" dirty="0">
+                <a:latin typeface="微軟正黑體" panose="020B0604030504040204" pitchFamily="34" charset="-120"/>
+                <a:ea typeface="微軟正黑體" panose="020B0604030504040204" pitchFamily="34" charset="-120"/>
+              </a:rPr>
+              <a:t>4</a:t>
+            </a:r>
+            <a:r>
+              <a:rPr lang="zh-TW" altLang="en-US" sz="1100" b="1" u="sng" dirty="0">
+                <a:latin typeface="微軟正黑體" panose="020B0604030504040204" pitchFamily="34" charset="-120"/>
+                <a:ea typeface="微軟正黑體" panose="020B0604030504040204" pitchFamily="34" charset="-120"/>
+              </a:rPr>
+              <a:t>成</a:t>
+            </a:r>
+            <a:r>
+              <a:rPr lang="en-US" altLang="zh-TW" sz="1100" b="1" u="sng" dirty="0">
+                <a:latin typeface="微軟正黑體" panose="020B0604030504040204" pitchFamily="34" charset="-120"/>
+                <a:ea typeface="微軟正黑體" panose="020B0604030504040204" pitchFamily="34" charset="-120"/>
+              </a:rPr>
+              <a:t>4</a:t>
+            </a:r>
+            <a:r>
+              <a:rPr lang="zh-TW" altLang="en-US" sz="1100" b="1" u="sng" dirty="0">
+                <a:latin typeface="微軟正黑體" panose="020B0604030504040204" pitchFamily="34" charset="-120"/>
+                <a:ea typeface="微軟正黑體" panose="020B0604030504040204" pitchFamily="34" charset="-120"/>
+              </a:rPr>
+              <a:t>民眾支持、</a:t>
+            </a:r>
+            <a:r>
+              <a:rPr lang="en-US" altLang="zh-TW" sz="1100" b="1" u="sng" dirty="0">
+                <a:latin typeface="微軟正黑體" panose="020B0604030504040204" pitchFamily="34" charset="-120"/>
+                <a:ea typeface="微軟正黑體" panose="020B0604030504040204" pitchFamily="34" charset="-120"/>
+              </a:rPr>
+              <a:t>5</a:t>
+            </a:r>
+            <a:r>
+              <a:rPr lang="zh-TW" altLang="en-US" sz="1100" b="1" u="sng" dirty="0">
+                <a:latin typeface="微軟正黑體" panose="020B0604030504040204" pitchFamily="34" charset="-120"/>
+                <a:ea typeface="微軟正黑體" panose="020B0604030504040204" pitchFamily="34" charset="-120"/>
+              </a:rPr>
+              <a:t>成反對</a:t>
+            </a:r>
+            <a:r>
+              <a:rPr lang="en-US" altLang="zh-TW" sz="1100" b="1" u="sng" dirty="0" smtClean="0">
+                <a:latin typeface="微軟正黑體" panose="020B0604030504040204" pitchFamily="34" charset="-120"/>
+                <a:ea typeface="微軟正黑體" panose="020B0604030504040204" pitchFamily="34" charset="-120"/>
+              </a:rPr>
+              <a:t>》</a:t>
+            </a:r>
+          </a:p>
+          <a:p>
+            <a:r>
+              <a:rPr lang="en-US" altLang="zh-TW" sz="1000" dirty="0" smtClean="0">
+                <a:latin typeface="微軟正黑體" panose="020B0604030504040204" pitchFamily="34" charset="-120"/>
+                <a:ea typeface="微軟正黑體" panose="020B0604030504040204" pitchFamily="34" charset="-120"/>
+              </a:rPr>
+              <a:t>0 </a:t>
+            </a:r>
+            <a:r>
+              <a:rPr lang="zh-TW" altLang="en-US" sz="1000" dirty="0">
+                <a:latin typeface="微軟正黑體" panose="020B0604030504040204" pitchFamily="34" charset="-120"/>
+                <a:ea typeface="微軟正黑體" panose="020B0604030504040204" pitchFamily="34" charset="-120"/>
+              </a:rPr>
+              <a:t>九合一選舉過後，誰來角逐</a:t>
+            </a:r>
+            <a:r>
+              <a:rPr lang="en-US" altLang="zh-TW" sz="1000" dirty="0">
+                <a:latin typeface="微軟正黑體" panose="020B0604030504040204" pitchFamily="34" charset="-120"/>
+                <a:ea typeface="微軟正黑體" panose="020B0604030504040204" pitchFamily="34" charset="-120"/>
+              </a:rPr>
+              <a:t>2020</a:t>
+            </a:r>
+            <a:r>
+              <a:rPr lang="zh-TW" altLang="en-US" sz="1000" dirty="0">
+                <a:latin typeface="微軟正黑體" panose="020B0604030504040204" pitchFamily="34" charset="-120"/>
+                <a:ea typeface="微軟正黑體" panose="020B0604030504040204" pitchFamily="34" charset="-120"/>
+              </a:rPr>
+              <a:t>引發關注。 </a:t>
+            </a:r>
+            <a:endParaRPr lang="en-US" altLang="zh-TW" sz="1000" dirty="0" smtClean="0">
+              <a:latin typeface="微軟正黑體" panose="020B0604030504040204" pitchFamily="34" charset="-120"/>
+              <a:ea typeface="微軟正黑體" panose="020B0604030504040204" pitchFamily="34" charset="-120"/>
+            </a:endParaRPr>
+          </a:p>
+          <a:p>
+            <a:r>
+              <a:rPr lang="en-US" altLang="zh-TW" sz="1000" dirty="0" smtClean="0">
+                <a:latin typeface="微軟正黑體" panose="020B0604030504040204" pitchFamily="34" charset="-120"/>
+                <a:ea typeface="微軟正黑體" panose="020B0604030504040204" pitchFamily="34" charset="-120"/>
+              </a:rPr>
+              <a:t>1 </a:t>
+            </a:r>
+            <a:r>
+              <a:rPr lang="zh-TW" altLang="en-US" sz="1000" dirty="0">
+                <a:latin typeface="微軟正黑體" panose="020B0604030504040204" pitchFamily="34" charset="-120"/>
+                <a:ea typeface="微軟正黑體" panose="020B0604030504040204" pitchFamily="34" charset="-120"/>
+              </a:rPr>
+              <a:t>台灣民意調查基金會今（</a:t>
+            </a:r>
+            <a:r>
+              <a:rPr lang="en-US" altLang="zh-TW" sz="1000" dirty="0">
+                <a:latin typeface="微軟正黑體" panose="020B0604030504040204" pitchFamily="34" charset="-120"/>
+                <a:ea typeface="微軟正黑體" panose="020B0604030504040204" pitchFamily="34" charset="-120"/>
+              </a:rPr>
+              <a:t>24</a:t>
+            </a:r>
+            <a:r>
+              <a:rPr lang="zh-TW" altLang="en-US" sz="1000" dirty="0">
+                <a:latin typeface="微軟正黑體" panose="020B0604030504040204" pitchFamily="34" charset="-120"/>
+                <a:ea typeface="微軟正黑體" panose="020B0604030504040204" pitchFamily="34" charset="-120"/>
+              </a:rPr>
+              <a:t>）日公布民調顯示，在政治人物的好感度方面，剛連任的台北市長柯文哲以（</a:t>
+            </a:r>
+            <a:r>
+              <a:rPr lang="en-US" altLang="zh-TW" sz="1000" dirty="0">
+                <a:latin typeface="微軟正黑體" panose="020B0604030504040204" pitchFamily="34" charset="-120"/>
+                <a:ea typeface="微軟正黑體" panose="020B0604030504040204" pitchFamily="34" charset="-120"/>
+              </a:rPr>
+              <a:t>65.81</a:t>
+            </a:r>
+            <a:r>
+              <a:rPr lang="zh-TW" altLang="en-US" sz="1000" dirty="0">
+                <a:latin typeface="微軟正黑體" panose="020B0604030504040204" pitchFamily="34" charset="-120"/>
+                <a:ea typeface="微軟正黑體" panose="020B0604030504040204" pitchFamily="34" charset="-120"/>
+              </a:rPr>
+              <a:t>度）領先高雄市長韓國瑜等政治人物。 </a:t>
+            </a:r>
+            <a:endParaRPr lang="en-US" altLang="zh-TW" sz="1000" dirty="0" smtClean="0">
+              <a:latin typeface="微軟正黑體" panose="020B0604030504040204" pitchFamily="34" charset="-120"/>
+              <a:ea typeface="微軟正黑體" panose="020B0604030504040204" pitchFamily="34" charset="-120"/>
+            </a:endParaRPr>
+          </a:p>
+          <a:p>
+            <a:r>
+              <a:rPr lang="en-US" altLang="zh-TW" sz="1000" dirty="0" smtClean="0">
+                <a:latin typeface="微軟正黑體" panose="020B0604030504040204" pitchFamily="34" charset="-120"/>
+                <a:ea typeface="微軟正黑體" panose="020B0604030504040204" pitchFamily="34" charset="-120"/>
+              </a:rPr>
+              <a:t>2 </a:t>
+            </a:r>
+            <a:r>
+              <a:rPr lang="zh-TW" altLang="en-US" sz="1000" dirty="0">
+                <a:latin typeface="微軟正黑體" panose="020B0604030504040204" pitchFamily="34" charset="-120"/>
+                <a:ea typeface="微軟正黑體" panose="020B0604030504040204" pitchFamily="34" charset="-120"/>
+              </a:rPr>
+              <a:t>至於如果柯</a:t>
+            </a:r>
+            <a:r>
+              <a:rPr lang="en-US" altLang="zh-TW" sz="1000" dirty="0">
+                <a:latin typeface="微軟正黑體" panose="020B0604030504040204" pitchFamily="34" charset="-120"/>
+                <a:ea typeface="微軟正黑體" panose="020B0604030504040204" pitchFamily="34" charset="-120"/>
+              </a:rPr>
+              <a:t>P</a:t>
+            </a:r>
+            <a:r>
+              <a:rPr lang="zh-TW" altLang="en-US" sz="1000" dirty="0">
+                <a:latin typeface="微軟正黑體" panose="020B0604030504040204" pitchFamily="34" charset="-120"/>
+                <a:ea typeface="微軟正黑體" panose="020B0604030504040204" pitchFamily="34" charset="-120"/>
+              </a:rPr>
+              <a:t>尋求參選下任總統，民調顯示，有</a:t>
+            </a:r>
+            <a:r>
+              <a:rPr lang="en-US" altLang="zh-TW" sz="1000" dirty="0">
+                <a:latin typeface="微軟正黑體" panose="020B0604030504040204" pitchFamily="34" charset="-120"/>
+                <a:ea typeface="微軟正黑體" panose="020B0604030504040204" pitchFamily="34" charset="-120"/>
+              </a:rPr>
+              <a:t>4</a:t>
+            </a:r>
+            <a:r>
+              <a:rPr lang="zh-TW" altLang="en-US" sz="1000" dirty="0">
+                <a:latin typeface="微軟正黑體" panose="020B0604030504040204" pitchFamily="34" charset="-120"/>
+                <a:ea typeface="微軟正黑體" panose="020B0604030504040204" pitchFamily="34" charset="-120"/>
+              </a:rPr>
+              <a:t>成</a:t>
+            </a:r>
+            <a:r>
+              <a:rPr lang="en-US" altLang="zh-TW" sz="1000" dirty="0">
+                <a:latin typeface="微軟正黑體" panose="020B0604030504040204" pitchFamily="34" charset="-120"/>
+                <a:ea typeface="微軟正黑體" panose="020B0604030504040204" pitchFamily="34" charset="-120"/>
+              </a:rPr>
+              <a:t>4</a:t>
+            </a:r>
+            <a:r>
+              <a:rPr lang="zh-TW" altLang="en-US" sz="1000" dirty="0">
+                <a:latin typeface="微軟正黑體" panose="020B0604030504040204" pitchFamily="34" charset="-120"/>
+                <a:ea typeface="微軟正黑體" panose="020B0604030504040204" pitchFamily="34" charset="-120"/>
+              </a:rPr>
+              <a:t>的民眾支持，但有</a:t>
+            </a:r>
+            <a:r>
+              <a:rPr lang="en-US" altLang="zh-TW" sz="1000" dirty="0">
+                <a:latin typeface="微軟正黑體" panose="020B0604030504040204" pitchFamily="34" charset="-120"/>
+                <a:ea typeface="微軟正黑體" panose="020B0604030504040204" pitchFamily="34" charset="-120"/>
+              </a:rPr>
+              <a:t>5</a:t>
+            </a:r>
+            <a:r>
+              <a:rPr lang="zh-TW" altLang="en-US" sz="1000" dirty="0">
+                <a:latin typeface="微軟正黑體" panose="020B0604030504040204" pitchFamily="34" charset="-120"/>
+                <a:ea typeface="微軟正黑體" panose="020B0604030504040204" pitchFamily="34" charset="-120"/>
+              </a:rPr>
+              <a:t>成的人反對，反對的人多於支持的人。 </a:t>
+            </a:r>
+            <a:endParaRPr lang="en-US" altLang="zh-TW" sz="1000" dirty="0" smtClean="0">
+              <a:latin typeface="微軟正黑體" panose="020B0604030504040204" pitchFamily="34" charset="-120"/>
+              <a:ea typeface="微軟正黑體" panose="020B0604030504040204" pitchFamily="34" charset="-120"/>
+            </a:endParaRPr>
+          </a:p>
+          <a:p>
+            <a:r>
+              <a:rPr lang="en-US" altLang="zh-TW" sz="1000" dirty="0" smtClean="0">
+                <a:latin typeface="微軟正黑體" panose="020B0604030504040204" pitchFamily="34" charset="-120"/>
+                <a:ea typeface="微軟正黑體" panose="020B0604030504040204" pitchFamily="34" charset="-120"/>
+              </a:rPr>
+              <a:t>3 </a:t>
+            </a:r>
+            <a:r>
+              <a:rPr lang="zh-TW" altLang="en-US" sz="1000" dirty="0">
+                <a:latin typeface="微軟正黑體" panose="020B0604030504040204" pitchFamily="34" charset="-120"/>
+                <a:ea typeface="微軟正黑體" panose="020B0604030504040204" pitchFamily="34" charset="-120"/>
+              </a:rPr>
+              <a:t>台灣民意基金會董事長游盈隆今天上午召開「</a:t>
+            </a:r>
+            <a:r>
+              <a:rPr lang="en-US" altLang="zh-TW" sz="1000" dirty="0">
+                <a:latin typeface="微軟正黑體" panose="020B0604030504040204" pitchFamily="34" charset="-120"/>
+                <a:ea typeface="微軟正黑體" panose="020B0604030504040204" pitchFamily="34" charset="-120"/>
+              </a:rPr>
+              <a:t>2018</a:t>
+            </a:r>
+            <a:r>
+              <a:rPr lang="zh-TW" altLang="en-US" sz="1000" dirty="0">
+                <a:latin typeface="微軟正黑體" panose="020B0604030504040204" pitchFamily="34" charset="-120"/>
+                <a:ea typeface="微軟正黑體" panose="020B0604030504040204" pitchFamily="34" charset="-120"/>
+              </a:rPr>
+              <a:t>年終台灣重大民意走向」記者會。 </a:t>
+            </a:r>
+            <a:endParaRPr lang="en-US" altLang="zh-TW" sz="1000" dirty="0" smtClean="0">
+              <a:latin typeface="微軟正黑體" panose="020B0604030504040204" pitchFamily="34" charset="-120"/>
+              <a:ea typeface="微軟正黑體" panose="020B0604030504040204" pitchFamily="34" charset="-120"/>
+            </a:endParaRPr>
+          </a:p>
+          <a:p>
+            <a:r>
+              <a:rPr lang="en-US" altLang="zh-TW" sz="1000" dirty="0" smtClean="0">
+                <a:latin typeface="微軟正黑體" panose="020B0604030504040204" pitchFamily="34" charset="-120"/>
+                <a:ea typeface="微軟正黑體" panose="020B0604030504040204" pitchFamily="34" charset="-120"/>
+              </a:rPr>
+              <a:t>4 </a:t>
+            </a:r>
+            <a:r>
+              <a:rPr lang="zh-TW" altLang="en-US" sz="1000" dirty="0">
+                <a:latin typeface="微軟正黑體" panose="020B0604030504040204" pitchFamily="34" charset="-120"/>
+                <a:ea typeface="微軟正黑體" panose="020B0604030504040204" pitchFamily="34" charset="-120"/>
+              </a:rPr>
+              <a:t>此次調查重點包括蔡英文總統聲望、賴清德內閣的施政表現、蔡英文總統兩岸表現的民意反應、台灣人對主要政治人的感情溫度、台灣人對</a:t>
+            </a:r>
+            <a:r>
+              <a:rPr lang="en-US" altLang="zh-TW" sz="1000" dirty="0">
+                <a:latin typeface="微軟正黑體" panose="020B0604030504040204" pitchFamily="34" charset="-120"/>
+                <a:ea typeface="微軟正黑體" panose="020B0604030504040204" pitchFamily="34" charset="-120"/>
+              </a:rPr>
+              <a:t>2020</a:t>
+            </a:r>
+            <a:r>
+              <a:rPr lang="zh-TW" altLang="en-US" sz="1000" dirty="0">
+                <a:latin typeface="微軟正黑體" panose="020B0604030504040204" pitchFamily="34" charset="-120"/>
+                <a:ea typeface="微軟正黑體" panose="020B0604030504040204" pitchFamily="34" charset="-120"/>
+              </a:rPr>
+              <a:t>主要總統可能人選的支持傾向、台灣人的統獨傾向、台灣人的政黨認同。 </a:t>
+            </a:r>
+            <a:endParaRPr lang="en-US" altLang="zh-TW" sz="1000" dirty="0" smtClean="0">
+              <a:latin typeface="微軟正黑體" panose="020B0604030504040204" pitchFamily="34" charset="-120"/>
+              <a:ea typeface="微軟正黑體" panose="020B0604030504040204" pitchFamily="34" charset="-120"/>
+            </a:endParaRPr>
+          </a:p>
+          <a:p>
+            <a:r>
+              <a:rPr lang="en-US" altLang="zh-TW" sz="1000" dirty="0" smtClean="0">
+                <a:latin typeface="微軟正黑體" panose="020B0604030504040204" pitchFamily="34" charset="-120"/>
+                <a:ea typeface="微軟正黑體" panose="020B0604030504040204" pitchFamily="34" charset="-120"/>
+              </a:rPr>
+              <a:t>5 </a:t>
+            </a:r>
+            <a:r>
+              <a:rPr lang="zh-TW" altLang="en-US" sz="1000" dirty="0">
+                <a:latin typeface="微軟正黑體" panose="020B0604030504040204" pitchFamily="34" charset="-120"/>
+                <a:ea typeface="微軟正黑體" panose="020B0604030504040204" pitchFamily="34" charset="-120"/>
+              </a:rPr>
+              <a:t>關於台灣人對主要政治人物的感情溫度，民調顯示，台北市長最高（</a:t>
+            </a:r>
+            <a:r>
+              <a:rPr lang="en-US" altLang="zh-TW" sz="1000" dirty="0">
+                <a:latin typeface="微軟正黑體" panose="020B0604030504040204" pitchFamily="34" charset="-120"/>
+                <a:ea typeface="微軟正黑體" panose="020B0604030504040204" pitchFamily="34" charset="-120"/>
+              </a:rPr>
+              <a:t>65.81</a:t>
+            </a:r>
+            <a:r>
+              <a:rPr lang="zh-TW" altLang="en-US" sz="1000" dirty="0">
+                <a:latin typeface="微軟正黑體" panose="020B0604030504040204" pitchFamily="34" charset="-120"/>
+                <a:ea typeface="微軟正黑體" panose="020B0604030504040204" pitchFamily="34" charset="-120"/>
+              </a:rPr>
+              <a:t>度）、其次是高雄市長韓國瑜（</a:t>
+            </a:r>
+            <a:r>
+              <a:rPr lang="en-US" altLang="zh-TW" sz="1000" dirty="0">
+                <a:latin typeface="微軟正黑體" panose="020B0604030504040204" pitchFamily="34" charset="-120"/>
+                <a:ea typeface="微軟正黑體" panose="020B0604030504040204" pitchFamily="34" charset="-120"/>
+              </a:rPr>
+              <a:t>62.12</a:t>
+            </a:r>
+            <a:r>
+              <a:rPr lang="zh-TW" altLang="en-US" sz="1000" dirty="0">
+                <a:latin typeface="微軟正黑體" panose="020B0604030504040204" pitchFamily="34" charset="-120"/>
+                <a:ea typeface="微軟正黑體" panose="020B0604030504040204" pitchFamily="34" charset="-120"/>
+              </a:rPr>
+              <a:t>度），第三是新北市長侯友宜（</a:t>
+            </a:r>
+            <a:r>
+              <a:rPr lang="en-US" altLang="zh-TW" sz="1000" dirty="0">
+                <a:latin typeface="微軟正黑體" panose="020B0604030504040204" pitchFamily="34" charset="-120"/>
+                <a:ea typeface="微軟正黑體" panose="020B0604030504040204" pitchFamily="34" charset="-120"/>
+              </a:rPr>
+              <a:t>59.79</a:t>
+            </a:r>
+            <a:r>
+              <a:rPr lang="zh-TW" altLang="en-US" sz="1000" dirty="0">
+                <a:latin typeface="微軟正黑體" panose="020B0604030504040204" pitchFamily="34" charset="-120"/>
+                <a:ea typeface="微軟正黑體" panose="020B0604030504040204" pitchFamily="34" charset="-120"/>
+              </a:rPr>
+              <a:t>度）、第四是行政院長賴清德（</a:t>
+            </a:r>
+            <a:r>
+              <a:rPr lang="en-US" altLang="zh-TW" sz="1000" dirty="0">
+                <a:latin typeface="微軟正黑體" panose="020B0604030504040204" pitchFamily="34" charset="-120"/>
+                <a:ea typeface="微軟正黑體" panose="020B0604030504040204" pitchFamily="34" charset="-120"/>
+              </a:rPr>
+              <a:t>53.818</a:t>
+            </a:r>
+            <a:r>
+              <a:rPr lang="zh-TW" altLang="en-US" sz="1000" dirty="0">
+                <a:latin typeface="微軟正黑體" panose="020B0604030504040204" pitchFamily="34" charset="-120"/>
+                <a:ea typeface="微軟正黑體" panose="020B0604030504040204" pitchFamily="34" charset="-120"/>
+              </a:rPr>
+              <a:t>度）、第五是蔡英文總統（</a:t>
+            </a:r>
+            <a:r>
+              <a:rPr lang="en-US" altLang="zh-TW" sz="1000" dirty="0">
+                <a:latin typeface="微軟正黑體" panose="020B0604030504040204" pitchFamily="34" charset="-120"/>
+                <a:ea typeface="微軟正黑體" panose="020B0604030504040204" pitchFamily="34" charset="-120"/>
+              </a:rPr>
+              <a:t>42.98</a:t>
+            </a:r>
+            <a:r>
+              <a:rPr lang="zh-TW" altLang="en-US" sz="1000" dirty="0">
+                <a:latin typeface="微軟正黑體" panose="020B0604030504040204" pitchFamily="34" charset="-120"/>
+                <a:ea typeface="微軟正黑體" panose="020B0604030504040204" pitchFamily="34" charset="-120"/>
+              </a:rPr>
+              <a:t>度）。 </a:t>
+            </a:r>
+            <a:endParaRPr lang="en-US" altLang="zh-TW" sz="1000" dirty="0" smtClean="0">
+              <a:latin typeface="微軟正黑體" panose="020B0604030504040204" pitchFamily="34" charset="-120"/>
+              <a:ea typeface="微軟正黑體" panose="020B0604030504040204" pitchFamily="34" charset="-120"/>
+            </a:endParaRPr>
+          </a:p>
+          <a:p>
+            <a:r>
+              <a:rPr lang="en-US" altLang="zh-TW" sz="1000" dirty="0" smtClean="0">
+                <a:latin typeface="微軟正黑體" panose="020B0604030504040204" pitchFamily="34" charset="-120"/>
+                <a:ea typeface="微軟正黑體" panose="020B0604030504040204" pitchFamily="34" charset="-120"/>
+              </a:rPr>
+              <a:t>6 </a:t>
+            </a:r>
+            <a:r>
+              <a:rPr lang="zh-TW" altLang="en-US" sz="1000" dirty="0">
+                <a:latin typeface="微軟正黑體" panose="020B0604030504040204" pitchFamily="34" charset="-120"/>
+                <a:ea typeface="微軟正黑體" panose="020B0604030504040204" pitchFamily="34" charset="-120"/>
+              </a:rPr>
+              <a:t>至於柯文哲若參選下任總統？ </a:t>
+            </a:r>
+            <a:endParaRPr lang="en-US" altLang="zh-TW" sz="1000" dirty="0" smtClean="0">
+              <a:latin typeface="微軟正黑體" panose="020B0604030504040204" pitchFamily="34" charset="-120"/>
+              <a:ea typeface="微軟正黑體" panose="020B0604030504040204" pitchFamily="34" charset="-120"/>
+            </a:endParaRPr>
+          </a:p>
+          <a:p>
+            <a:r>
+              <a:rPr lang="en-US" altLang="zh-TW" sz="1000" dirty="0" smtClean="0">
+                <a:latin typeface="微軟正黑體" panose="020B0604030504040204" pitchFamily="34" charset="-120"/>
+                <a:ea typeface="微軟正黑體" panose="020B0604030504040204" pitchFamily="34" charset="-120"/>
+              </a:rPr>
+              <a:t>7 </a:t>
+            </a:r>
+            <a:r>
+              <a:rPr lang="zh-TW" altLang="en-US" sz="1000" dirty="0">
+                <a:latin typeface="微軟正黑體" panose="020B0604030504040204" pitchFamily="34" charset="-120"/>
+                <a:ea typeface="微軟正黑體" panose="020B0604030504040204" pitchFamily="34" charset="-120"/>
+              </a:rPr>
+              <a:t>民調顯示，有</a:t>
+            </a:r>
+            <a:r>
+              <a:rPr lang="en-US" altLang="zh-TW" sz="1000" dirty="0">
+                <a:latin typeface="微軟正黑體" panose="020B0604030504040204" pitchFamily="34" charset="-120"/>
+                <a:ea typeface="微軟正黑體" panose="020B0604030504040204" pitchFamily="34" charset="-120"/>
+              </a:rPr>
+              <a:t>18.3%</a:t>
+            </a:r>
+            <a:r>
+              <a:rPr lang="zh-TW" altLang="en-US" sz="1000" dirty="0">
+                <a:latin typeface="微軟正黑體" panose="020B0604030504040204" pitchFamily="34" charset="-120"/>
+                <a:ea typeface="微軟正黑體" panose="020B0604030504040204" pitchFamily="34" charset="-120"/>
+              </a:rPr>
+              <a:t>非常支持，</a:t>
+            </a:r>
+            <a:r>
+              <a:rPr lang="en-US" altLang="zh-TW" sz="1000" dirty="0">
+                <a:latin typeface="微軟正黑體" panose="020B0604030504040204" pitchFamily="34" charset="-120"/>
+                <a:ea typeface="微軟正黑體" panose="020B0604030504040204" pitchFamily="34" charset="-120"/>
+              </a:rPr>
+              <a:t>25.5%</a:t>
+            </a:r>
+            <a:r>
+              <a:rPr lang="zh-TW" altLang="en-US" sz="1000" dirty="0">
+                <a:latin typeface="微軟正黑體" panose="020B0604030504040204" pitchFamily="34" charset="-120"/>
+                <a:ea typeface="微軟正黑體" panose="020B0604030504040204" pitchFamily="34" charset="-120"/>
+              </a:rPr>
+              <a:t>還算支持，</a:t>
+            </a:r>
+            <a:r>
+              <a:rPr lang="en-US" altLang="zh-TW" sz="1000" dirty="0">
+                <a:latin typeface="微軟正黑體" panose="020B0604030504040204" pitchFamily="34" charset="-120"/>
+                <a:ea typeface="微軟正黑體" panose="020B0604030504040204" pitchFamily="34" charset="-120"/>
+              </a:rPr>
+              <a:t>25.1%</a:t>
+            </a:r>
+            <a:r>
+              <a:rPr lang="zh-TW" altLang="en-US" sz="1000" dirty="0">
+                <a:latin typeface="微軟正黑體" panose="020B0604030504040204" pitchFamily="34" charset="-120"/>
+                <a:ea typeface="微軟正黑體" panose="020B0604030504040204" pitchFamily="34" charset="-120"/>
+              </a:rPr>
+              <a:t>不太支持，</a:t>
+            </a:r>
+            <a:r>
+              <a:rPr lang="en-US" altLang="zh-TW" sz="1000" dirty="0">
+                <a:latin typeface="微軟正黑體" panose="020B0604030504040204" pitchFamily="34" charset="-120"/>
+                <a:ea typeface="微軟正黑體" panose="020B0604030504040204" pitchFamily="34" charset="-120"/>
+              </a:rPr>
+              <a:t>24.8%</a:t>
+            </a:r>
+            <a:r>
+              <a:rPr lang="zh-TW" altLang="en-US" sz="1000" dirty="0">
+                <a:latin typeface="微軟正黑體" panose="020B0604030504040204" pitchFamily="34" charset="-120"/>
+                <a:ea typeface="微軟正黑體" panose="020B0604030504040204" pitchFamily="34" charset="-120"/>
+              </a:rPr>
+              <a:t>一點也不支持，</a:t>
+            </a:r>
+            <a:r>
+              <a:rPr lang="en-US" altLang="zh-TW" sz="1000" dirty="0">
+                <a:latin typeface="微軟正黑體" panose="020B0604030504040204" pitchFamily="34" charset="-120"/>
+                <a:ea typeface="微軟正黑體" panose="020B0604030504040204" pitchFamily="34" charset="-120"/>
+              </a:rPr>
+              <a:t>6.3%</a:t>
+            </a:r>
+            <a:r>
+              <a:rPr lang="zh-TW" altLang="en-US" sz="1000" dirty="0">
+                <a:latin typeface="微軟正黑體" panose="020B0604030504040204" pitchFamily="34" charset="-120"/>
+                <a:ea typeface="微軟正黑體" panose="020B0604030504040204" pitchFamily="34" charset="-120"/>
+              </a:rPr>
+              <a:t>沒意見、不知道、拒答。 </a:t>
+            </a:r>
+            <a:endParaRPr lang="en-US" altLang="zh-TW" sz="1000" dirty="0" smtClean="0">
+              <a:latin typeface="微軟正黑體" panose="020B0604030504040204" pitchFamily="34" charset="-120"/>
+              <a:ea typeface="微軟正黑體" panose="020B0604030504040204" pitchFamily="34" charset="-120"/>
+            </a:endParaRPr>
+          </a:p>
+          <a:p>
+            <a:r>
+              <a:rPr lang="en-US" altLang="zh-TW" sz="1000" dirty="0" smtClean="0">
+                <a:latin typeface="微軟正黑體" panose="020B0604030504040204" pitchFamily="34" charset="-120"/>
+                <a:ea typeface="微軟正黑體" panose="020B0604030504040204" pitchFamily="34" charset="-120"/>
+              </a:rPr>
+              <a:t>8 </a:t>
+            </a:r>
+            <a:r>
+              <a:rPr lang="zh-TW" altLang="en-US" sz="1000" dirty="0">
+                <a:latin typeface="微軟正黑體" panose="020B0604030504040204" pitchFamily="34" charset="-120"/>
+                <a:ea typeface="微軟正黑體" panose="020B0604030504040204" pitchFamily="34" charset="-120"/>
+              </a:rPr>
+              <a:t>換句話說，在二十歲以上的台灣人當中，有四成四的人基本上支持柯文哲參選下一屆總統，但有五成的人反對，反對的人多於支持的人。</a:t>
+            </a:r>
+            <a:endParaRPr lang="zh-TW" altLang="en-US" sz="1000" dirty="0">
+              <a:latin typeface="微軟正黑體" panose="020B0604030504040204" pitchFamily="34" charset="-120"/>
+              <a:ea typeface="微軟正黑體" panose="020B0604030504040204" pitchFamily="34" charset="-120"/>
+            </a:endParaRPr>
+          </a:p>
+        </p:txBody>
+      </p:sp>
+      <p:sp>
+        <p:nvSpPr>
+          <p:cNvPr id="10" name="文字方塊 9"/>
+          <p:cNvSpPr txBox="1"/>
+          <p:nvPr/>
+        </p:nvSpPr>
+        <p:spPr>
+          <a:xfrm>
+            <a:off x="4644007" y="4653136"/>
+            <a:ext cx="4392488" cy="2016224"/>
+          </a:xfrm>
+          <a:prstGeom prst="rect">
+            <a:avLst/>
+          </a:prstGeom>
+          <a:noFill/>
+          <a:ln>
+            <a:solidFill>
+              <a:schemeClr val="accent5"/>
+            </a:solidFill>
+          </a:ln>
+        </p:spPr>
+        <p:txBody>
+          <a:bodyPr wrap="square" rtlCol="0">
+            <a:noAutofit/>
+          </a:bodyPr>
+          <a:lstStyle/>
+          <a:p>
+            <a:r>
+              <a:rPr lang="zh-TW" altLang="en-US" sz="1100" b="1" u="sng" dirty="0">
+                <a:latin typeface="微軟正黑體" panose="020B0604030504040204" pitchFamily="34" charset="-120"/>
+                <a:ea typeface="微軟正黑體" panose="020B0604030504040204" pitchFamily="34" charset="-120"/>
+              </a:rPr>
+              <a:t>標題</a:t>
+            </a:r>
+            <a:r>
+              <a:rPr lang="en-US" altLang="zh-TW" sz="1100" b="1" u="sng" dirty="0">
+                <a:latin typeface="微軟正黑體" panose="020B0604030504040204" pitchFamily="34" charset="-120"/>
+                <a:ea typeface="微軟正黑體" panose="020B0604030504040204" pitchFamily="34" charset="-120"/>
+              </a:rPr>
+              <a:t>: 《</a:t>
+            </a:r>
+            <a:r>
+              <a:rPr lang="zh-TW" altLang="en-US" sz="1100" b="1" u="sng" dirty="0">
+                <a:latin typeface="微軟正黑體" panose="020B0604030504040204" pitchFamily="34" charset="-120"/>
+                <a:ea typeface="微軟正黑體" panose="020B0604030504040204" pitchFamily="34" charset="-120"/>
+              </a:rPr>
+              <a:t>柯文哲若尋求下任總統　民調：</a:t>
+            </a:r>
+            <a:r>
+              <a:rPr lang="en-US" altLang="zh-TW" sz="1100" b="1" u="sng" dirty="0">
+                <a:latin typeface="微軟正黑體" panose="020B0604030504040204" pitchFamily="34" charset="-120"/>
+                <a:ea typeface="微軟正黑體" panose="020B0604030504040204" pitchFamily="34" charset="-120"/>
+              </a:rPr>
+              <a:t>4</a:t>
+            </a:r>
+            <a:r>
+              <a:rPr lang="zh-TW" altLang="en-US" sz="1100" b="1" u="sng" dirty="0">
+                <a:latin typeface="微軟正黑體" panose="020B0604030504040204" pitchFamily="34" charset="-120"/>
+                <a:ea typeface="微軟正黑體" panose="020B0604030504040204" pitchFamily="34" charset="-120"/>
+              </a:rPr>
+              <a:t>成</a:t>
+            </a:r>
+            <a:r>
+              <a:rPr lang="en-US" altLang="zh-TW" sz="1100" b="1" u="sng" dirty="0">
+                <a:latin typeface="微軟正黑體" panose="020B0604030504040204" pitchFamily="34" charset="-120"/>
+                <a:ea typeface="微軟正黑體" panose="020B0604030504040204" pitchFamily="34" charset="-120"/>
+              </a:rPr>
+              <a:t>4</a:t>
+            </a:r>
+            <a:r>
+              <a:rPr lang="zh-TW" altLang="en-US" sz="1100" b="1" u="sng" dirty="0">
+                <a:latin typeface="微軟正黑體" panose="020B0604030504040204" pitchFamily="34" charset="-120"/>
+                <a:ea typeface="微軟正黑體" panose="020B0604030504040204" pitchFamily="34" charset="-120"/>
+              </a:rPr>
+              <a:t>民眾支持、</a:t>
+            </a:r>
+            <a:r>
+              <a:rPr lang="en-US" altLang="zh-TW" sz="1100" b="1" u="sng" dirty="0">
+                <a:latin typeface="微軟正黑體" panose="020B0604030504040204" pitchFamily="34" charset="-120"/>
+                <a:ea typeface="微軟正黑體" panose="020B0604030504040204" pitchFamily="34" charset="-120"/>
+              </a:rPr>
+              <a:t>5</a:t>
+            </a:r>
+            <a:r>
+              <a:rPr lang="zh-TW" altLang="en-US" sz="1100" b="1" u="sng" dirty="0">
+                <a:latin typeface="微軟正黑體" panose="020B0604030504040204" pitchFamily="34" charset="-120"/>
+                <a:ea typeface="微軟正黑體" panose="020B0604030504040204" pitchFamily="34" charset="-120"/>
+              </a:rPr>
+              <a:t>成反對</a:t>
+            </a:r>
+            <a:r>
+              <a:rPr lang="en-US" altLang="zh-TW" sz="1100" b="1" u="sng" dirty="0">
+                <a:latin typeface="微軟正黑體" panose="020B0604030504040204" pitchFamily="34" charset="-120"/>
+                <a:ea typeface="微軟正黑體" panose="020B0604030504040204" pitchFamily="34" charset="-120"/>
+              </a:rPr>
+              <a:t>》 </a:t>
+            </a:r>
+            <a:r>
+              <a:rPr lang="en-US" altLang="zh-TW" sz="1100" b="1" u="sng" dirty="0" smtClean="0">
+                <a:latin typeface="微軟正黑體" panose="020B0604030504040204" pitchFamily="34" charset="-120"/>
+                <a:ea typeface="微軟正黑體" panose="020B0604030504040204" pitchFamily="34" charset="-120"/>
+              </a:rPr>
+              <a:t> </a:t>
+            </a:r>
+          </a:p>
+          <a:p>
+            <a:r>
+              <a:rPr lang="en-US" altLang="zh-TW" sz="1000" dirty="0" smtClean="0">
+                <a:latin typeface="微軟正黑體" panose="020B0604030504040204" pitchFamily="34" charset="-120"/>
+                <a:ea typeface="微軟正黑體" panose="020B0604030504040204" pitchFamily="34" charset="-120"/>
+              </a:rPr>
+              <a:t>1 </a:t>
+            </a:r>
+            <a:r>
+              <a:rPr lang="zh-TW" altLang="en-US" sz="1000" dirty="0">
+                <a:latin typeface="微軟正黑體" panose="020B0604030504040204" pitchFamily="34" charset="-120"/>
+                <a:ea typeface="微軟正黑體" panose="020B0604030504040204" pitchFamily="34" charset="-120"/>
+              </a:rPr>
+              <a:t>台灣民意調查基金會今（</a:t>
+            </a:r>
+            <a:r>
+              <a:rPr lang="en-US" altLang="zh-TW" sz="1000" dirty="0">
+                <a:latin typeface="微軟正黑體" panose="020B0604030504040204" pitchFamily="34" charset="-120"/>
+                <a:ea typeface="微軟正黑體" panose="020B0604030504040204" pitchFamily="34" charset="-120"/>
+              </a:rPr>
+              <a:t>24</a:t>
+            </a:r>
+            <a:r>
+              <a:rPr lang="zh-TW" altLang="en-US" sz="1000" dirty="0">
+                <a:latin typeface="微軟正黑體" panose="020B0604030504040204" pitchFamily="34" charset="-120"/>
+                <a:ea typeface="微軟正黑體" panose="020B0604030504040204" pitchFamily="34" charset="-120"/>
+              </a:rPr>
+              <a:t>）日公布民調顯示，在政治人物的好感度方面，剛連任的台北市長柯文哲以（</a:t>
+            </a:r>
+            <a:r>
+              <a:rPr lang="en-US" altLang="zh-TW" sz="1000" dirty="0">
+                <a:latin typeface="微軟正黑體" panose="020B0604030504040204" pitchFamily="34" charset="-120"/>
+                <a:ea typeface="微軟正黑體" panose="020B0604030504040204" pitchFamily="34" charset="-120"/>
+              </a:rPr>
+              <a:t>65.81</a:t>
+            </a:r>
+            <a:r>
+              <a:rPr lang="zh-TW" altLang="en-US" sz="1000" dirty="0">
+                <a:latin typeface="微軟正黑體" panose="020B0604030504040204" pitchFamily="34" charset="-120"/>
+                <a:ea typeface="微軟正黑體" panose="020B0604030504040204" pitchFamily="34" charset="-120"/>
+              </a:rPr>
+              <a:t>度）領先高雄市長韓國瑜等政治人物。 </a:t>
+            </a:r>
+            <a:r>
+              <a:rPr lang="en-US" altLang="zh-TW" sz="1000" dirty="0" smtClean="0">
+                <a:latin typeface="微軟正黑體" panose="020B0604030504040204" pitchFamily="34" charset="-120"/>
+                <a:ea typeface="微軟正黑體" panose="020B0604030504040204" pitchFamily="34" charset="-120"/>
+              </a:rPr>
+              <a:t>2 </a:t>
+            </a:r>
+            <a:r>
+              <a:rPr lang="zh-TW" altLang="en-US" sz="1000" dirty="0">
+                <a:latin typeface="微軟正黑體" panose="020B0604030504040204" pitchFamily="34" charset="-120"/>
+                <a:ea typeface="微軟正黑體" panose="020B0604030504040204" pitchFamily="34" charset="-120"/>
+              </a:rPr>
+              <a:t>至於如果柯</a:t>
+            </a:r>
+            <a:r>
+              <a:rPr lang="en-US" altLang="zh-TW" sz="1000" dirty="0">
+                <a:latin typeface="微軟正黑體" panose="020B0604030504040204" pitchFamily="34" charset="-120"/>
+                <a:ea typeface="微軟正黑體" panose="020B0604030504040204" pitchFamily="34" charset="-120"/>
+              </a:rPr>
+              <a:t>P</a:t>
+            </a:r>
+            <a:r>
+              <a:rPr lang="zh-TW" altLang="en-US" sz="1000" dirty="0">
+                <a:latin typeface="微軟正黑體" panose="020B0604030504040204" pitchFamily="34" charset="-120"/>
+                <a:ea typeface="微軟正黑體" panose="020B0604030504040204" pitchFamily="34" charset="-120"/>
+              </a:rPr>
+              <a:t>尋求參選下任總統，民調顯示，有</a:t>
+            </a:r>
+            <a:r>
+              <a:rPr lang="en-US" altLang="zh-TW" sz="1000" dirty="0">
+                <a:latin typeface="微軟正黑體" panose="020B0604030504040204" pitchFamily="34" charset="-120"/>
+                <a:ea typeface="微軟正黑體" panose="020B0604030504040204" pitchFamily="34" charset="-120"/>
+              </a:rPr>
+              <a:t>4</a:t>
+            </a:r>
+            <a:r>
+              <a:rPr lang="zh-TW" altLang="en-US" sz="1000" dirty="0">
+                <a:latin typeface="微軟正黑體" panose="020B0604030504040204" pitchFamily="34" charset="-120"/>
+                <a:ea typeface="微軟正黑體" panose="020B0604030504040204" pitchFamily="34" charset="-120"/>
+              </a:rPr>
+              <a:t>成</a:t>
+            </a:r>
+            <a:r>
+              <a:rPr lang="en-US" altLang="zh-TW" sz="1000" dirty="0">
+                <a:latin typeface="微軟正黑體" panose="020B0604030504040204" pitchFamily="34" charset="-120"/>
+                <a:ea typeface="微軟正黑體" panose="020B0604030504040204" pitchFamily="34" charset="-120"/>
+              </a:rPr>
+              <a:t>4</a:t>
+            </a:r>
+            <a:r>
+              <a:rPr lang="zh-TW" altLang="en-US" sz="1000" dirty="0">
+                <a:latin typeface="微軟正黑體" panose="020B0604030504040204" pitchFamily="34" charset="-120"/>
+                <a:ea typeface="微軟正黑體" panose="020B0604030504040204" pitchFamily="34" charset="-120"/>
+              </a:rPr>
+              <a:t>的民眾支持，但有</a:t>
+            </a:r>
+            <a:r>
+              <a:rPr lang="en-US" altLang="zh-TW" sz="1000" dirty="0">
+                <a:latin typeface="微軟正黑體" panose="020B0604030504040204" pitchFamily="34" charset="-120"/>
+                <a:ea typeface="微軟正黑體" panose="020B0604030504040204" pitchFamily="34" charset="-120"/>
+              </a:rPr>
+              <a:t>5</a:t>
+            </a:r>
+            <a:r>
+              <a:rPr lang="zh-TW" altLang="en-US" sz="1000" dirty="0">
+                <a:latin typeface="微軟正黑體" panose="020B0604030504040204" pitchFamily="34" charset="-120"/>
+                <a:ea typeface="微軟正黑體" panose="020B0604030504040204" pitchFamily="34" charset="-120"/>
+              </a:rPr>
+              <a:t>成的人反對，反對的人多於支持的人。 </a:t>
+            </a:r>
+            <a:endParaRPr lang="en-US" altLang="zh-TW" sz="1000" dirty="0" smtClean="0">
+              <a:latin typeface="微軟正黑體" panose="020B0604030504040204" pitchFamily="34" charset="-120"/>
+              <a:ea typeface="微軟正黑體" panose="020B0604030504040204" pitchFamily="34" charset="-120"/>
+            </a:endParaRPr>
+          </a:p>
+          <a:p>
+            <a:r>
+              <a:rPr lang="en-US" altLang="zh-TW" sz="1000" dirty="0" smtClean="0">
+                <a:latin typeface="微軟正黑體" panose="020B0604030504040204" pitchFamily="34" charset="-120"/>
+                <a:ea typeface="微軟正黑體" panose="020B0604030504040204" pitchFamily="34" charset="-120"/>
+              </a:rPr>
+              <a:t>7 </a:t>
+            </a:r>
+            <a:r>
+              <a:rPr lang="zh-TW" altLang="en-US" sz="1000" dirty="0">
+                <a:latin typeface="微軟正黑體" panose="020B0604030504040204" pitchFamily="34" charset="-120"/>
+                <a:ea typeface="微軟正黑體" panose="020B0604030504040204" pitchFamily="34" charset="-120"/>
+              </a:rPr>
+              <a:t>民調顯示，有</a:t>
+            </a:r>
+            <a:r>
+              <a:rPr lang="en-US" altLang="zh-TW" sz="1000" dirty="0">
+                <a:latin typeface="微軟正黑體" panose="020B0604030504040204" pitchFamily="34" charset="-120"/>
+                <a:ea typeface="微軟正黑體" panose="020B0604030504040204" pitchFamily="34" charset="-120"/>
+              </a:rPr>
+              <a:t>18.3%</a:t>
+            </a:r>
+            <a:r>
+              <a:rPr lang="zh-TW" altLang="en-US" sz="1000" dirty="0">
+                <a:latin typeface="微軟正黑體" panose="020B0604030504040204" pitchFamily="34" charset="-120"/>
+                <a:ea typeface="微軟正黑體" panose="020B0604030504040204" pitchFamily="34" charset="-120"/>
+              </a:rPr>
+              <a:t>非常支持，</a:t>
+            </a:r>
+            <a:r>
+              <a:rPr lang="en-US" altLang="zh-TW" sz="1000" dirty="0">
+                <a:latin typeface="微軟正黑體" panose="020B0604030504040204" pitchFamily="34" charset="-120"/>
+                <a:ea typeface="微軟正黑體" panose="020B0604030504040204" pitchFamily="34" charset="-120"/>
+              </a:rPr>
+              <a:t>25.5%</a:t>
+            </a:r>
+            <a:r>
+              <a:rPr lang="zh-TW" altLang="en-US" sz="1000" dirty="0">
+                <a:latin typeface="微軟正黑體" panose="020B0604030504040204" pitchFamily="34" charset="-120"/>
+                <a:ea typeface="微軟正黑體" panose="020B0604030504040204" pitchFamily="34" charset="-120"/>
+              </a:rPr>
+              <a:t>還算支持，</a:t>
+            </a:r>
+            <a:r>
+              <a:rPr lang="en-US" altLang="zh-TW" sz="1000" dirty="0">
+                <a:latin typeface="微軟正黑體" panose="020B0604030504040204" pitchFamily="34" charset="-120"/>
+                <a:ea typeface="微軟正黑體" panose="020B0604030504040204" pitchFamily="34" charset="-120"/>
+              </a:rPr>
+              <a:t>25.1%</a:t>
+            </a:r>
+            <a:r>
+              <a:rPr lang="zh-TW" altLang="en-US" sz="1000" dirty="0">
+                <a:latin typeface="微軟正黑體" panose="020B0604030504040204" pitchFamily="34" charset="-120"/>
+                <a:ea typeface="微軟正黑體" panose="020B0604030504040204" pitchFamily="34" charset="-120"/>
+              </a:rPr>
+              <a:t>不太支持，</a:t>
+            </a:r>
+            <a:r>
+              <a:rPr lang="en-US" altLang="zh-TW" sz="1000" dirty="0">
+                <a:latin typeface="微軟正黑體" panose="020B0604030504040204" pitchFamily="34" charset="-120"/>
+                <a:ea typeface="微軟正黑體" panose="020B0604030504040204" pitchFamily="34" charset="-120"/>
+              </a:rPr>
+              <a:t>24.8%</a:t>
+            </a:r>
+            <a:r>
+              <a:rPr lang="zh-TW" altLang="en-US" sz="1000" dirty="0">
+                <a:latin typeface="微軟正黑體" panose="020B0604030504040204" pitchFamily="34" charset="-120"/>
+                <a:ea typeface="微軟正黑體" panose="020B0604030504040204" pitchFamily="34" charset="-120"/>
+              </a:rPr>
+              <a:t>一點也不支持，</a:t>
+            </a:r>
+            <a:r>
+              <a:rPr lang="en-US" altLang="zh-TW" sz="1000" dirty="0">
+                <a:latin typeface="微軟正黑體" panose="020B0604030504040204" pitchFamily="34" charset="-120"/>
+                <a:ea typeface="微軟正黑體" panose="020B0604030504040204" pitchFamily="34" charset="-120"/>
+              </a:rPr>
+              <a:t>6.3%</a:t>
+            </a:r>
+            <a:r>
+              <a:rPr lang="zh-TW" altLang="en-US" sz="1000" dirty="0">
+                <a:latin typeface="微軟正黑體" panose="020B0604030504040204" pitchFamily="34" charset="-120"/>
+                <a:ea typeface="微軟正黑體" panose="020B0604030504040204" pitchFamily="34" charset="-120"/>
+              </a:rPr>
+              <a:t>沒意見、不知道、拒答。 </a:t>
+            </a:r>
+            <a:endParaRPr lang="en-US" altLang="zh-TW" sz="1000" dirty="0" smtClean="0">
+              <a:latin typeface="微軟正黑體" panose="020B0604030504040204" pitchFamily="34" charset="-120"/>
+              <a:ea typeface="微軟正黑體" panose="020B0604030504040204" pitchFamily="34" charset="-120"/>
+            </a:endParaRPr>
+          </a:p>
+          <a:p>
+            <a:r>
+              <a:rPr lang="en-US" altLang="zh-TW" sz="1000" dirty="0" smtClean="0">
+                <a:latin typeface="微軟正黑體" panose="020B0604030504040204" pitchFamily="34" charset="-120"/>
+                <a:ea typeface="微軟正黑體" panose="020B0604030504040204" pitchFamily="34" charset="-120"/>
+              </a:rPr>
+              <a:t>8 </a:t>
+            </a:r>
+            <a:r>
+              <a:rPr lang="zh-TW" altLang="en-US" sz="1000" dirty="0">
+                <a:latin typeface="微軟正黑體" panose="020B0604030504040204" pitchFamily="34" charset="-120"/>
+                <a:ea typeface="微軟正黑體" panose="020B0604030504040204" pitchFamily="34" charset="-120"/>
+              </a:rPr>
+              <a:t>換句話說，在二十歲以上的台灣人當中，有四成四的人基本上支持柯文哲參選下一屆總統，但有五成的人反對，反對的人多於支持的人。</a:t>
+            </a:r>
+            <a:endParaRPr lang="zh-TW" altLang="en-US" sz="1000" dirty="0">
+              <a:latin typeface="微軟正黑體" panose="020B0604030504040204" pitchFamily="34" charset="-120"/>
+              <a:ea typeface="微軟正黑體" panose="020B0604030504040204" pitchFamily="34" charset="-120"/>
+            </a:endParaRPr>
+          </a:p>
+        </p:txBody>
+      </p:sp>
     </p:spTree>
     <p:extLst>
       <p:ext uri="{BB962C8B-B14F-4D97-AF65-F5344CB8AC3E}">
@@ -4730,20 +5806,20 @@
           <p:nvPr>
             <p:extLst>
               <p:ext uri="{D42A27DB-BD31-4B8C-83A1-F6EECF244321}">
-                <p14:modId xmlns:p14="http://schemas.microsoft.com/office/powerpoint/2010/main" val="4046533856"/>
+                <p14:modId xmlns:p14="http://schemas.microsoft.com/office/powerpoint/2010/main" val="743561841"/>
               </p:ext>
             </p:extLst>
           </p:nvPr>
         </p:nvGraphicFramePr>
         <p:xfrm>
-          <a:off x="251520" y="764704"/>
-          <a:ext cx="8568953" cy="5616624"/>
+          <a:off x="251520" y="764705"/>
+          <a:ext cx="8568953" cy="2380764"/>
         </p:xfrm>
         <a:graphic>
           <a:graphicData uri="http://schemas.openxmlformats.org/drawingml/2006/table">
             <a:tbl>
               <a:tblPr firstRow="1" bandRow="1">
-                <a:tableStyleId>{5C22544A-7EE6-4342-B048-85BDC9FD1C3A}</a:tableStyleId>
+                <a:tableStyleId>{7DF18680-E054-41AD-8BC1-D1AEF772440D}</a:tableStyleId>
               </a:tblPr>
               <a:tblGrid>
                 <a:gridCol w="1152128"/>
@@ -4751,68 +5827,20 @@
                 <a:gridCol w="2472275"/>
                 <a:gridCol w="2472275"/>
               </a:tblGrid>
-              <a:tr h="370840">
+              <a:tr h="482569">
                 <a:tc>
                   <a:txBody>
                     <a:bodyPr/>
                     <a:lstStyle/>
                     <a:p>
                       <a:endParaRPr lang="zh-TW" altLang="en-US" sz="1700" dirty="0">
-                        <a:latin typeface="Arial" panose="020B0604020202020204" pitchFamily="34" charset="0"/>
+                        <a:latin typeface="微軟正黑體" panose="020B0604030504040204" pitchFamily="34" charset="-120"/>
                         <a:ea typeface="微軟正黑體" panose="020B0604030504040204" pitchFamily="34" charset="-120"/>
                         <a:cs typeface="Arial" panose="020B0604020202020204" pitchFamily="34" charset="0"/>
                       </a:endParaRPr>
                     </a:p>
                   </a:txBody>
-                  <a:tcPr>
-                    <a:lnL w="12700" cap="flat" cmpd="sng" algn="ctr">
-                      <a:solidFill>
-                        <a:schemeClr val="bg1">
-                          <a:lumMod val="65000"/>
-                        </a:schemeClr>
-                      </a:solidFill>
-                      <a:prstDash val="solid"/>
-                      <a:round/>
-                      <a:headEnd type="none" w="med" len="med"/>
-                      <a:tailEnd type="none" w="med" len="med"/>
-                    </a:lnL>
-                    <a:lnR w="12700" cap="flat" cmpd="sng" algn="ctr">
-                      <a:solidFill>
-                        <a:schemeClr val="bg1">
-                          <a:lumMod val="65000"/>
-                        </a:schemeClr>
-                      </a:solidFill>
-                      <a:prstDash val="solid"/>
-                      <a:round/>
-                      <a:headEnd type="none" w="med" len="med"/>
-                      <a:tailEnd type="none" w="med" len="med"/>
-                    </a:lnR>
-                    <a:lnT w="12700" cap="flat" cmpd="sng" algn="ctr">
-                      <a:solidFill>
-                        <a:schemeClr val="bg1">
-                          <a:lumMod val="65000"/>
-                        </a:schemeClr>
-                      </a:solidFill>
-                      <a:prstDash val="solid"/>
-                      <a:round/>
-                      <a:headEnd type="none" w="med" len="med"/>
-                      <a:tailEnd type="none" w="med" len="med"/>
-                    </a:lnT>
-                    <a:lnB w="12700" cap="flat" cmpd="sng" algn="ctr">
-                      <a:solidFill>
-                        <a:schemeClr val="bg1">
-                          <a:lumMod val="65000"/>
-                        </a:schemeClr>
-                      </a:solidFill>
-                      <a:prstDash val="solid"/>
-                      <a:round/>
-                      <a:headEnd type="none" w="med" len="med"/>
-                      <a:tailEnd type="none" w="med" len="med"/>
-                    </a:lnB>
-                    <a:solidFill>
-                      <a:schemeClr val="accent5"/>
-                    </a:solidFill>
-                  </a:tcPr>
+                  <a:tcPr/>
                 </a:tc>
                 <a:tc>
                   <a:txBody>
@@ -4821,17 +5849,15 @@
                     <a:p>
                       <a:r>
                         <a:rPr lang="zh-TW" altLang="en-US" sz="1700" dirty="0" smtClean="0">
-                          <a:latin typeface="Arial" panose="020B0604020202020204" pitchFamily="34" charset="0"/>
+                          <a:latin typeface="微軟正黑體" panose="020B0604030504040204" pitchFamily="34" charset="-120"/>
                           <a:ea typeface="微軟正黑體" panose="020B0604030504040204" pitchFamily="34" charset="-120"/>
-                          <a:cs typeface="Arial" panose="020B0604020202020204" pitchFamily="34" charset="0"/>
                         </a:rPr>
                         <a:t>方法論</a:t>
                       </a:r>
                       <a:r>
                         <a:rPr lang="en-US" altLang="zh-TW" sz="1700" dirty="0" smtClean="0">
-                          <a:latin typeface="Arial" panose="020B0604020202020204" pitchFamily="34" charset="0"/>
+                          <a:latin typeface="微軟正黑體" panose="020B0604030504040204" pitchFamily="34" charset="-120"/>
                           <a:ea typeface="微軟正黑體" panose="020B0604030504040204" pitchFamily="34" charset="-120"/>
-                          <a:cs typeface="Arial" panose="020B0604020202020204" pitchFamily="34" charset="0"/>
                         </a:rPr>
                         <a:t>1: </a:t>
                       </a:r>
@@ -4839,68 +5865,19 @@
                     <a:p>
                       <a:r>
                         <a:rPr lang="en-US" altLang="zh-TW" sz="1700" dirty="0" smtClean="0">
-                          <a:latin typeface="Arial" panose="020B0604020202020204" pitchFamily="34" charset="0"/>
+                          <a:latin typeface="微軟正黑體" panose="020B0604030504040204" pitchFamily="34" charset="-120"/>
                           <a:ea typeface="微軟正黑體" panose="020B0604030504040204" pitchFamily="34" charset="-120"/>
-                          <a:cs typeface="Arial" panose="020B0604020202020204" pitchFamily="34" charset="0"/>
                         </a:rPr>
                         <a:t>K-Means Clustering</a:t>
                       </a:r>
                       <a:endParaRPr lang="zh-TW" altLang="en-US" sz="1700" dirty="0">
-                        <a:latin typeface="Arial" panose="020B0604020202020204" pitchFamily="34" charset="0"/>
+                        <a:latin typeface="微軟正黑體" panose="020B0604030504040204" pitchFamily="34" charset="-120"/>
                         <a:ea typeface="微軟正黑體" panose="020B0604030504040204" pitchFamily="34" charset="-120"/>
                         <a:cs typeface="Arial" panose="020B0604020202020204" pitchFamily="34" charset="0"/>
                       </a:endParaRPr>
                     </a:p>
                   </a:txBody>
-                  <a:tcPr>
-                    <a:lnL w="12700" cap="flat" cmpd="sng" algn="ctr">
-                      <a:solidFill>
-                        <a:schemeClr val="bg1">
-                          <a:lumMod val="65000"/>
-                        </a:schemeClr>
-                      </a:solidFill>
-                      <a:prstDash val="solid"/>
-                      <a:round/>
-                      <a:headEnd type="none" w="med" len="med"/>
-                      <a:tailEnd type="none" w="med" len="med"/>
-                    </a:lnL>
-                    <a:lnR w="12700" cap="flat" cmpd="sng" algn="ctr">
-                      <a:solidFill>
-                        <a:schemeClr val="bg1">
-                          <a:lumMod val="65000"/>
-                        </a:schemeClr>
-                      </a:solidFill>
-                      <a:prstDash val="solid"/>
-                      <a:round/>
-                      <a:headEnd type="none" w="med" len="med"/>
-                      <a:tailEnd type="none" w="med" len="med"/>
-                    </a:lnR>
-                    <a:lnT w="12700" cap="flat" cmpd="sng" algn="ctr">
-                      <a:solidFill>
-                        <a:schemeClr val="bg1">
-                          <a:lumMod val="65000"/>
-                        </a:schemeClr>
-                      </a:solidFill>
-                      <a:prstDash val="solid"/>
-                      <a:round/>
-                      <a:headEnd type="none" w="med" len="med"/>
-                      <a:tailEnd type="none" w="med" len="med"/>
-                    </a:lnT>
-                    <a:lnB w="12700" cap="flat" cmpd="sng" algn="ctr">
-                      <a:solidFill>
-                        <a:schemeClr val="bg1">
-                          <a:lumMod val="65000"/>
-                        </a:schemeClr>
-                      </a:solidFill>
-                      <a:prstDash val="solid"/>
-                      <a:round/>
-                      <a:headEnd type="none" w="med" len="med"/>
-                      <a:tailEnd type="none" w="med" len="med"/>
-                    </a:lnB>
-                    <a:solidFill>
-                      <a:schemeClr val="accent5"/>
-                    </a:solidFill>
-                  </a:tcPr>
+                  <a:tcPr/>
                 </a:tc>
                 <a:tc>
                   <a:txBody>
@@ -4909,99 +5886,46 @@
                     <a:p>
                       <a:r>
                         <a:rPr lang="zh-TW" altLang="en-US" sz="1700" dirty="0" smtClean="0">
-                          <a:latin typeface="Arial" panose="020B0604020202020204" pitchFamily="34" charset="0"/>
+                          <a:latin typeface="微軟正黑體" panose="020B0604030504040204" pitchFamily="34" charset="-120"/>
                           <a:ea typeface="微軟正黑體" panose="020B0604030504040204" pitchFamily="34" charset="-120"/>
-                          <a:cs typeface="Arial" panose="020B0604020202020204" pitchFamily="34" charset="0"/>
                         </a:rPr>
                         <a:t>方法論</a:t>
                       </a:r>
                       <a:r>
                         <a:rPr lang="en-US" altLang="zh-TW" sz="1700" dirty="0" smtClean="0">
-                          <a:latin typeface="Arial" panose="020B0604020202020204" pitchFamily="34" charset="0"/>
+                          <a:latin typeface="微軟正黑體" panose="020B0604030504040204" pitchFamily="34" charset="-120"/>
                           <a:ea typeface="微軟正黑體" panose="020B0604030504040204" pitchFamily="34" charset="-120"/>
-                          <a:cs typeface="Arial" panose="020B0604020202020204" pitchFamily="34" charset="0"/>
                         </a:rPr>
                         <a:t>2:</a:t>
                       </a:r>
                       <a:r>
                         <a:rPr lang="zh-TW" altLang="en-US" sz="1700" dirty="0" smtClean="0">
-                          <a:latin typeface="Arial" panose="020B0604020202020204" pitchFamily="34" charset="0"/>
+                          <a:latin typeface="微軟正黑體" panose="020B0604030504040204" pitchFamily="34" charset="-120"/>
                           <a:ea typeface="微軟正黑體" panose="020B0604030504040204" pitchFamily="34" charset="-120"/>
-                          <a:cs typeface="Arial" panose="020B0604020202020204" pitchFamily="34" charset="0"/>
                         </a:rPr>
                         <a:t> </a:t>
                       </a:r>
                       <a:endParaRPr lang="en-US" altLang="zh-TW" sz="1700" dirty="0" smtClean="0">
-                        <a:latin typeface="Arial" panose="020B0604020202020204" pitchFamily="34" charset="0"/>
+                        <a:latin typeface="微軟正黑體" panose="020B0604030504040204" pitchFamily="34" charset="-120"/>
                         <a:ea typeface="微軟正黑體" panose="020B0604030504040204" pitchFamily="34" charset="-120"/>
-                        <a:cs typeface="Arial" panose="020B0604020202020204" pitchFamily="34" charset="0"/>
                       </a:endParaRPr>
                     </a:p>
                     <a:p>
                       <a:r>
                         <a:rPr lang="en-US" altLang="zh-TW" sz="1700" dirty="0" smtClean="0">
-                          <a:latin typeface="Arial" panose="020B0604020202020204" pitchFamily="34" charset="0"/>
+                          <a:latin typeface="微軟正黑體" panose="020B0604030504040204" pitchFamily="34" charset="-120"/>
                           <a:ea typeface="微軟正黑體" panose="020B0604030504040204" pitchFamily="34" charset="-120"/>
-                          <a:cs typeface="Arial" panose="020B0604020202020204" pitchFamily="34" charset="0"/>
                         </a:rPr>
                         <a:t>TF-IDF</a:t>
                       </a:r>
                       <a:endParaRPr lang="zh-TW" altLang="en-US" sz="1700" dirty="0">
-                        <a:latin typeface="Arial" panose="020B0604020202020204" pitchFamily="34" charset="0"/>
+                        <a:latin typeface="微軟正黑體" panose="020B0604030504040204" pitchFamily="34" charset="-120"/>
                         <a:ea typeface="微軟正黑體" panose="020B0604030504040204" pitchFamily="34" charset="-120"/>
                         <a:cs typeface="Arial" panose="020B0604020202020204" pitchFamily="34" charset="0"/>
                       </a:endParaRPr>
                     </a:p>
                   </a:txBody>
-                  <a:tcPr>
-                    <a:lnL w="12700" cap="flat" cmpd="sng" algn="ctr">
-                      <a:solidFill>
-                        <a:schemeClr val="bg1">
-                          <a:lumMod val="65000"/>
-                        </a:schemeClr>
-                      </a:solidFill>
-                      <a:prstDash val="solid"/>
-                      <a:round/>
-                      <a:headEnd type="none" w="med" len="med"/>
-                      <a:tailEnd type="none" w="med" len="med"/>
-                    </a:lnL>
-                    <a:lnR w="12700" cap="flat" cmpd="sng" algn="ctr">
-                      <a:solidFill>
-                        <a:schemeClr val="bg1">
-                          <a:lumMod val="65000"/>
-                        </a:schemeClr>
-                      </a:solidFill>
-                      <a:prstDash val="solid"/>
-                      <a:round/>
-                      <a:headEnd type="none" w="med" len="med"/>
-                      <a:tailEnd type="none" w="med" len="med"/>
-                    </a:lnR>
-                    <a:lnT w="12700" cap="flat" cmpd="sng" algn="ctr">
-                      <a:solidFill>
-                        <a:schemeClr val="bg1">
-                          <a:lumMod val="65000"/>
-                        </a:schemeClr>
-                      </a:solidFill>
-                      <a:prstDash val="solid"/>
-                      <a:round/>
-                      <a:headEnd type="none" w="med" len="med"/>
-                      <a:tailEnd type="none" w="med" len="med"/>
-                    </a:lnT>
-                    <a:lnB w="12700" cap="flat" cmpd="sng" algn="ctr">
-                      <a:solidFill>
-                        <a:schemeClr val="bg1">
-                          <a:lumMod val="65000"/>
-                        </a:schemeClr>
-                      </a:solidFill>
-                      <a:prstDash val="solid"/>
-                      <a:round/>
-                      <a:headEnd type="none" w="med" len="med"/>
-                      <a:tailEnd type="none" w="med" len="med"/>
-                    </a:lnB>
-                    <a:solidFill>
-                      <a:schemeClr val="accent5"/>
-                    </a:solidFill>
-                  </a:tcPr>
+                  <a:tcPr/>
                 </a:tc>
                 <a:tc>
                   <a:txBody>
@@ -5010,17 +5934,15 @@
                     <a:p>
                       <a:r>
                         <a:rPr lang="zh-TW" altLang="en-US" sz="1700" dirty="0" smtClean="0">
-                          <a:latin typeface="Arial" panose="020B0604020202020204" pitchFamily="34" charset="0"/>
+                          <a:latin typeface="微軟正黑體" panose="020B0604030504040204" pitchFamily="34" charset="-120"/>
                           <a:ea typeface="微軟正黑體" panose="020B0604030504040204" pitchFamily="34" charset="-120"/>
-                          <a:cs typeface="Arial" panose="020B0604020202020204" pitchFamily="34" charset="0"/>
                         </a:rPr>
                         <a:t>方法論</a:t>
                       </a:r>
                       <a:r>
                         <a:rPr lang="en-US" altLang="zh-TW" sz="1700" dirty="0" smtClean="0">
-                          <a:latin typeface="Arial" panose="020B0604020202020204" pitchFamily="34" charset="0"/>
+                          <a:latin typeface="微軟正黑體" panose="020B0604030504040204" pitchFamily="34" charset="-120"/>
                           <a:ea typeface="微軟正黑體" panose="020B0604030504040204" pitchFamily="34" charset="-120"/>
-                          <a:cs typeface="Arial" panose="020B0604020202020204" pitchFamily="34" charset="0"/>
                         </a:rPr>
                         <a:t>3: </a:t>
                       </a:r>
@@ -5028,87 +5950,153 @@
                     <a:p>
                       <a:r>
                         <a:rPr lang="en-US" altLang="zh-TW" sz="1700" dirty="0" smtClean="0">
-                          <a:latin typeface="Arial" panose="020B0604020202020204" pitchFamily="34" charset="0"/>
+                          <a:latin typeface="微軟正黑體" panose="020B0604030504040204" pitchFamily="34" charset="-120"/>
                           <a:ea typeface="微軟正黑體" panose="020B0604030504040204" pitchFamily="34" charset="-120"/>
-                          <a:cs typeface="Arial" panose="020B0604020202020204" pitchFamily="34" charset="0"/>
                         </a:rPr>
                         <a:t>Graph</a:t>
                       </a:r>
                       <a:r>
                         <a:rPr lang="en-US" altLang="zh-TW" sz="1700" baseline="0" dirty="0" smtClean="0">
-                          <a:latin typeface="Arial" panose="020B0604020202020204" pitchFamily="34" charset="0"/>
+                          <a:latin typeface="微軟正黑體" panose="020B0604030504040204" pitchFamily="34" charset="-120"/>
                           <a:ea typeface="微軟正黑體" panose="020B0604030504040204" pitchFamily="34" charset="-120"/>
-                          <a:cs typeface="Arial" panose="020B0604020202020204" pitchFamily="34" charset="0"/>
                         </a:rPr>
                         <a:t> Theory </a:t>
                       </a:r>
                       <a:endParaRPr lang="zh-TW" altLang="en-US" sz="1700" dirty="0">
-                        <a:latin typeface="Arial" panose="020B0604020202020204" pitchFamily="34" charset="0"/>
+                        <a:latin typeface="微軟正黑體" panose="020B0604030504040204" pitchFamily="34" charset="-120"/>
                         <a:ea typeface="微軟正黑體" panose="020B0604030504040204" pitchFamily="34" charset="-120"/>
                         <a:cs typeface="Arial" panose="020B0604020202020204" pitchFamily="34" charset="0"/>
                       </a:endParaRPr>
                     </a:p>
                   </a:txBody>
-                  <a:tcPr>
-                    <a:lnL w="12700" cap="flat" cmpd="sng" algn="ctr">
-                      <a:solidFill>
-                        <a:schemeClr val="bg1">
-                          <a:lumMod val="65000"/>
-                        </a:schemeClr>
-                      </a:solidFill>
-                      <a:prstDash val="solid"/>
-                      <a:round/>
-                      <a:headEnd type="none" w="med" len="med"/>
-                      <a:tailEnd type="none" w="med" len="med"/>
-                    </a:lnL>
-                    <a:lnR w="12700" cap="flat" cmpd="sng" algn="ctr">
-                      <a:solidFill>
-                        <a:schemeClr val="bg1">
-                          <a:lumMod val="65000"/>
-                        </a:schemeClr>
-                      </a:solidFill>
-                      <a:prstDash val="solid"/>
-                      <a:round/>
-                      <a:headEnd type="none" w="med" len="med"/>
-                      <a:tailEnd type="none" w="med" len="med"/>
-                    </a:lnR>
-                    <a:lnT w="12700" cap="flat" cmpd="sng" algn="ctr">
-                      <a:solidFill>
-                        <a:schemeClr val="bg1">
-                          <a:lumMod val="65000"/>
-                        </a:schemeClr>
-                      </a:solidFill>
-                      <a:prstDash val="solid"/>
-                      <a:round/>
-                      <a:headEnd type="none" w="med" len="med"/>
-                      <a:tailEnd type="none" w="med" len="med"/>
-                    </a:lnT>
-                    <a:lnB w="12700" cap="flat" cmpd="sng" algn="ctr">
-                      <a:solidFill>
-                        <a:schemeClr val="bg1">
-                          <a:lumMod val="65000"/>
-                        </a:schemeClr>
-                      </a:solidFill>
-                      <a:prstDash val="solid"/>
-                      <a:round/>
-                      <a:headEnd type="none" w="med" len="med"/>
-                      <a:tailEnd type="none" w="med" len="med"/>
-                    </a:lnB>
-                    <a:solidFill>
-                      <a:schemeClr val="accent5"/>
-                    </a:solidFill>
-                  </a:tcPr>
+                  <a:tcPr/>
                 </a:tc>
               </a:tr>
-              <a:tr h="5007024">
+              <a:tr h="885582">
                 <a:tc>
                   <a:txBody>
                     <a:bodyPr/>
                     <a:lstStyle/>
                     <a:p>
-                      <a:pPr marL="285750" indent="-285750">
+                      <a:pPr marL="0" indent="0" algn="ctr">
                         <a:buFont typeface="Wingdings" panose="05000000000000000000" pitchFamily="2" charset="2"/>
-                        <a:buChar char="n"/>
+                        <a:buNone/>
+                      </a:pPr>
+                      <a:r>
+                        <a:rPr lang="zh-CN" altLang="en-US" sz="1700" dirty="0" smtClean="0">
+                          <a:latin typeface="微軟正黑體" panose="020B0604030504040204" pitchFamily="34" charset="-120"/>
+                          <a:ea typeface="微軟正黑體" panose="020B0604030504040204" pitchFamily="34" charset="-120"/>
+                        </a:rPr>
+                        <a:t>多文件</a:t>
+                      </a:r>
+                      <a:endParaRPr lang="en-US" altLang="zh-CN" sz="1700" dirty="0" smtClean="0">
+                        <a:latin typeface="微軟正黑體" panose="020B0604030504040204" pitchFamily="34" charset="-120"/>
+                        <a:ea typeface="微軟正黑體" panose="020B0604030504040204" pitchFamily="34" charset="-120"/>
+                      </a:endParaRPr>
+                    </a:p>
+                    <a:p>
+                      <a:pPr marL="0" indent="0" algn="ctr">
+                        <a:buFont typeface="Wingdings" panose="05000000000000000000" pitchFamily="2" charset="2"/>
+                        <a:buNone/>
+                      </a:pPr>
+                      <a:r>
+                        <a:rPr lang="zh-CN" altLang="en-US" sz="1700" dirty="0" smtClean="0">
+                          <a:latin typeface="微軟正黑體" panose="020B0604030504040204" pitchFamily="34" charset="-120"/>
+                          <a:ea typeface="微軟正黑體" panose="020B0604030504040204" pitchFamily="34" charset="-120"/>
+                        </a:rPr>
+                        <a:t>摘要</a:t>
+                      </a:r>
+                      <a:endParaRPr lang="zh-TW" altLang="en-US" sz="1700" dirty="0">
+                        <a:latin typeface="微軟正黑體" panose="020B0604030504040204" pitchFamily="34" charset="-120"/>
+                        <a:ea typeface="微軟正黑體" panose="020B0604030504040204" pitchFamily="34" charset="-120"/>
+                        <a:cs typeface="Arial" panose="020B0604020202020204" pitchFamily="34" charset="0"/>
+                      </a:endParaRPr>
+                    </a:p>
+                  </a:txBody>
+                  <a:tcPr anchor="ctr"/>
+                </a:tc>
+                <a:tc>
+                  <a:txBody>
+                    <a:bodyPr/>
+                    <a:lstStyle/>
+                    <a:p>
+                      <a:pPr marL="0" indent="0" algn="ctr">
+                        <a:buFont typeface="Wingdings" panose="05000000000000000000" pitchFamily="2" charset="2"/>
+                        <a:buNone/>
+                      </a:pPr>
+                      <a:r>
+                        <a:rPr lang="zh-CN" altLang="en-US" sz="1700" dirty="0" smtClean="0">
+                          <a:latin typeface="微軟正黑體" panose="020B0604030504040204" pitchFamily="34" charset="-120"/>
+                          <a:ea typeface="微軟正黑體" panose="020B0604030504040204" pitchFamily="34" charset="-120"/>
+                        </a:rPr>
+                        <a:t>適合</a:t>
+                      </a:r>
+                      <a:endParaRPr lang="zh-TW" altLang="en-US" sz="1700" dirty="0">
+                        <a:latin typeface="微軟正黑體" panose="020B0604030504040204" pitchFamily="34" charset="-120"/>
+                        <a:ea typeface="微軟正黑體" panose="020B0604030504040204" pitchFamily="34" charset="-120"/>
+                        <a:cs typeface="Arial" panose="020B0604020202020204" pitchFamily="34" charset="0"/>
+                      </a:endParaRPr>
+                    </a:p>
+                  </a:txBody>
+                  <a:tcPr anchor="ctr"/>
+                </a:tc>
+                <a:tc>
+                  <a:txBody>
+                    <a:bodyPr/>
+                    <a:lstStyle/>
+                    <a:p>
+                      <a:pPr marL="0" indent="0" algn="ctr">
+                        <a:buFont typeface="Wingdings" panose="05000000000000000000" pitchFamily="2" charset="2"/>
+                        <a:buNone/>
+                      </a:pPr>
+                      <a:r>
+                        <a:rPr lang="zh-CN" altLang="en-US" sz="1700" dirty="0" smtClean="0">
+                          <a:latin typeface="微軟正黑體" panose="020B0604030504040204" pitchFamily="34" charset="-120"/>
+                          <a:ea typeface="微軟正黑體" panose="020B0604030504040204" pitchFamily="34" charset="-120"/>
+                        </a:rPr>
+                        <a:t>不適合</a:t>
+                      </a:r>
+                      <a:endParaRPr lang="zh-TW" altLang="en-US" sz="1700" dirty="0">
+                        <a:latin typeface="微軟正黑體" panose="020B0604030504040204" pitchFamily="34" charset="-120"/>
+                        <a:ea typeface="微軟正黑體" panose="020B0604030504040204" pitchFamily="34" charset="-120"/>
+                        <a:cs typeface="Arial" panose="020B0604020202020204" pitchFamily="34" charset="0"/>
+                      </a:endParaRPr>
+                    </a:p>
+                  </a:txBody>
+                  <a:tcPr anchor="ctr"/>
+                </a:tc>
+                <a:tc>
+                  <a:txBody>
+                    <a:bodyPr/>
+                    <a:lstStyle/>
+                    <a:p>
+                      <a:pPr marL="0" algn="ctr"/>
+                      <a:r>
+                        <a:rPr lang="zh-CN" altLang="en-US" sz="1700" dirty="0" smtClean="0">
+                          <a:latin typeface="微軟正黑體" panose="020B0604030504040204" pitchFamily="34" charset="-120"/>
+                          <a:ea typeface="微軟正黑體" panose="020B0604030504040204" pitchFamily="34" charset="-120"/>
+                        </a:rPr>
+                        <a:t>適合</a:t>
+                      </a:r>
+                      <a:endParaRPr lang="zh-TW" altLang="en-US" sz="1700" dirty="0">
+                        <a:latin typeface="微軟正黑體" panose="020B0604030504040204" pitchFamily="34" charset="-120"/>
+                        <a:ea typeface="微軟正黑體" panose="020B0604030504040204" pitchFamily="34" charset="-120"/>
+                        <a:cs typeface="Arial" panose="020B0604020202020204" pitchFamily="34" charset="0"/>
+                      </a:endParaRPr>
+                    </a:p>
+                  </a:txBody>
+                  <a:tcPr anchor="ctr"/>
+                </a:tc>
+              </a:tr>
+              <a:tr h="885582">
+                <a:tc>
+                  <a:txBody>
+                    <a:bodyPr/>
+                    <a:lstStyle/>
+                    <a:p>
+                      <a:pPr marL="0" indent="0" algn="ctr">
+                        <a:buFont typeface="Wingdings" panose="05000000000000000000" pitchFamily="2" charset="2"/>
+                        <a:buNone/>
                       </a:pPr>
                       <a:endParaRPr lang="zh-TW" altLang="en-US" sz="1700" dirty="0">
                         <a:latin typeface="Arial" panose="020B0604020202020204" pitchFamily="34" charset="0"/>
@@ -5117,62 +6105,16 @@
                       </a:endParaRPr>
                     </a:p>
                   </a:txBody>
-                  <a:tcPr>
-                    <a:lnL w="12700" cap="flat" cmpd="sng" algn="ctr">
-                      <a:solidFill>
-                        <a:schemeClr val="bg1">
-                          <a:lumMod val="65000"/>
-                        </a:schemeClr>
-                      </a:solidFill>
-                      <a:prstDash val="solid"/>
-                      <a:round/>
-                      <a:headEnd type="none" w="med" len="med"/>
-                      <a:tailEnd type="none" w="med" len="med"/>
-                    </a:lnL>
-                    <a:lnR w="12700" cap="flat" cmpd="sng" algn="ctr">
-                      <a:solidFill>
-                        <a:schemeClr val="bg1">
-                          <a:lumMod val="65000"/>
-                        </a:schemeClr>
-                      </a:solidFill>
-                      <a:prstDash val="solid"/>
-                      <a:round/>
-                      <a:headEnd type="none" w="med" len="med"/>
-                      <a:tailEnd type="none" w="med" len="med"/>
-                    </a:lnR>
-                    <a:lnT w="12700" cap="flat" cmpd="sng" algn="ctr">
-                      <a:solidFill>
-                        <a:schemeClr val="bg1">
-                          <a:lumMod val="65000"/>
-                        </a:schemeClr>
-                      </a:solidFill>
-                      <a:prstDash val="solid"/>
-                      <a:round/>
-                      <a:headEnd type="none" w="med" len="med"/>
-                      <a:tailEnd type="none" w="med" len="med"/>
-                    </a:lnT>
-                    <a:lnB w="12700" cap="flat" cmpd="sng" algn="ctr">
-                      <a:solidFill>
-                        <a:schemeClr val="bg1">
-                          <a:lumMod val="65000"/>
-                        </a:schemeClr>
-                      </a:solidFill>
-                      <a:prstDash val="solid"/>
-                      <a:round/>
-                      <a:headEnd type="none" w="med" len="med"/>
-                      <a:tailEnd type="none" w="med" len="med"/>
-                    </a:lnB>
-                    <a:noFill/>
-                  </a:tcPr>
+                  <a:tcPr anchor="ctr"/>
                 </a:tc>
                 <a:tc>
                   <a:txBody>
                     <a:bodyPr/>
                     <a:lstStyle/>
                     <a:p>
-                      <a:pPr marL="285750" indent="-285750">
+                      <a:pPr marL="0" indent="0" algn="ctr">
                         <a:buFont typeface="Wingdings" panose="05000000000000000000" pitchFamily="2" charset="2"/>
-                        <a:buChar char="n"/>
+                        <a:buNone/>
                       </a:pPr>
                       <a:endParaRPr lang="zh-TW" altLang="en-US" sz="1700" dirty="0">
                         <a:latin typeface="Arial" panose="020B0604020202020204" pitchFamily="34" charset="0"/>
@@ -5181,62 +6123,16 @@
                       </a:endParaRPr>
                     </a:p>
                   </a:txBody>
-                  <a:tcPr>
-                    <a:lnL w="12700" cap="flat" cmpd="sng" algn="ctr">
-                      <a:solidFill>
-                        <a:schemeClr val="bg1">
-                          <a:lumMod val="65000"/>
-                        </a:schemeClr>
-                      </a:solidFill>
-                      <a:prstDash val="solid"/>
-                      <a:round/>
-                      <a:headEnd type="none" w="med" len="med"/>
-                      <a:tailEnd type="none" w="med" len="med"/>
-                    </a:lnL>
-                    <a:lnR w="12700" cap="flat" cmpd="sng" algn="ctr">
-                      <a:solidFill>
-                        <a:schemeClr val="bg1">
-                          <a:lumMod val="65000"/>
-                        </a:schemeClr>
-                      </a:solidFill>
-                      <a:prstDash val="solid"/>
-                      <a:round/>
-                      <a:headEnd type="none" w="med" len="med"/>
-                      <a:tailEnd type="none" w="med" len="med"/>
-                    </a:lnR>
-                    <a:lnT w="12700" cap="flat" cmpd="sng" algn="ctr">
-                      <a:solidFill>
-                        <a:schemeClr val="bg1">
-                          <a:lumMod val="65000"/>
-                        </a:schemeClr>
-                      </a:solidFill>
-                      <a:prstDash val="solid"/>
-                      <a:round/>
-                      <a:headEnd type="none" w="med" len="med"/>
-                      <a:tailEnd type="none" w="med" len="med"/>
-                    </a:lnT>
-                    <a:lnB w="12700" cap="flat" cmpd="sng" algn="ctr">
-                      <a:solidFill>
-                        <a:schemeClr val="bg1">
-                          <a:lumMod val="65000"/>
-                        </a:schemeClr>
-                      </a:solidFill>
-                      <a:prstDash val="solid"/>
-                      <a:round/>
-                      <a:headEnd type="none" w="med" len="med"/>
-                      <a:tailEnd type="none" w="med" len="med"/>
-                    </a:lnB>
-                    <a:noFill/>
-                  </a:tcPr>
+                  <a:tcPr anchor="ctr"/>
                 </a:tc>
                 <a:tc>
                   <a:txBody>
                     <a:bodyPr/>
                     <a:lstStyle/>
                     <a:p>
-                      <a:pPr marL="285750" indent="-285750">
+                      <a:pPr marL="0" indent="0" algn="ctr">
                         <a:buFont typeface="Wingdings" panose="05000000000000000000" pitchFamily="2" charset="2"/>
-                        <a:buChar char="n"/>
+                        <a:buNone/>
                       </a:pPr>
                       <a:endParaRPr lang="zh-TW" altLang="en-US" sz="1700" dirty="0">
                         <a:latin typeface="Arial" panose="020B0604020202020204" pitchFamily="34" charset="0"/>
@@ -5245,59 +6141,14 @@
                       </a:endParaRPr>
                     </a:p>
                   </a:txBody>
-                  <a:tcPr>
-                    <a:lnL w="12700" cap="flat" cmpd="sng" algn="ctr">
-                      <a:solidFill>
-                        <a:schemeClr val="bg1">
-                          <a:lumMod val="65000"/>
-                        </a:schemeClr>
-                      </a:solidFill>
-                      <a:prstDash val="solid"/>
-                      <a:round/>
-                      <a:headEnd type="none" w="med" len="med"/>
-                      <a:tailEnd type="none" w="med" len="med"/>
-                    </a:lnL>
-                    <a:lnR w="12700" cap="flat" cmpd="sng" algn="ctr">
-                      <a:solidFill>
-                        <a:schemeClr val="bg1">
-                          <a:lumMod val="65000"/>
-                        </a:schemeClr>
-                      </a:solidFill>
-                      <a:prstDash val="solid"/>
-                      <a:round/>
-                      <a:headEnd type="none" w="med" len="med"/>
-                      <a:tailEnd type="none" w="med" len="med"/>
-                    </a:lnR>
-                    <a:lnT w="12700" cap="flat" cmpd="sng" algn="ctr">
-                      <a:solidFill>
-                        <a:schemeClr val="bg1">
-                          <a:lumMod val="65000"/>
-                        </a:schemeClr>
-                      </a:solidFill>
-                      <a:prstDash val="solid"/>
-                      <a:round/>
-                      <a:headEnd type="none" w="med" len="med"/>
-                      <a:tailEnd type="none" w="med" len="med"/>
-                    </a:lnT>
-                    <a:lnB w="12700" cap="flat" cmpd="sng" algn="ctr">
-                      <a:solidFill>
-                        <a:schemeClr val="bg1">
-                          <a:lumMod val="65000"/>
-                        </a:schemeClr>
-                      </a:solidFill>
-                      <a:prstDash val="solid"/>
-                      <a:round/>
-                      <a:headEnd type="none" w="med" len="med"/>
-                      <a:tailEnd type="none" w="med" len="med"/>
-                    </a:lnB>
-                    <a:noFill/>
-                  </a:tcPr>
+                  <a:tcPr anchor="ctr"/>
                 </a:tc>
                 <a:tc>
                   <a:txBody>
                     <a:bodyPr/>
                     <a:lstStyle/>
                     <a:p>
+                      <a:pPr algn="ctr"/>
                       <a:endParaRPr lang="zh-TW" altLang="en-US" sz="1700" dirty="0">
                         <a:latin typeface="Arial" panose="020B0604020202020204" pitchFamily="34" charset="0"/>
                         <a:ea typeface="微軟正黑體" panose="020B0604030504040204" pitchFamily="34" charset="-120"/>
@@ -5305,53 +6156,7 @@
                       </a:endParaRPr>
                     </a:p>
                   </a:txBody>
-                  <a:tcPr>
-                    <a:lnL w="12700" cap="flat" cmpd="sng" algn="ctr">
-                      <a:solidFill>
-                        <a:schemeClr val="bg1">
-                          <a:lumMod val="65000"/>
-                        </a:schemeClr>
-                      </a:solidFill>
-                      <a:prstDash val="solid"/>
-                      <a:round/>
-                      <a:headEnd type="none" w="med" len="med"/>
-                      <a:tailEnd type="none" w="med" len="med"/>
-                    </a:lnL>
-                    <a:lnR w="12700" cap="flat" cmpd="sng" algn="ctr">
-                      <a:solidFill>
-                        <a:schemeClr val="bg1">
-                          <a:lumMod val="65000"/>
-                        </a:schemeClr>
-                      </a:solidFill>
-                      <a:prstDash val="solid"/>
-                      <a:round/>
-                      <a:headEnd type="none" w="med" len="med"/>
-                      <a:tailEnd type="none" w="med" len="med"/>
-                    </a:lnR>
-                    <a:lnT w="12700" cap="flat" cmpd="sng" algn="ctr">
-                      <a:solidFill>
-                        <a:schemeClr val="bg1">
-                          <a:lumMod val="65000"/>
-                        </a:schemeClr>
-                      </a:solidFill>
-                      <a:prstDash val="solid"/>
-                      <a:round/>
-                      <a:headEnd type="none" w="med" len="med"/>
-                      <a:tailEnd type="none" w="med" len="med"/>
-                    </a:lnT>
-                    <a:lnB w="12700" cap="flat" cmpd="sng" algn="ctr">
-                      <a:solidFill>
-                        <a:schemeClr val="bg1">
-                          <a:lumMod val="65000"/>
-                        </a:schemeClr>
-                      </a:solidFill>
-                      <a:prstDash val="solid"/>
-                      <a:round/>
-                      <a:headEnd type="none" w="med" len="med"/>
-                      <a:tailEnd type="none" w="med" len="med"/>
-                    </a:lnB>
-                    <a:noFill/>
-                  </a:tcPr>
+                  <a:tcPr anchor="ctr"/>
                 </a:tc>
               </a:tr>
             </a:tbl>
@@ -5411,11 +6216,23 @@
           <a:lstStyle/>
           <a:p>
             <a:r>
-              <a:rPr lang="en-US" altLang="zh-TW" dirty="0" smtClean="0"/>
-              <a:t>Key</a:t>
-            </a:r>
-            <a:r>
-              <a:rPr lang="zh-CN" altLang="en-US" dirty="0" smtClean="0"/>
+              <a:rPr lang="zh-TW" altLang="en-US" dirty="0" smtClean="0"/>
+              <a:t>未來</a:t>
+            </a:r>
+            <a:r>
+              <a:rPr lang="zh-TW" altLang="en-US" dirty="0" smtClean="0"/>
+              <a:t>精進</a:t>
+            </a:r>
+            <a:r>
+              <a:rPr lang="zh-TW" altLang="en-US" dirty="0" smtClean="0"/>
+              <a:t>方向 </a:t>
+            </a:r>
+            <a:r>
+              <a:rPr lang="en-US" altLang="zh-TW" dirty="0"/>
+              <a:t>&amp; Key</a:t>
+            </a:r>
+            <a:r>
+              <a:rPr lang="zh-CN" altLang="en-US" dirty="0"/>
               <a:t> </a:t>
             </a:r>
             <a:r>
@@ -5424,11 +6241,7 @@
             </a:r>
             <a:r>
               <a:rPr lang="en-US" altLang="zh-TW" dirty="0" smtClean="0"/>
-              <a:t>aways &amp; </a:t>
-            </a:r>
-            <a:r>
-              <a:rPr lang="zh-TW" altLang="en-US" dirty="0" smtClean="0"/>
-              <a:t>未來精進方向</a:t>
+              <a:t>aways</a:t>
             </a:r>
             <a:endParaRPr lang="zh-TW" altLang="en-US" dirty="0"/>
           </a:p>
@@ -5436,7 +6249,7 @@
       </p:sp>
       <p:sp>
         <p:nvSpPr>
-          <p:cNvPr id="3" name="內容版面配置區 2"/>
+          <p:cNvPr id="4" name="內容版面配置區 3"/>
           <p:cNvSpPr>
             <a:spLocks noGrp="1"/>
           </p:cNvSpPr>
@@ -5446,10 +6259,371 @@
         </p:nvSpPr>
         <p:spPr/>
         <p:txBody>
-          <a:bodyPr/>
+          <a:bodyPr>
+            <a:normAutofit fontScale="92500" lnSpcReduction="10000"/>
+          </a:bodyPr>
           <a:lstStyle/>
           <a:p>
-            <a:endParaRPr lang="zh-TW" altLang="en-US"/>
+            <a:r>
+              <a:rPr lang="zh-CN" altLang="en-US" sz="2800" dirty="0" smtClean="0">
+                <a:latin typeface="微軟正黑體" panose="020B0604030504040204" pitchFamily="34" charset="-120"/>
+                <a:ea typeface="微軟正黑體" panose="020B0604030504040204" pitchFamily="34" charset="-120"/>
+              </a:rPr>
+              <a:t>未來精進方向</a:t>
+            </a:r>
+            <a:endParaRPr lang="en-US" altLang="zh-CN" sz="2800" dirty="0" smtClean="0">
+              <a:latin typeface="微軟正黑體" panose="020B0604030504040204" pitchFamily="34" charset="-120"/>
+              <a:ea typeface="微軟正黑體" panose="020B0604030504040204" pitchFamily="34" charset="-120"/>
+            </a:endParaRPr>
+          </a:p>
+          <a:p>
+            <a:pPr lvl="1"/>
+            <a:r>
+              <a:rPr lang="zh-CN" altLang="en-US" sz="2000" dirty="0">
+                <a:latin typeface="微軟正黑體" panose="020B0604030504040204" pitchFamily="34" charset="-120"/>
+                <a:ea typeface="微軟正黑體" panose="020B0604030504040204" pitchFamily="34" charset="-120"/>
+              </a:rPr>
+              <a:t>更</a:t>
+            </a:r>
+            <a:r>
+              <a:rPr lang="zh-CN" altLang="en-US" sz="2000" dirty="0" smtClean="0">
+                <a:latin typeface="微軟正黑體" panose="020B0604030504040204" pitchFamily="34" charset="-120"/>
+                <a:ea typeface="微軟正黑體" panose="020B0604030504040204" pitchFamily="34" charset="-120"/>
+              </a:rPr>
+              <a:t>好的分詞，斷句，詞庫，和語料庫會輸出更好的效果和摘要</a:t>
+            </a:r>
+            <a:endParaRPr lang="en-US" altLang="zh-CN" sz="2000" dirty="0" smtClean="0">
+              <a:latin typeface="微軟正黑體" panose="020B0604030504040204" pitchFamily="34" charset="-120"/>
+              <a:ea typeface="微軟正黑體" panose="020B0604030504040204" pitchFamily="34" charset="-120"/>
+            </a:endParaRPr>
+          </a:p>
+          <a:p>
+            <a:pPr lvl="2"/>
+            <a:r>
+              <a:rPr lang="en-US" altLang="zh-CN" sz="1600" dirty="0" smtClean="0">
+                <a:latin typeface="微軟正黑體" panose="020B0604030504040204" pitchFamily="34" charset="-120"/>
+                <a:ea typeface="微軟正黑體" panose="020B0604030504040204" pitchFamily="34" charset="-120"/>
+              </a:rPr>
+              <a:t>10,000,000</a:t>
+            </a:r>
+            <a:r>
+              <a:rPr lang="zh-CN" altLang="en-US" sz="1600" dirty="0" smtClean="0">
+                <a:latin typeface="微軟正黑體" panose="020B0604030504040204" pitchFamily="34" charset="-120"/>
+                <a:ea typeface="微軟正黑體" panose="020B0604030504040204" pitchFamily="34" charset="-120"/>
+              </a:rPr>
+              <a:t>篇文章的語料庫 </a:t>
+            </a:r>
+            <a:r>
+              <a:rPr lang="en-US" altLang="zh-CN" sz="1600" dirty="0" smtClean="0">
+                <a:latin typeface="微軟正黑體" panose="020B0604030504040204" pitchFamily="34" charset="-120"/>
+                <a:ea typeface="微軟正黑體" panose="020B0604030504040204" pitchFamily="34" charset="-120"/>
+              </a:rPr>
+              <a:t>vs. 100</a:t>
+            </a:r>
+            <a:r>
+              <a:rPr lang="zh-CN" altLang="en-US" sz="1600" dirty="0" smtClean="0">
+                <a:latin typeface="微軟正黑體" panose="020B0604030504040204" pitchFamily="34" charset="-120"/>
+                <a:ea typeface="微軟正黑體" panose="020B0604030504040204" pitchFamily="34" charset="-120"/>
+              </a:rPr>
+              <a:t>篇文章的語料庫</a:t>
+            </a:r>
+            <a:endParaRPr lang="en-US" altLang="zh-CN" sz="1600" dirty="0" smtClean="0">
+              <a:latin typeface="微軟正黑體" panose="020B0604030504040204" pitchFamily="34" charset="-120"/>
+              <a:ea typeface="微軟正黑體" panose="020B0604030504040204" pitchFamily="34" charset="-120"/>
+            </a:endParaRPr>
+          </a:p>
+          <a:p>
+            <a:pPr lvl="2"/>
+            <a:r>
+              <a:rPr lang="zh-CN" altLang="en-US" sz="1600" dirty="0" smtClean="0">
+                <a:latin typeface="微軟正黑體" panose="020B0604030504040204" pitchFamily="34" charset="-120"/>
+                <a:ea typeface="微軟正黑體" panose="020B0604030504040204" pitchFamily="34" charset="-120"/>
+              </a:rPr>
+              <a:t>更好的分詞和斷句更能保留文章的含義並提高摘要效果</a:t>
+            </a:r>
+            <a:endParaRPr lang="en-US" altLang="zh-CN" sz="1600" dirty="0">
+              <a:latin typeface="微軟正黑體" panose="020B0604030504040204" pitchFamily="34" charset="-120"/>
+              <a:ea typeface="微軟正黑體" panose="020B0604030504040204" pitchFamily="34" charset="-120"/>
+            </a:endParaRPr>
+          </a:p>
+          <a:p>
+            <a:pPr lvl="2"/>
+            <a:r>
+              <a:rPr lang="zh-CN" altLang="en-US" sz="1600" dirty="0" smtClean="0">
+                <a:latin typeface="微軟正黑體" panose="020B0604030504040204" pitchFamily="34" charset="-120"/>
+                <a:ea typeface="微軟正黑體" panose="020B0604030504040204" pitchFamily="34" charset="-120"/>
+              </a:rPr>
+              <a:t>大數據分析的</a:t>
+            </a:r>
+            <a:r>
+              <a:rPr lang="en-US" altLang="zh-CN" sz="1600" dirty="0" smtClean="0">
+                <a:latin typeface="微軟正黑體" panose="020B0604030504040204" pitchFamily="34" charset="-120"/>
+                <a:ea typeface="微軟正黑體" panose="020B0604030504040204" pitchFamily="34" charset="-120"/>
+              </a:rPr>
+              <a:t>80/20</a:t>
+            </a:r>
+            <a:r>
+              <a:rPr lang="zh-CN" altLang="en-US" sz="1600" dirty="0" smtClean="0">
+                <a:latin typeface="微軟正黑體" panose="020B0604030504040204" pitchFamily="34" charset="-120"/>
+                <a:ea typeface="微軟正黑體" panose="020B0604030504040204" pitchFamily="34" charset="-120"/>
+              </a:rPr>
+              <a:t> </a:t>
+            </a:r>
+            <a:r>
+              <a:rPr lang="en-US" altLang="zh-CN" sz="1600" dirty="0" smtClean="0">
+                <a:latin typeface="微軟正黑體" panose="020B0604030504040204" pitchFamily="34" charset="-120"/>
+                <a:ea typeface="微軟正黑體" panose="020B0604030504040204" pitchFamily="34" charset="-120"/>
+              </a:rPr>
+              <a:t>rule </a:t>
+            </a:r>
+          </a:p>
+          <a:p>
+            <a:pPr lvl="1">
+              <a:buFontTx/>
+              <a:buChar char="-"/>
+            </a:pPr>
+            <a:r>
+              <a:rPr lang="zh-CN" altLang="en-US" sz="2000" dirty="0">
+                <a:latin typeface="微軟正黑體" panose="020B0604030504040204" pitchFamily="34" charset="-120"/>
+                <a:ea typeface="微軟正黑體" panose="020B0604030504040204" pitchFamily="34" charset="-120"/>
+              </a:rPr>
+              <a:t>更</a:t>
+            </a:r>
+            <a:r>
+              <a:rPr lang="zh-CN" altLang="en-US" sz="2000" dirty="0" smtClean="0">
+                <a:latin typeface="微軟正黑體" panose="020B0604030504040204" pitchFamily="34" charset="-120"/>
+                <a:ea typeface="微軟正黑體" panose="020B0604030504040204" pitchFamily="34" charset="-120"/>
+              </a:rPr>
+              <a:t>進階的演算法和計算方法</a:t>
+            </a:r>
+            <a:endParaRPr lang="en-US" altLang="zh-CN" sz="2000" dirty="0" smtClean="0">
+              <a:latin typeface="微軟正黑體" panose="020B0604030504040204" pitchFamily="34" charset="-120"/>
+              <a:ea typeface="微軟正黑體" panose="020B0604030504040204" pitchFamily="34" charset="-120"/>
+            </a:endParaRPr>
+          </a:p>
+          <a:p>
+            <a:pPr lvl="2"/>
+            <a:r>
+              <a:rPr lang="zh-CN" altLang="en-US" sz="1600" dirty="0" smtClean="0">
+                <a:latin typeface="微軟正黑體" panose="020B0604030504040204" pitchFamily="34" charset="-120"/>
+                <a:ea typeface="微軟正黑體" panose="020B0604030504040204" pitchFamily="34" charset="-120"/>
+              </a:rPr>
+              <a:t>選擇恰當的</a:t>
+            </a:r>
+            <a:r>
+              <a:rPr lang="en-US" altLang="zh-CN" sz="1600" dirty="0" smtClean="0">
+                <a:latin typeface="微軟正黑體" panose="020B0604030504040204" pitchFamily="34" charset="-120"/>
+                <a:ea typeface="微軟正黑體" panose="020B0604030504040204" pitchFamily="34" charset="-120"/>
+              </a:rPr>
+              <a:t>cluster size</a:t>
+            </a:r>
+            <a:r>
+              <a:rPr lang="en-US" altLang="zh-TW" sz="1600" dirty="0">
+                <a:latin typeface="微軟正黑體" panose="020B0604030504040204" pitchFamily="34" charset="-120"/>
+                <a:ea typeface="微軟正黑體" panose="020B0604030504040204" pitchFamily="34" charset="-120"/>
+              </a:rPr>
+              <a:t>(</a:t>
+            </a:r>
+            <a:r>
+              <a:rPr lang="zh-TW" altLang="en-US" sz="1600" dirty="0">
+                <a:latin typeface="微軟正黑體" panose="020B0604030504040204" pitchFamily="34" charset="-120"/>
+                <a:ea typeface="微軟正黑體" panose="020B0604030504040204" pitchFamily="34" charset="-120"/>
+              </a:rPr>
+              <a:t>太多</a:t>
+            </a:r>
+            <a:r>
+              <a:rPr lang="en-US" altLang="zh-CN" sz="1600" dirty="0">
+                <a:latin typeface="微軟正黑體" panose="020B0604030504040204" pitchFamily="34" charset="-120"/>
+                <a:ea typeface="微軟正黑體" panose="020B0604030504040204" pitchFamily="34" charset="-120"/>
+              </a:rPr>
+              <a:t>clusters</a:t>
+            </a:r>
+            <a:r>
+              <a:rPr lang="zh-TW" altLang="en-US" sz="1600" dirty="0">
+                <a:latin typeface="微軟正黑體" panose="020B0604030504040204" pitchFamily="34" charset="-120"/>
+                <a:ea typeface="微軟正黑體" panose="020B0604030504040204" pitchFamily="34" charset="-120"/>
+              </a:rPr>
+              <a:t>摘要會包括多餘的句子，太少</a:t>
+            </a:r>
+            <a:r>
+              <a:rPr lang="en-US" altLang="zh-CN" sz="1600" dirty="0">
+                <a:latin typeface="微軟正黑體" panose="020B0604030504040204" pitchFamily="34" charset="-120"/>
+                <a:ea typeface="微軟正黑體" panose="020B0604030504040204" pitchFamily="34" charset="-120"/>
+              </a:rPr>
+              <a:t>clusters</a:t>
+            </a:r>
+            <a:r>
+              <a:rPr lang="zh-TW" altLang="en-US" sz="1600" dirty="0">
+                <a:latin typeface="微軟正黑體" panose="020B0604030504040204" pitchFamily="34" charset="-120"/>
+                <a:ea typeface="微軟正黑體" panose="020B0604030504040204" pitchFamily="34" charset="-120"/>
+              </a:rPr>
+              <a:t>會忽略一些重要的句子</a:t>
+            </a:r>
+            <a:r>
+              <a:rPr lang="en-US" altLang="zh-TW" sz="1600" dirty="0" smtClean="0">
+                <a:latin typeface="微軟正黑體" panose="020B0604030504040204" pitchFamily="34" charset="-120"/>
+                <a:ea typeface="微軟正黑體" panose="020B0604030504040204" pitchFamily="34" charset="-120"/>
+              </a:rPr>
+              <a:t>)</a:t>
+            </a:r>
+          </a:p>
+          <a:p>
+            <a:pPr lvl="2"/>
+            <a:r>
+              <a:rPr lang="zh-CN" altLang="en-US" sz="1600" dirty="0" smtClean="0">
+                <a:latin typeface="微軟正黑體" panose="020B0604030504040204" pitchFamily="34" charset="-120"/>
+                <a:ea typeface="微軟正黑體" panose="020B0604030504040204" pitchFamily="34" charset="-120"/>
+              </a:rPr>
+              <a:t>計算</a:t>
+            </a:r>
+            <a:r>
+              <a:rPr lang="en-US" altLang="zh-CN" sz="1600" dirty="0" smtClean="0">
+                <a:latin typeface="微軟正黑體" panose="020B0604030504040204" pitchFamily="34" charset="-120"/>
+                <a:ea typeface="微軟正黑體" panose="020B0604030504040204" pitchFamily="34" charset="-120"/>
+              </a:rPr>
+              <a:t>TF-IDF</a:t>
+            </a:r>
+            <a:r>
+              <a:rPr lang="zh-CN" altLang="en-US" sz="1600" dirty="0" smtClean="0">
+                <a:latin typeface="微軟正黑體" panose="020B0604030504040204" pitchFamily="34" charset="-120"/>
+                <a:ea typeface="微軟正黑體" panose="020B0604030504040204" pitchFamily="34" charset="-120"/>
+              </a:rPr>
+              <a:t>分數的改進</a:t>
+            </a:r>
+            <a:r>
+              <a:rPr lang="en-US" altLang="zh-CN" sz="1600" dirty="0" smtClean="0">
+                <a:latin typeface="微軟正黑體" panose="020B0604030504040204" pitchFamily="34" charset="-120"/>
+                <a:ea typeface="微軟正黑體" panose="020B0604030504040204" pitchFamily="34" charset="-120"/>
+              </a:rPr>
+              <a:t>(e.g. </a:t>
+            </a:r>
+            <a:r>
+              <a:rPr lang="zh-CN" altLang="en-US" sz="1600" dirty="0" smtClean="0">
+                <a:latin typeface="微軟正黑體" panose="020B0604030504040204" pitchFamily="34" charset="-120"/>
+                <a:ea typeface="微軟正黑體" panose="020B0604030504040204" pitchFamily="34" charset="-120"/>
+              </a:rPr>
+              <a:t>只計算名詞的</a:t>
+            </a:r>
+            <a:r>
+              <a:rPr lang="en-US" altLang="zh-CN" sz="1600" dirty="0" smtClean="0">
+                <a:latin typeface="微軟正黑體" panose="020B0604030504040204" pitchFamily="34" charset="-120"/>
+                <a:ea typeface="微軟正黑體" panose="020B0604030504040204" pitchFamily="34" charset="-120"/>
+              </a:rPr>
+              <a:t>TF-IDF</a:t>
+            </a:r>
+            <a:r>
+              <a:rPr lang="zh-CN" altLang="en-US" sz="1600" dirty="0" smtClean="0">
+                <a:latin typeface="微軟正黑體" panose="020B0604030504040204" pitchFamily="34" charset="-120"/>
+                <a:ea typeface="微軟正黑體" panose="020B0604030504040204" pitchFamily="34" charset="-120"/>
+              </a:rPr>
+              <a:t>分數，提高標題裏的詞的</a:t>
+            </a:r>
+            <a:r>
+              <a:rPr lang="en-US" altLang="zh-CN" sz="1600" dirty="0" smtClean="0">
+                <a:latin typeface="微軟正黑體" panose="020B0604030504040204" pitchFamily="34" charset="-120"/>
+                <a:ea typeface="微軟正黑體" panose="020B0604030504040204" pitchFamily="34" charset="-120"/>
+              </a:rPr>
+              <a:t>TF-IDF</a:t>
+            </a:r>
+            <a:r>
+              <a:rPr lang="zh-CN" altLang="en-US" sz="1600" dirty="0" smtClean="0">
+                <a:latin typeface="微軟正黑體" panose="020B0604030504040204" pitchFamily="34" charset="-120"/>
+                <a:ea typeface="微軟正黑體" panose="020B0604030504040204" pitchFamily="34" charset="-120"/>
+              </a:rPr>
+              <a:t>分數，依照句子的位置加分</a:t>
+            </a:r>
+            <a:r>
+              <a:rPr lang="en-US" altLang="zh-CN" sz="1600" dirty="0" smtClean="0">
+                <a:latin typeface="微軟正黑體" panose="020B0604030504040204" pitchFamily="34" charset="-120"/>
+                <a:ea typeface="微軟正黑體" panose="020B0604030504040204" pitchFamily="34" charset="-120"/>
+              </a:rPr>
+              <a:t>)</a:t>
+            </a:r>
+            <a:endParaRPr lang="en-US" altLang="zh-CN" sz="2000" dirty="0" smtClean="0">
+              <a:latin typeface="微軟正黑體" panose="020B0604030504040204" pitchFamily="34" charset="-120"/>
+              <a:ea typeface="微軟正黑體" panose="020B0604030504040204" pitchFamily="34" charset="-120"/>
+            </a:endParaRPr>
+          </a:p>
+          <a:p>
+            <a:pPr marL="457200" lvl="1" indent="0">
+              <a:buNone/>
+            </a:pPr>
+            <a:endParaRPr lang="en-US" altLang="zh-CN" sz="2000" dirty="0" smtClean="0">
+              <a:latin typeface="微軟正黑體" panose="020B0604030504040204" pitchFamily="34" charset="-120"/>
+              <a:ea typeface="微軟正黑體" panose="020B0604030504040204" pitchFamily="34" charset="-120"/>
+            </a:endParaRPr>
+          </a:p>
+          <a:p>
+            <a:r>
+              <a:rPr lang="en-US" altLang="zh-TW" sz="2800" dirty="0" smtClean="0">
+                <a:latin typeface="微軟正黑體" panose="020B0604030504040204" pitchFamily="34" charset="-120"/>
+                <a:ea typeface="微軟正黑體" panose="020B0604030504040204" pitchFamily="34" charset="-120"/>
+              </a:rPr>
+              <a:t>Key Takeaways</a:t>
+            </a:r>
+          </a:p>
+          <a:p>
+            <a:pPr lvl="1"/>
+            <a:r>
+              <a:rPr lang="zh-CN" altLang="en-US" sz="2000" dirty="0" smtClean="0">
+                <a:latin typeface="微軟正黑體" panose="020B0604030504040204" pitchFamily="34" charset="-120"/>
+                <a:ea typeface="微軟正黑體" panose="020B0604030504040204" pitchFamily="34" charset="-120"/>
+              </a:rPr>
+              <a:t>文字探勘和數據處理是大數據分析最重要的部分</a:t>
+            </a:r>
+            <a:endParaRPr lang="en-US" altLang="zh-CN" sz="2000" dirty="0" smtClean="0">
+              <a:latin typeface="微軟正黑體" panose="020B0604030504040204" pitchFamily="34" charset="-120"/>
+              <a:ea typeface="微軟正黑體" panose="020B0604030504040204" pitchFamily="34" charset="-120"/>
+            </a:endParaRPr>
+          </a:p>
+          <a:p>
+            <a:pPr lvl="2"/>
+            <a:r>
+              <a:rPr lang="en-US" altLang="zh-CN" sz="1600" dirty="0">
+                <a:latin typeface="微軟正黑體" panose="020B0604030504040204" pitchFamily="34" charset="-120"/>
+                <a:ea typeface="微軟正黑體" panose="020B0604030504040204" pitchFamily="34" charset="-120"/>
+              </a:rPr>
+              <a:t>G</a:t>
+            </a:r>
+            <a:r>
+              <a:rPr lang="en-US" altLang="zh-CN" sz="1600" dirty="0" smtClean="0">
+                <a:latin typeface="微軟正黑體" panose="020B0604030504040204" pitchFamily="34" charset="-120"/>
+                <a:ea typeface="微軟正黑體" panose="020B0604030504040204" pitchFamily="34" charset="-120"/>
+              </a:rPr>
+              <a:t>arbage in, </a:t>
+            </a:r>
+            <a:r>
+              <a:rPr lang="en-US" altLang="zh-CN" sz="1600" dirty="0">
+                <a:latin typeface="微軟正黑體" panose="020B0604030504040204" pitchFamily="34" charset="-120"/>
+                <a:ea typeface="微軟正黑體" panose="020B0604030504040204" pitchFamily="34" charset="-120"/>
+              </a:rPr>
+              <a:t>garbage out – </a:t>
+            </a:r>
+            <a:r>
+              <a:rPr lang="zh-CN" altLang="en-US" sz="1600" dirty="0" smtClean="0">
+                <a:latin typeface="微軟正黑體" panose="020B0604030504040204" pitchFamily="34" charset="-120"/>
+                <a:ea typeface="微軟正黑體" panose="020B0604030504040204" pitchFamily="34" charset="-120"/>
+              </a:rPr>
+              <a:t>如果數據不準確或完整，分析的結果也不會準確</a:t>
+            </a:r>
+            <a:endParaRPr lang="en-US" altLang="zh-CN" sz="1600" dirty="0" smtClean="0">
+              <a:latin typeface="微軟正黑體" panose="020B0604030504040204" pitchFamily="34" charset="-120"/>
+              <a:ea typeface="微軟正黑體" panose="020B0604030504040204" pitchFamily="34" charset="-120"/>
+            </a:endParaRPr>
+          </a:p>
+          <a:p>
+            <a:pPr lvl="1"/>
+            <a:r>
+              <a:rPr lang="zh-CN" altLang="en-US" sz="2100" dirty="0" smtClean="0">
+                <a:latin typeface="微軟正黑體" panose="020B0604030504040204" pitchFamily="34" charset="-120"/>
+                <a:ea typeface="微軟正黑體" panose="020B0604030504040204" pitchFamily="34" charset="-120"/>
+              </a:rPr>
+              <a:t>長文摘要是一個持續的過程，必須一直驗證測試模型並做適當的調整</a:t>
+            </a:r>
+            <a:endParaRPr lang="en-US" altLang="zh-CN" sz="2100" dirty="0" smtClean="0">
+              <a:latin typeface="微軟正黑體" panose="020B0604030504040204" pitchFamily="34" charset="-120"/>
+              <a:ea typeface="微軟正黑體" panose="020B0604030504040204" pitchFamily="34" charset="-120"/>
+            </a:endParaRPr>
           </a:p>
         </p:txBody>
       </p:sp>
@@ -5529,6 +6703,9 @@
           <a:prstGeom prst="roundRect">
             <a:avLst/>
           </a:prstGeom>
+          <a:solidFill>
+            <a:schemeClr val="accent5"/>
+          </a:solidFill>
         </p:spPr>
         <p:style>
           <a:lnRef idx="2">
@@ -5573,6 +6750,9 @@
           <a:prstGeom prst="roundRect">
             <a:avLst/>
           </a:prstGeom>
+          <a:solidFill>
+            <a:schemeClr val="accent5"/>
+          </a:solidFill>
         </p:spPr>
         <p:style>
           <a:lnRef idx="2">
@@ -5652,9 +6832,7 @@
             <a:avLst/>
           </a:prstGeom>
           <a:solidFill>
-            <a:schemeClr val="accent5">
-              <a:lumMod val="75000"/>
-            </a:schemeClr>
+            <a:schemeClr val="accent5"/>
           </a:solidFill>
         </p:spPr>
         <p:txBody>
@@ -5732,14 +6910,14 @@
       </p:sp>
       <p:sp>
         <p:nvSpPr>
-          <p:cNvPr id="9" name="文字方塊 8"/>
+          <p:cNvPr id="10" name="文字方塊 9"/>
           <p:cNvSpPr txBox="1"/>
           <p:nvPr/>
         </p:nvSpPr>
         <p:spPr>
           <a:xfrm>
-            <a:off x="5436096" y="1412776"/>
-            <a:ext cx="3528392" cy="1477328"/>
+            <a:off x="5072240" y="3933056"/>
+            <a:ext cx="3528392" cy="646331"/>
           </a:xfrm>
           <a:prstGeom prst="rect">
             <a:avLst/>
@@ -5754,7 +6932,15 @@
           <a:p>
             <a:r>
               <a:rPr lang="zh-TW" altLang="en-US" dirty="0" smtClean="0"/>
-              <a:t>分兩類</a:t>
+              <a:t>本次主要研究</a:t>
+            </a:r>
+            <a:r>
+              <a:rPr lang="en-US" altLang="zh-TW" dirty="0" smtClean="0"/>
+              <a:t>Extractive</a:t>
+            </a:r>
+            <a:r>
+              <a:rPr lang="zh-TW" altLang="en-US" dirty="0" smtClean="0"/>
+              <a:t>演算法，並以小樣本進行實作與驗證</a:t>
             </a:r>
             <a:r>
               <a:rPr lang="en-US" altLang="zh-TW" dirty="0" smtClean="0"/>
@@ -5765,108 +6951,6 @@
               <a:t> </a:t>
             </a:r>
             <a:endParaRPr lang="en-US" altLang="zh-TW" dirty="0" smtClean="0"/>
-          </a:p>
-          <a:p>
-            <a:endParaRPr lang="en-US" altLang="zh-TW" dirty="0"/>
-          </a:p>
-          <a:p>
-            <a:r>
-              <a:rPr lang="en-US" altLang="zh-TW" dirty="0" smtClean="0"/>
-              <a:t>E:----</a:t>
-            </a:r>
-          </a:p>
-          <a:p>
-            <a:endParaRPr lang="en-US" altLang="zh-TW" dirty="0"/>
-          </a:p>
-          <a:p>
-            <a:r>
-              <a:rPr lang="en-US" altLang="zh-TW" dirty="0" smtClean="0"/>
-              <a:t>A:</a:t>
-            </a:r>
-            <a:r>
-              <a:rPr lang="zh-TW" altLang="en-US" dirty="0" smtClean="0"/>
-              <a:t> </a:t>
-            </a:r>
-            <a:r>
-              <a:rPr lang="en-US" altLang="zh-TW" dirty="0" smtClean="0"/>
-              <a:t>----</a:t>
-            </a:r>
-            <a:r>
-              <a:rPr lang="zh-TW" altLang="en-US" dirty="0" smtClean="0"/>
-              <a:t> </a:t>
-            </a:r>
-            <a:r>
-              <a:rPr lang="en-US" altLang="zh-TW" dirty="0" smtClean="0"/>
-              <a:t>(</a:t>
-            </a:r>
-            <a:r>
-              <a:rPr lang="zh-TW" altLang="en-US" dirty="0" smtClean="0"/>
-              <a:t>精簡</a:t>
-            </a:r>
-            <a:r>
-              <a:rPr lang="en-US" altLang="zh-TW" dirty="0" smtClean="0"/>
-              <a:t>)</a:t>
-            </a:r>
-            <a:r>
-              <a:rPr lang="zh-TW" altLang="en-US" dirty="0" smtClean="0"/>
-              <a:t>，文句通順度</a:t>
-            </a:r>
-            <a:r>
-              <a:rPr lang="zh-TW" altLang="en-US" dirty="0"/>
-              <a:t>是挑戰</a:t>
-            </a:r>
-          </a:p>
-        </p:txBody>
-      </p:sp>
-      <p:sp>
-        <p:nvSpPr>
-          <p:cNvPr id="10" name="文字方塊 9"/>
-          <p:cNvSpPr txBox="1"/>
-          <p:nvPr/>
-        </p:nvSpPr>
-        <p:spPr>
-          <a:xfrm>
-            <a:off x="5436096" y="3842464"/>
-            <a:ext cx="3528392" cy="1200329"/>
-          </a:xfrm>
-          <a:prstGeom prst="rect">
-            <a:avLst/>
-          </a:prstGeom>
-          <a:noFill/>
-        </p:spPr>
-        <p:txBody>
-          <a:bodyPr wrap="square" rtlCol="0">
-            <a:spAutoFit/>
-          </a:bodyPr>
-          <a:lstStyle/>
-          <a:p>
-            <a:r>
-              <a:rPr lang="zh-TW" altLang="en-US" dirty="0" smtClean="0"/>
-              <a:t>本次主要研究</a:t>
-            </a:r>
-            <a:r>
-              <a:rPr lang="en-US" altLang="zh-TW" dirty="0" smtClean="0"/>
-              <a:t>Extractive</a:t>
-            </a:r>
-            <a:r>
-              <a:rPr lang="zh-TW" altLang="en-US" dirty="0" smtClean="0"/>
-              <a:t>演算法，並以小樣本進行實作與驗證</a:t>
-            </a:r>
-            <a:r>
-              <a:rPr lang="en-US" altLang="zh-TW" dirty="0" smtClean="0"/>
-              <a:t>:</a:t>
-            </a:r>
-            <a:r>
-              <a:rPr lang="zh-TW" altLang="en-US" dirty="0" smtClean="0"/>
-              <a:t> </a:t>
-            </a:r>
-            <a:endParaRPr lang="en-US" altLang="zh-TW" dirty="0" smtClean="0"/>
-          </a:p>
-          <a:p>
-            <a:endParaRPr lang="en-US" altLang="zh-TW" dirty="0"/>
-          </a:p>
-          <a:p>
-            <a:endParaRPr lang="zh-TW" altLang="en-US" dirty="0"/>
           </a:p>
         </p:txBody>
       </p:sp>
@@ -5879,36 +6963,39 @@
           <p:nvPr>
             <p:extLst>
               <p:ext uri="{D42A27DB-BD31-4B8C-83A1-F6EECF244321}">
-                <p14:modId xmlns:p14="http://schemas.microsoft.com/office/powerpoint/2010/main" val="623959729"/>
+                <p14:modId xmlns:p14="http://schemas.microsoft.com/office/powerpoint/2010/main" val="4270505578"/>
               </p:ext>
             </p:extLst>
           </p:nvPr>
         </p:nvGraphicFramePr>
         <p:xfrm>
-          <a:off x="7300161" y="1523462"/>
-          <a:ext cx="3899757" cy="1255956"/>
+          <a:off x="4730602" y="1264692"/>
+          <a:ext cx="4274997" cy="2185248"/>
         </p:xfrm>
         <a:graphic>
           <a:graphicData uri="http://schemas.openxmlformats.org/drawingml/2006/table">
             <a:tbl>
               <a:tblPr firstRow="1" bandRow="1">
-                <a:tableStyleId>{5C22544A-7EE6-4342-B048-85BDC9FD1C3A}</a:tableStyleId>
+                <a:tableStyleId>{7DF18680-E054-41AD-8BC1-D1AEF772440D}</a:tableStyleId>
               </a:tblPr>
               <a:tblGrid>
-                <a:gridCol w="1299919"/>
-                <a:gridCol w="1299919"/>
-                <a:gridCol w="1299919"/>
+                <a:gridCol w="720352"/>
+                <a:gridCol w="2129646"/>
+                <a:gridCol w="1424999"/>
               </a:tblGrid>
-              <a:tr h="524436">
+              <a:tr h="507861">
                 <a:tc>
                   <a:txBody>
                     <a:bodyPr/>
                     <a:lstStyle/>
                     <a:p>
-                      <a:endParaRPr lang="zh-TW" altLang="en-US" dirty="0"/>
+                      <a:endParaRPr lang="zh-TW" altLang="en-US" sz="1600" dirty="0">
+                        <a:latin typeface="微軟正黑體" panose="020B0604030504040204" pitchFamily="34" charset="-120"/>
+                        <a:ea typeface="微軟正黑體" panose="020B0604030504040204" pitchFamily="34" charset="-120"/>
+                      </a:endParaRPr>
                     </a:p>
                   </a:txBody>
-                  <a:tcPr/>
+                  <a:tcPr marL="78177" marR="78177" marT="39088" marB="39088"/>
                 </a:tc>
                 <a:tc>
                   <a:txBody>
@@ -5916,13 +7003,32 @@
                     <a:lstStyle/>
                     <a:p>
                       <a:r>
-                        <a:rPr lang="en-US" altLang="zh-TW" dirty="0" smtClean="0"/>
-                        <a:t>Extractive</a:t>
+                        <a:rPr lang="zh-CN" altLang="en-US" sz="1600" dirty="0" smtClean="0">
+                          <a:latin typeface="微軟正黑體" panose="020B0604030504040204" pitchFamily="34" charset="-120"/>
+                          <a:ea typeface="微軟正黑體" panose="020B0604030504040204" pitchFamily="34" charset="-120"/>
+                        </a:rPr>
+                        <a:t>萃取法</a:t>
                       </a:r>
-                      <a:endParaRPr lang="zh-TW" altLang="en-US" dirty="0"/>
+                      <a:endParaRPr lang="en-US" altLang="zh-CN" sz="1600" dirty="0" smtClean="0">
+                        <a:latin typeface="微軟正黑體" panose="020B0604030504040204" pitchFamily="34" charset="-120"/>
+                        <a:ea typeface="微軟正黑體" panose="020B0604030504040204" pitchFamily="34" charset="-120"/>
+                      </a:endParaRPr>
+                    </a:p>
+                    <a:p>
+                      <a:r>
+                        <a:rPr lang="en-US" altLang="zh-TW" sz="1600" dirty="0" smtClean="0">
+                          <a:latin typeface="微軟正黑體" panose="020B0604030504040204" pitchFamily="34" charset="-120"/>
+                          <a:ea typeface="微軟正黑體" panose="020B0604030504040204" pitchFamily="34" charset="-120"/>
+                        </a:rPr>
+                        <a:t>(Extractive)</a:t>
+                      </a:r>
+                      <a:endParaRPr lang="zh-TW" altLang="en-US" sz="1600" dirty="0">
+                        <a:latin typeface="微軟正黑體" panose="020B0604030504040204" pitchFamily="34" charset="-120"/>
+                        <a:ea typeface="微軟正黑體" panose="020B0604030504040204" pitchFamily="34" charset="-120"/>
+                      </a:endParaRPr>
                     </a:p>
                   </a:txBody>
-                  <a:tcPr/>
+                  <a:tcPr marL="78177" marR="78177" marT="39088" marB="39088"/>
                 </a:tc>
                 <a:tc>
                   <a:txBody>
@@ -5930,85 +7036,251 @@
                     <a:lstStyle/>
                     <a:p>
                       <a:r>
-                        <a:rPr lang="en-US" altLang="zh-TW" dirty="0" smtClean="0"/>
-                        <a:t>Abstractive</a:t>
+                        <a:rPr lang="zh-CN" altLang="en-US" sz="1600" dirty="0" smtClean="0">
+                          <a:latin typeface="微軟正黑體" panose="020B0604030504040204" pitchFamily="34" charset="-120"/>
+                          <a:ea typeface="微軟正黑體" panose="020B0604030504040204" pitchFamily="34" charset="-120"/>
+                        </a:rPr>
+                        <a:t>抽象法</a:t>
                       </a:r>
-                      <a:endParaRPr lang="zh-TW" altLang="en-US" dirty="0"/>
+                      <a:endParaRPr lang="en-US" altLang="zh-CN" sz="1600" dirty="0" smtClean="0">
+                        <a:latin typeface="微軟正黑體" panose="020B0604030504040204" pitchFamily="34" charset="-120"/>
+                        <a:ea typeface="微軟正黑體" panose="020B0604030504040204" pitchFamily="34" charset="-120"/>
+                      </a:endParaRPr>
+                    </a:p>
+                    <a:p>
+                      <a:r>
+                        <a:rPr lang="en-US" altLang="zh-TW" sz="1600" dirty="0" smtClean="0">
+                          <a:latin typeface="微軟正黑體" panose="020B0604030504040204" pitchFamily="34" charset="-120"/>
+                          <a:ea typeface="微軟正黑體" panose="020B0604030504040204" pitchFamily="34" charset="-120"/>
+                        </a:rPr>
+                        <a:t>(Abstractive)</a:t>
+                      </a:r>
+                      <a:endParaRPr lang="zh-TW" altLang="en-US" sz="1600" dirty="0">
+                        <a:latin typeface="微軟正黑體" panose="020B0604030504040204" pitchFamily="34" charset="-120"/>
+                        <a:ea typeface="微軟正黑體" panose="020B0604030504040204" pitchFamily="34" charset="-120"/>
+                      </a:endParaRPr>
                     </a:p>
                   </a:txBody>
-                  <a:tcPr/>
+                  <a:tcPr marL="78177" marR="78177" marT="39088" marB="39088"/>
                 </a:tc>
               </a:tr>
-              <a:tr h="303840">
+              <a:tr h="736615">
                 <a:tc>
                   <a:txBody>
                     <a:bodyPr/>
                     <a:lstStyle/>
                     <a:p>
                       <a:r>
-                        <a:rPr lang="en-US" altLang="zh-TW" dirty="0" smtClean="0"/>
+                        <a:rPr lang="en-US" altLang="zh-TW" sz="1600" dirty="0" smtClean="0"/>
                         <a:t>Pros</a:t>
                       </a:r>
-                      <a:endParaRPr lang="zh-TW" altLang="en-US" dirty="0"/>
+                      <a:endParaRPr lang="zh-TW" altLang="en-US" sz="1600" dirty="0">
+                        <a:latin typeface="微軟正黑體" panose="020B0604030504040204" pitchFamily="34" charset="-120"/>
+                        <a:ea typeface="微軟正黑體" panose="020B0604030504040204" pitchFamily="34" charset="-120"/>
+                      </a:endParaRPr>
                     </a:p>
                   </a:txBody>
-                  <a:tcPr/>
+                  <a:tcPr marL="78177" marR="78177" marT="39088" marB="39088"/>
                 </a:tc>
                 <a:tc>
                   <a:txBody>
                     <a:bodyPr/>
                     <a:lstStyle/>
                     <a:p>
-                      <a:endParaRPr lang="zh-TW" altLang="en-US" dirty="0"/>
+                      <a:pPr marL="285750" indent="-285750">
+                        <a:buFont typeface="Arial" panose="020B0604020202020204" pitchFamily="34" charset="0"/>
+                        <a:buChar char="•"/>
+                      </a:pPr>
+                      <a:r>
+                        <a:rPr lang="zh-CN" altLang="en-US" sz="1200" dirty="0" smtClean="0">
+                          <a:latin typeface="微軟正黑體" panose="020B0604030504040204" pitchFamily="34" charset="-120"/>
+                          <a:ea typeface="微軟正黑體" panose="020B0604030504040204" pitchFamily="34" charset="-120"/>
+                        </a:rPr>
+                        <a:t>比較簡單開發</a:t>
+                      </a:r>
+                      <a:endParaRPr lang="en-US" altLang="zh-CN" sz="1200" dirty="0" smtClean="0">
+                        <a:latin typeface="微軟正黑體" panose="020B0604030504040204" pitchFamily="34" charset="-120"/>
+                        <a:ea typeface="微軟正黑體" panose="020B0604030504040204" pitchFamily="34" charset="-120"/>
+                      </a:endParaRPr>
+                    </a:p>
+                    <a:p>
+                      <a:pPr marL="285750" indent="-285750">
+                        <a:buFont typeface="Arial" panose="020B0604020202020204" pitchFamily="34" charset="0"/>
+                        <a:buChar char="•"/>
+                      </a:pPr>
+                      <a:r>
+                        <a:rPr lang="zh-CN" altLang="en-US" sz="1200" dirty="0" smtClean="0">
+                          <a:latin typeface="微軟正黑體" panose="020B0604030504040204" pitchFamily="34" charset="-120"/>
+                          <a:ea typeface="微軟正黑體" panose="020B0604030504040204" pitchFamily="34" charset="-120"/>
+                        </a:rPr>
+                        <a:t>截至目前是效果最好的摘要方法</a:t>
+                      </a:r>
+                      <a:endParaRPr lang="zh-TW" altLang="en-US" sz="1200" dirty="0">
+                        <a:latin typeface="微軟正黑體" panose="020B0604030504040204" pitchFamily="34" charset="-120"/>
+                        <a:ea typeface="微軟正黑體" panose="020B0604030504040204" pitchFamily="34" charset="-120"/>
+                      </a:endParaRPr>
                     </a:p>
                   </a:txBody>
-                  <a:tcPr/>
+                  <a:tcPr marL="78177" marR="78177" marT="39088" marB="39088"/>
                 </a:tc>
                 <a:tc>
                   <a:txBody>
                     <a:bodyPr/>
                     <a:lstStyle/>
                     <a:p>
-                      <a:endParaRPr lang="zh-TW" altLang="en-US"/>
+                      <a:pPr marL="285750" indent="-285750">
+                        <a:buFont typeface="Arial" panose="020B0604020202020204" pitchFamily="34" charset="0"/>
+                        <a:buChar char="•"/>
+                      </a:pPr>
+                      <a:r>
+                        <a:rPr lang="zh-CN" altLang="en-US" sz="1200" dirty="0" smtClean="0">
+                          <a:latin typeface="微軟正黑體" panose="020B0604030504040204" pitchFamily="34" charset="-120"/>
+                          <a:ea typeface="微軟正黑體" panose="020B0604030504040204" pitchFamily="34" charset="-120"/>
+                        </a:rPr>
+                        <a:t>輸出比萃取法還要進階</a:t>
+                      </a:r>
+                      <a:r>
+                        <a:rPr lang="en-US" altLang="zh-CN" sz="1200" dirty="0" smtClean="0">
+                          <a:latin typeface="微軟正黑體" panose="020B0604030504040204" pitchFamily="34" charset="-120"/>
+                          <a:ea typeface="微軟正黑體" panose="020B0604030504040204" pitchFamily="34" charset="-120"/>
+                        </a:rPr>
+                        <a:t>(</a:t>
+                      </a:r>
+                      <a:r>
+                        <a:rPr lang="zh-CN" altLang="en-US" sz="1200" dirty="0" smtClean="0">
+                          <a:latin typeface="微軟正黑體" panose="020B0604030504040204" pitchFamily="34" charset="-120"/>
+                          <a:ea typeface="微軟正黑體" panose="020B0604030504040204" pitchFamily="34" charset="-120"/>
+                        </a:rPr>
+                        <a:t>比較像人類創造的摘要</a:t>
+                      </a:r>
+                      <a:r>
+                        <a:rPr lang="en-US" altLang="zh-CN" sz="1200" dirty="0" smtClean="0">
+                          <a:latin typeface="微軟正黑體" panose="020B0604030504040204" pitchFamily="34" charset="-120"/>
+                          <a:ea typeface="微軟正黑體" panose="020B0604030504040204" pitchFamily="34" charset="-120"/>
+                        </a:rPr>
+                        <a:t>)</a:t>
+                      </a:r>
+                      <a:endParaRPr lang="zh-TW" altLang="en-US" sz="1200" dirty="0">
+                        <a:latin typeface="微軟正黑體" panose="020B0604030504040204" pitchFamily="34" charset="-120"/>
+                        <a:ea typeface="微軟正黑體" panose="020B0604030504040204" pitchFamily="34" charset="-120"/>
+                      </a:endParaRPr>
                     </a:p>
                   </a:txBody>
-                  <a:tcPr/>
+                  <a:tcPr marL="78177" marR="78177" marT="39088" marB="39088"/>
                 </a:tc>
               </a:tr>
-              <a:tr h="303840">
+              <a:tr h="736615">
                 <a:tc>
                   <a:txBody>
                     <a:bodyPr/>
                     <a:lstStyle/>
                     <a:p>
                       <a:r>
-                        <a:rPr lang="en-US" altLang="zh-TW" dirty="0" smtClean="0"/>
+                        <a:rPr lang="en-US" altLang="zh-TW" sz="1600" dirty="0" smtClean="0"/>
                         <a:t>Cons</a:t>
                       </a:r>
-                      <a:endParaRPr lang="zh-TW" altLang="en-US" dirty="0"/>
+                      <a:endParaRPr lang="zh-TW" altLang="en-US" sz="1600" dirty="0">
+                        <a:latin typeface="微軟正黑體" panose="020B0604030504040204" pitchFamily="34" charset="-120"/>
+                        <a:ea typeface="微軟正黑體" panose="020B0604030504040204" pitchFamily="34" charset="-120"/>
+                      </a:endParaRPr>
                     </a:p>
                   </a:txBody>
-                  <a:tcPr/>
+                  <a:tcPr marL="78177" marR="78177" marT="39088" marB="39088"/>
                 </a:tc>
                 <a:tc>
                   <a:txBody>
                     <a:bodyPr/>
                     <a:lstStyle/>
                     <a:p>
-                      <a:endParaRPr lang="zh-TW" altLang="en-US"/>
+                      <a:pPr marL="285750" indent="-285750">
+                        <a:buFont typeface="Arial" panose="020B0604020202020204" pitchFamily="34" charset="0"/>
+                        <a:buChar char="•"/>
+                      </a:pPr>
+                      <a:r>
+                        <a:rPr lang="zh-CN" altLang="en-US" sz="1200" dirty="0" smtClean="0">
+                          <a:latin typeface="微軟正黑體" panose="020B0604030504040204" pitchFamily="34" charset="-120"/>
+                          <a:ea typeface="微軟正黑體" panose="020B0604030504040204" pitchFamily="34" charset="-120"/>
+                        </a:rPr>
+                        <a:t>只能提取和識別重要字詞</a:t>
+                      </a:r>
+                      <a:r>
+                        <a:rPr lang="en-US" altLang="zh-CN" sz="1200" dirty="0" smtClean="0">
+                          <a:latin typeface="微軟正黑體" panose="020B0604030504040204" pitchFamily="34" charset="-120"/>
+                          <a:ea typeface="微軟正黑體" panose="020B0604030504040204" pitchFamily="34" charset="-120"/>
+                        </a:rPr>
+                        <a:t>/</a:t>
+                      </a:r>
+                      <a:r>
+                        <a:rPr lang="zh-CN" altLang="en-US" sz="1200" dirty="0" smtClean="0">
+                          <a:latin typeface="微軟正黑體" panose="020B0604030504040204" pitchFamily="34" charset="-120"/>
+                          <a:ea typeface="微軟正黑體" panose="020B0604030504040204" pitchFamily="34" charset="-120"/>
+                        </a:rPr>
+                        <a:t>句子，但不能產生完全新的摘要</a:t>
+                      </a:r>
+                      <a:endParaRPr lang="zh-TW" altLang="en-US" sz="1200" dirty="0">
+                        <a:latin typeface="微軟正黑體" panose="020B0604030504040204" pitchFamily="34" charset="-120"/>
+                        <a:ea typeface="微軟正黑體" panose="020B0604030504040204" pitchFamily="34" charset="-120"/>
+                      </a:endParaRPr>
                     </a:p>
                   </a:txBody>
-                  <a:tcPr/>
+                  <a:tcPr marL="78177" marR="78177" marT="39088" marB="39088"/>
                 </a:tc>
                 <a:tc>
                   <a:txBody>
                     <a:bodyPr/>
                     <a:lstStyle/>
                     <a:p>
-                      <a:endParaRPr lang="zh-TW" altLang="en-US" dirty="0"/>
+                      <a:pPr marL="285750" indent="-285750">
+                        <a:buFont typeface="Arial" panose="020B0604020202020204" pitchFamily="34" charset="0"/>
+                        <a:buChar char="•"/>
+                      </a:pPr>
+                      <a:r>
+                        <a:rPr lang="zh-CN" altLang="en-US" sz="1200" dirty="0" smtClean="0">
+                          <a:latin typeface="微軟正黑體" panose="020B0604030504040204" pitchFamily="34" charset="-120"/>
+                          <a:ea typeface="微軟正黑體" panose="020B0604030504040204" pitchFamily="34" charset="-120"/>
+                        </a:rPr>
+                        <a:t>比萃取法更加困難</a:t>
+                      </a:r>
+                      <a:endParaRPr lang="en-US" altLang="zh-CN" sz="1200" dirty="0" smtClean="0">
+                        <a:latin typeface="微軟正黑體" panose="020B0604030504040204" pitchFamily="34" charset="-120"/>
+                        <a:ea typeface="微軟正黑體" panose="020B0604030504040204" pitchFamily="34" charset="-120"/>
+                      </a:endParaRPr>
+                    </a:p>
+                    <a:p>
+                      <a:pPr marL="285750" marR="0" indent="-285750" algn="l" defTabSz="914400" rtl="0" eaLnBrk="1" fontAlgn="auto" latinLnBrk="0" hangingPunct="1">
+                        <a:lnSpc>
+                          <a:spcPct val="100000"/>
+                        </a:lnSpc>
+                        <a:spcBef>
+                          <a:spcPts val="0"/>
+                        </a:spcBef>
+                        <a:spcAft>
+                          <a:spcPts val="0"/>
+                        </a:spcAft>
+                        <a:buClrTx/>
+                        <a:buSzTx/>
+                        <a:buFont typeface="Arial" panose="020B0604020202020204" pitchFamily="34" charset="0"/>
+                        <a:buChar char="•"/>
+                        <a:tabLst/>
+                        <a:defRPr/>
+                      </a:pPr>
+                      <a:r>
+                        <a:rPr lang="zh-CN" altLang="en-US" sz="1200" dirty="0" smtClean="0">
+                          <a:latin typeface="微軟正黑體" panose="020B0604030504040204" pitchFamily="34" charset="-120"/>
+                          <a:ea typeface="微軟正黑體" panose="020B0604030504040204" pitchFamily="34" charset="-120"/>
+                        </a:rPr>
+                        <a:t>文句通順度是挑戰</a:t>
+                      </a:r>
+                      <a:r>
+                        <a:rPr lang="en-US" altLang="zh-CN" sz="1200" dirty="0" smtClean="0">
+                          <a:latin typeface="微軟正黑體" panose="020B0604030504040204" pitchFamily="34" charset="-120"/>
+                          <a:ea typeface="微軟正黑體" panose="020B0604030504040204" pitchFamily="34" charset="-120"/>
+                        </a:rPr>
+                        <a:t>(NLG)</a:t>
+                      </a:r>
                     </a:p>
                   </a:txBody>
-                  <a:tcPr/>
+                  <a:tcPr marL="78177" marR="78177" marT="39088" marB="39088"/>
                 </a:tc>
               </a:tr>
             </a:tbl>
@@ -6875,14 +8147,14 @@
           <p:nvPr>
             <p:extLst>
               <p:ext uri="{D42A27DB-BD31-4B8C-83A1-F6EECF244321}">
-                <p14:modId xmlns:p14="http://schemas.microsoft.com/office/powerpoint/2010/main" val="3878284447"/>
+                <p14:modId xmlns:p14="http://schemas.microsoft.com/office/powerpoint/2010/main" val="3224098786"/>
               </p:ext>
             </p:extLst>
           </p:nvPr>
         </p:nvGraphicFramePr>
         <p:xfrm>
           <a:off x="287524" y="753904"/>
-          <a:ext cx="8568952" cy="370840"/>
+          <a:ext cx="8568952" cy="5987464"/>
         </p:xfrm>
         <a:graphic>
           <a:graphicData uri="http://schemas.openxmlformats.org/drawingml/2006/table">
@@ -6896,7 +8168,7 @@
                 <a:gridCol w="2142238"/>
                 <a:gridCol w="2142238"/>
               </a:tblGrid>
-              <a:tr h="370840">
+              <a:tr h="568819">
                 <a:tc>
                   <a:txBody>
                     <a:bodyPr/>
@@ -7058,25 +8330,392 @@
                   </a:tcPr>
                 </a:tc>
               </a:tr>
+              <a:tr h="5418645">
+                <a:tc>
+                  <a:txBody>
+                    <a:bodyPr/>
+                    <a:lstStyle/>
+                    <a:p>
+                      <a:pPr marL="285750" marR="0" indent="-285750" algn="l" defTabSz="914400" rtl="0" eaLnBrk="1" fontAlgn="auto" latinLnBrk="0" hangingPunct="1">
+                        <a:lnSpc>
+                          <a:spcPct val="100000"/>
+                        </a:lnSpc>
+                        <a:spcBef>
+                          <a:spcPts val="0"/>
+                        </a:spcBef>
+                        <a:spcAft>
+                          <a:spcPts val="0"/>
+                        </a:spcAft>
+                        <a:buClrTx/>
+                        <a:buSzTx/>
+                        <a:buFont typeface="Arial" panose="020B0604020202020204" pitchFamily="34" charset="0"/>
+                        <a:buChar char="•"/>
+                        <a:tabLst/>
+                        <a:defRPr/>
+                      </a:pPr>
+                      <a:r>
+                        <a:rPr lang="zh-TW" altLang="en-US" sz="1600" dirty="0" smtClean="0">
+                          <a:latin typeface="微軟正黑體" panose="020B0604030504040204" pitchFamily="34" charset="-120"/>
+                          <a:ea typeface="微軟正黑體" panose="020B0604030504040204" pitchFamily="34" charset="-120"/>
+                        </a:rPr>
+                        <a:t>因為中英文差異，中文需要</a:t>
+                      </a:r>
+                      <a:r>
+                        <a:rPr lang="zh-CN" altLang="en-US" sz="1600" dirty="0" smtClean="0">
+                          <a:latin typeface="微軟正黑體" panose="020B0604030504040204" pitchFamily="34" charset="-120"/>
+                          <a:ea typeface="微軟正黑體" panose="020B0604030504040204" pitchFamily="34" charset="-120"/>
+                        </a:rPr>
+                        <a:t>利用詞庫分</a:t>
+                      </a:r>
+                      <a:r>
+                        <a:rPr lang="zh-TW" altLang="en-US" sz="1600" dirty="0" smtClean="0">
+                          <a:latin typeface="微軟正黑體" panose="020B0604030504040204" pitchFamily="34" charset="-120"/>
+                          <a:ea typeface="微軟正黑體" panose="020B0604030504040204" pitchFamily="34" charset="-120"/>
+                        </a:rPr>
+                        <a:t>詞，才能進行後續演算</a:t>
+                      </a:r>
+                    </a:p>
+                    <a:p>
+                      <a:pPr marL="285750" marR="0" indent="-285750" algn="l" defTabSz="914400" rtl="0" eaLnBrk="1" fontAlgn="auto" latinLnBrk="0" hangingPunct="1">
+                        <a:lnSpc>
+                          <a:spcPct val="100000"/>
+                        </a:lnSpc>
+                        <a:spcBef>
+                          <a:spcPts val="0"/>
+                        </a:spcBef>
+                        <a:spcAft>
+                          <a:spcPts val="0"/>
+                        </a:spcAft>
+                        <a:buClrTx/>
+                        <a:buSzTx/>
+                        <a:buFont typeface="Arial" panose="020B0604020202020204" pitchFamily="34" charset="0"/>
+                        <a:buChar char="•"/>
+                        <a:tabLst/>
+                        <a:defRPr/>
+                      </a:pPr>
+                      <a:r>
+                        <a:rPr lang="zh-CN" altLang="en-US" sz="1600" dirty="0" smtClean="0">
+                          <a:latin typeface="微軟正黑體" panose="020B0604030504040204" pitchFamily="34" charset="-120"/>
+                          <a:ea typeface="微軟正黑體" panose="020B0604030504040204" pitchFamily="34" charset="-120"/>
+                        </a:rPr>
+                        <a:t>詞庫像是個字典，是用來“教”電腦認出字詞的結構</a:t>
+                      </a:r>
+                      <a:endParaRPr lang="en-US" altLang="zh-CN" sz="1600" dirty="0" smtClean="0">
+                        <a:latin typeface="微軟正黑體" panose="020B0604030504040204" pitchFamily="34" charset="-120"/>
+                        <a:ea typeface="微軟正黑體" panose="020B0604030504040204" pitchFamily="34" charset="-120"/>
+                      </a:endParaRPr>
+                    </a:p>
+                    <a:p>
+                      <a:pPr marL="285750" marR="0" indent="-285750" algn="l" defTabSz="914400" rtl="0" eaLnBrk="1" fontAlgn="auto" latinLnBrk="0" hangingPunct="1">
+                        <a:lnSpc>
+                          <a:spcPct val="100000"/>
+                        </a:lnSpc>
+                        <a:spcBef>
+                          <a:spcPts val="0"/>
+                        </a:spcBef>
+                        <a:spcAft>
+                          <a:spcPts val="0"/>
+                        </a:spcAft>
+                        <a:buClrTx/>
+                        <a:buSzTx/>
+                        <a:buFont typeface="Arial" panose="020B0604020202020204" pitchFamily="34" charset="0"/>
+                        <a:buChar char="•"/>
+                        <a:tabLst/>
+                        <a:defRPr/>
+                      </a:pPr>
+                      <a:r>
+                        <a:rPr lang="zh-CN" altLang="en-US" sz="1600" dirty="0" smtClean="0">
+                          <a:latin typeface="微軟正黑體" panose="020B0604030504040204" pitchFamily="34" charset="-120"/>
+                          <a:ea typeface="微軟正黑體" panose="020B0604030504040204" pitchFamily="34" charset="-120"/>
+                        </a:rPr>
+                        <a:t>分詞套件</a:t>
+                      </a:r>
+                      <a:r>
+                        <a:rPr lang="en-US" altLang="zh-CN" sz="1600" dirty="0" smtClean="0">
+                          <a:latin typeface="微軟正黑體" panose="020B0604030504040204" pitchFamily="34" charset="-120"/>
+                          <a:ea typeface="微軟正黑體" panose="020B0604030504040204" pitchFamily="34" charset="-120"/>
+                        </a:rPr>
+                        <a:t>(e.g. </a:t>
+                      </a:r>
+                      <a:r>
+                        <a:rPr lang="en-US" altLang="zh-CN" sz="1600" dirty="0" err="1" smtClean="0">
+                          <a:latin typeface="微軟正黑體" panose="020B0604030504040204" pitchFamily="34" charset="-120"/>
+                          <a:ea typeface="微軟正黑體" panose="020B0604030504040204" pitchFamily="34" charset="-120"/>
+                        </a:rPr>
+                        <a:t>jieba</a:t>
+                      </a:r>
+                      <a:r>
+                        <a:rPr lang="en-US" altLang="zh-CN" sz="1600" dirty="0" smtClean="0">
+                          <a:latin typeface="微軟正黑體" panose="020B0604030504040204" pitchFamily="34" charset="-120"/>
+                          <a:ea typeface="微軟正黑體" panose="020B0604030504040204" pitchFamily="34" charset="-120"/>
+                        </a:rPr>
+                        <a:t>)</a:t>
+                      </a:r>
+                      <a:r>
+                        <a:rPr lang="zh-CN" altLang="en-US" sz="1600" dirty="0" smtClean="0">
+                          <a:latin typeface="微軟正黑體" panose="020B0604030504040204" pitchFamily="34" charset="-120"/>
+                          <a:ea typeface="微軟正黑體" panose="020B0604030504040204" pitchFamily="34" charset="-120"/>
+                        </a:rPr>
+                        <a:t>會包含基本一般用詞的詞庫</a:t>
+                      </a:r>
+                      <a:endParaRPr lang="en-US" altLang="zh-TW" sz="1700" dirty="0" smtClean="0">
+                        <a:latin typeface="微軟正黑體" panose="020B0604030504040204" pitchFamily="34" charset="-120"/>
+                        <a:ea typeface="微軟正黑體" panose="020B0604030504040204" pitchFamily="34" charset="-120"/>
+                      </a:endParaRPr>
+                    </a:p>
+                  </a:txBody>
+                  <a:tcPr>
+                    <a:noFill/>
+                  </a:tcPr>
+                </a:tc>
+                <a:tc>
+                  <a:txBody>
+                    <a:bodyPr/>
+                    <a:lstStyle/>
+                    <a:p>
+                      <a:pPr marL="285750" marR="0" indent="-285750" algn="l" defTabSz="914400" rtl="0" eaLnBrk="1" fontAlgn="auto" latinLnBrk="0" hangingPunct="1">
+                        <a:lnSpc>
+                          <a:spcPct val="100000"/>
+                        </a:lnSpc>
+                        <a:spcBef>
+                          <a:spcPts val="0"/>
+                        </a:spcBef>
+                        <a:spcAft>
+                          <a:spcPts val="0"/>
+                        </a:spcAft>
+                        <a:buClrTx/>
+                        <a:buSzTx/>
+                        <a:buFont typeface="Arial" panose="020B0604020202020204" pitchFamily="34" charset="0"/>
+                        <a:buChar char="•"/>
+                        <a:tabLst/>
+                        <a:defRPr/>
+                      </a:pPr>
+                      <a:r>
+                        <a:rPr lang="zh-CN" altLang="en-US" sz="1600" dirty="0" smtClean="0">
+                          <a:latin typeface="微軟正黑體" panose="020B0604030504040204" pitchFamily="34" charset="-120"/>
+                          <a:ea typeface="微軟正黑體" panose="020B0604030504040204" pitchFamily="34" charset="-120"/>
+                        </a:rPr>
+                        <a:t>雖然基本的詞庫可以分詞，平常會依照自己專案的需求和領域創造詞庫</a:t>
+                      </a:r>
+                      <a:endParaRPr lang="en-US" altLang="zh-CN" sz="1600" dirty="0" smtClean="0">
+                        <a:latin typeface="微軟正黑體" panose="020B0604030504040204" pitchFamily="34" charset="-120"/>
+                        <a:ea typeface="微軟正黑體" panose="020B0604030504040204" pitchFamily="34" charset="-120"/>
+                      </a:endParaRPr>
+                    </a:p>
+                    <a:p>
+                      <a:pPr marL="285750" marR="0" indent="-285750" algn="l" defTabSz="914400" rtl="0" eaLnBrk="1" fontAlgn="auto" latinLnBrk="0" hangingPunct="1">
+                        <a:lnSpc>
+                          <a:spcPct val="100000"/>
+                        </a:lnSpc>
+                        <a:spcBef>
+                          <a:spcPts val="0"/>
+                        </a:spcBef>
+                        <a:spcAft>
+                          <a:spcPts val="0"/>
+                        </a:spcAft>
+                        <a:buClrTx/>
+                        <a:buSzTx/>
+                        <a:buFont typeface="Arial" panose="020B0604020202020204" pitchFamily="34" charset="0"/>
+                        <a:buChar char="•"/>
+                        <a:tabLst/>
+                        <a:defRPr/>
+                      </a:pPr>
+                      <a:r>
+                        <a:rPr lang="zh-CN" altLang="en-US" sz="1600" dirty="0" smtClean="0">
+                          <a:latin typeface="微軟正黑體" panose="020B0604030504040204" pitchFamily="34" charset="-120"/>
+                          <a:ea typeface="微軟正黑體" panose="020B0604030504040204" pitchFamily="34" charset="-120"/>
+                        </a:rPr>
+                        <a:t>除了一般用詞，也有可能把名字，地點，及專有名詞加進詞庫裏</a:t>
+                      </a:r>
+                      <a:endParaRPr lang="en-US" altLang="zh-TW" sz="1600" dirty="0" smtClean="0">
+                        <a:latin typeface="微軟正黑體" panose="020B0604030504040204" pitchFamily="34" charset="-120"/>
+                        <a:ea typeface="微軟正黑體" panose="020B0604030504040204" pitchFamily="34" charset="-120"/>
+                      </a:endParaRPr>
+                    </a:p>
+                  </a:txBody>
+                  <a:tcPr>
+                    <a:noFill/>
+                  </a:tcPr>
+                </a:tc>
+                <a:tc>
+                  <a:txBody>
+                    <a:bodyPr/>
+                    <a:lstStyle/>
+                    <a:p>
+                      <a:pPr marL="285750" marR="0" indent="-285750" algn="l" defTabSz="914400" rtl="0" eaLnBrk="1" fontAlgn="auto" latinLnBrk="0" hangingPunct="1">
+                        <a:lnSpc>
+                          <a:spcPct val="100000"/>
+                        </a:lnSpc>
+                        <a:spcBef>
+                          <a:spcPts val="0"/>
+                        </a:spcBef>
+                        <a:spcAft>
+                          <a:spcPts val="0"/>
+                        </a:spcAft>
+                        <a:buClrTx/>
+                        <a:buSzTx/>
+                        <a:buFont typeface="Arial" panose="020B0604020202020204" pitchFamily="34" charset="0"/>
+                        <a:buChar char="•"/>
+                        <a:tabLst/>
+                        <a:defRPr/>
+                      </a:pPr>
+                      <a:r>
+                        <a:rPr lang="zh-CN" altLang="en-US" sz="1600" smtClean="0">
+                          <a:latin typeface="微軟正黑體" panose="020B0604030504040204" pitchFamily="34" charset="-120"/>
+                          <a:ea typeface="微軟正黑體" panose="020B0604030504040204" pitchFamily="34" charset="-120"/>
+                        </a:rPr>
+                        <a:t>爲了減少數據裏面的“噪聲”，經常會用停止詞</a:t>
+                      </a:r>
+                      <a:r>
+                        <a:rPr lang="en-US" altLang="zh-CN" sz="1600" smtClean="0">
+                          <a:latin typeface="微軟正黑體" panose="020B0604030504040204" pitchFamily="34" charset="-120"/>
+                          <a:ea typeface="微軟正黑體" panose="020B0604030504040204" pitchFamily="34" charset="-120"/>
+                        </a:rPr>
+                        <a:t>(stopwords)</a:t>
+                      </a:r>
+                      <a:r>
+                        <a:rPr lang="zh-CN" altLang="en-US" sz="1600" smtClean="0">
+                          <a:latin typeface="微軟正黑體" panose="020B0604030504040204" pitchFamily="34" charset="-120"/>
+                          <a:ea typeface="微軟正黑體" panose="020B0604030504040204" pitchFamily="34" charset="-120"/>
+                        </a:rPr>
+                        <a:t>過濾掉不重要的字詞</a:t>
+                      </a:r>
+                      <a:endParaRPr lang="en-US" altLang="zh-CN" sz="1600" smtClean="0">
+                        <a:latin typeface="微軟正黑體" panose="020B0604030504040204" pitchFamily="34" charset="-120"/>
+                        <a:ea typeface="微軟正黑體" panose="020B0604030504040204" pitchFamily="34" charset="-120"/>
+                      </a:endParaRPr>
+                    </a:p>
+                    <a:p>
+                      <a:pPr marL="285750" marR="0" indent="-285750" algn="l" defTabSz="914400" rtl="0" eaLnBrk="1" fontAlgn="auto" latinLnBrk="0" hangingPunct="1">
+                        <a:lnSpc>
+                          <a:spcPct val="100000"/>
+                        </a:lnSpc>
+                        <a:spcBef>
+                          <a:spcPts val="0"/>
+                        </a:spcBef>
+                        <a:spcAft>
+                          <a:spcPts val="0"/>
+                        </a:spcAft>
+                        <a:buClrTx/>
+                        <a:buSzTx/>
+                        <a:buFont typeface="Arial" panose="020B0604020202020204" pitchFamily="34" charset="0"/>
+                        <a:buChar char="•"/>
+                        <a:tabLst/>
+                        <a:defRPr/>
+                      </a:pPr>
+                      <a:r>
+                        <a:rPr lang="zh-CN" altLang="en-US" sz="1600" smtClean="0">
+                          <a:latin typeface="微軟正黑體" panose="020B0604030504040204" pitchFamily="34" charset="-120"/>
+                          <a:ea typeface="微軟正黑體" panose="020B0604030504040204" pitchFamily="34" charset="-120"/>
+                        </a:rPr>
+                        <a:t>停止詞平常會是常見但沒有重要性的字和標準符號</a:t>
+                      </a:r>
+                      <a:endParaRPr lang="en-US" altLang="zh-TW" sz="1600" dirty="0" smtClean="0">
+                        <a:latin typeface="微軟正黑體" panose="020B0604030504040204" pitchFamily="34" charset="-120"/>
+                        <a:ea typeface="微軟正黑體" panose="020B0604030504040204" pitchFamily="34" charset="-120"/>
+                      </a:endParaRPr>
+                    </a:p>
+                  </a:txBody>
+                  <a:tcPr>
+                    <a:noFill/>
+                  </a:tcPr>
+                </a:tc>
+                <a:tc>
+                  <a:txBody>
+                    <a:bodyPr/>
+                    <a:lstStyle/>
+                    <a:p>
+                      <a:pPr marL="285750" marR="0" indent="-285750" algn="l" defTabSz="914400" rtl="0" eaLnBrk="1" fontAlgn="auto" latinLnBrk="0" hangingPunct="1">
+                        <a:lnSpc>
+                          <a:spcPct val="100000"/>
+                        </a:lnSpc>
+                        <a:spcBef>
+                          <a:spcPts val="0"/>
+                        </a:spcBef>
+                        <a:spcAft>
+                          <a:spcPts val="0"/>
+                        </a:spcAft>
+                        <a:buClrTx/>
+                        <a:buSzTx/>
+                        <a:buFont typeface="Arial" panose="020B0604020202020204" pitchFamily="34" charset="0"/>
+                        <a:buChar char="•"/>
+                        <a:tabLst/>
+                        <a:defRPr/>
+                      </a:pPr>
+                      <a:r>
+                        <a:rPr lang="zh-CN" altLang="en-US" sz="1600" smtClean="0">
+                          <a:latin typeface="微軟正黑體" panose="020B0604030504040204" pitchFamily="34" charset="-120"/>
+                          <a:ea typeface="微軟正黑體" panose="020B0604030504040204" pitchFamily="34" charset="-120"/>
+                        </a:rPr>
+                        <a:t>字詞常常會有不同的寫法或表述，但是電腦分不出來差別</a:t>
+                      </a:r>
+                      <a:endParaRPr lang="en-US" altLang="zh-CN" sz="1600" smtClean="0">
+                        <a:latin typeface="微軟正黑體" panose="020B0604030504040204" pitchFamily="34" charset="-120"/>
+                        <a:ea typeface="微軟正黑體" panose="020B0604030504040204" pitchFamily="34" charset="-120"/>
+                      </a:endParaRPr>
+                    </a:p>
+                    <a:p>
+                      <a:pPr marL="285750" marR="0" indent="-285750" algn="l" defTabSz="914400" rtl="0" eaLnBrk="1" fontAlgn="auto" latinLnBrk="0" hangingPunct="1">
+                        <a:lnSpc>
+                          <a:spcPct val="100000"/>
+                        </a:lnSpc>
+                        <a:spcBef>
+                          <a:spcPts val="0"/>
+                        </a:spcBef>
+                        <a:spcAft>
+                          <a:spcPts val="0"/>
+                        </a:spcAft>
+                        <a:buClrTx/>
+                        <a:buSzTx/>
+                        <a:buFont typeface="Arial" panose="020B0604020202020204" pitchFamily="34" charset="0"/>
+                        <a:buChar char="•"/>
+                        <a:tabLst/>
+                        <a:defRPr/>
+                      </a:pPr>
+                      <a:r>
+                        <a:rPr lang="zh-CN" altLang="en-US" sz="1600" smtClean="0">
+                          <a:latin typeface="微軟正黑體" panose="020B0604030504040204" pitchFamily="34" charset="-120"/>
+                          <a:ea typeface="微軟正黑體" panose="020B0604030504040204" pitchFamily="34" charset="-120"/>
+                        </a:rPr>
+                        <a:t>以免電腦把同樣的字詞表達為兩個不同的詞，可以利用同義詞庫</a:t>
+                      </a:r>
+                      <a:endParaRPr lang="zh-TW" altLang="en-US" sz="1600" dirty="0" smtClean="0">
+                        <a:latin typeface="微軟正黑體" panose="020B0604030504040204" pitchFamily="34" charset="-120"/>
+                        <a:ea typeface="微軟正黑體" panose="020B0604030504040204" pitchFamily="34" charset="-120"/>
+                      </a:endParaRPr>
+                    </a:p>
+                  </a:txBody>
+                  <a:tcPr>
+                    <a:noFill/>
+                  </a:tcPr>
+                </a:tc>
+              </a:tr>
             </a:tbl>
           </a:graphicData>
         </a:graphic>
       </p:graphicFrame>
       <p:sp>
         <p:nvSpPr>
-          <p:cNvPr id="7" name="文字方塊 6"/>
+          <p:cNvPr id="4" name="文字方塊 3"/>
           <p:cNvSpPr txBox="1"/>
           <p:nvPr/>
         </p:nvSpPr>
         <p:spPr>
           <a:xfrm>
-            <a:off x="1835696" y="2492896"/>
-            <a:ext cx="2952328" cy="2308324"/>
+            <a:off x="467544" y="4077072"/>
+            <a:ext cx="1872208" cy="2554545"/>
           </a:xfrm>
           <a:prstGeom prst="rect">
             <a:avLst/>
           </a:prstGeom>
           <a:noFill/>
+          <a:ln>
+            <a:solidFill>
+              <a:schemeClr val="bg1">
+                <a:lumMod val="50000"/>
+              </a:schemeClr>
+            </a:solidFill>
+          </a:ln>
         </p:spPr>
         <p:txBody>
           <a:bodyPr wrap="square" rtlCol="0">
@@ -7085,36 +8724,557 @@
           <a:lstStyle/>
           <a:p>
             <a:r>
-              <a:rPr lang="zh-TW" altLang="en-US" dirty="0" smtClean="0"/>
-              <a:t>因為中英文差異，中文需要斷詞，才能進行後續演算</a:t>
-            </a:r>
-            <a:endParaRPr lang="en-US" altLang="zh-TW" dirty="0" smtClean="0"/>
-          </a:p>
-          <a:p>
-            <a:endParaRPr lang="en-US" altLang="zh-TW" dirty="0"/>
-          </a:p>
-          <a:p>
-            <a:r>
-              <a:rPr lang="zh-TW" altLang="en-US" dirty="0" smtClean="0"/>
-              <a:t>這次研究使用的資料</a:t>
-            </a:r>
-            <a:endParaRPr lang="en-US" altLang="zh-TW" dirty="0" smtClean="0"/>
-          </a:p>
-          <a:p>
-            <a:endParaRPr lang="en-US" altLang="zh-TW" dirty="0"/>
-          </a:p>
-          <a:p>
-            <a:endParaRPr lang="en-US" altLang="zh-TW" dirty="0" smtClean="0"/>
-          </a:p>
-          <a:p>
-            <a:endParaRPr lang="en-US" altLang="zh-TW" dirty="0"/>
-          </a:p>
-          <a:p>
-            <a:r>
-              <a:rPr lang="zh-TW" altLang="en-US" dirty="0" smtClean="0"/>
-              <a:t>有了詞庫才能轉成詞向量</a:t>
-            </a:r>
-            <a:endParaRPr lang="zh-TW" altLang="en-US" dirty="0"/>
+              <a:rPr lang="zh-TW" altLang="en-US" sz="1600" dirty="0" smtClean="0"/>
+              <a:t>问</a:t>
+            </a:r>
+            <a:r>
+              <a:rPr lang="zh-TW" altLang="en-US" sz="1600" dirty="0"/>
+              <a:t>题 </a:t>
+            </a:r>
+            <a:r>
+              <a:rPr lang="en-US" altLang="zh-TW" sz="1600" dirty="0"/>
+              <a:t>55563 n </a:t>
+            </a:r>
+          </a:p>
+          <a:p>
+            <a:r>
+              <a:rPr lang="zh-TW" altLang="en-US" sz="1600" dirty="0" smtClean="0"/>
+              <a:t>全</a:t>
+            </a:r>
+            <a:r>
+              <a:rPr lang="zh-TW" altLang="en-US" sz="1600" dirty="0"/>
+              <a:t>国 </a:t>
+            </a:r>
+            <a:r>
+              <a:rPr lang="en-US" altLang="zh-TW" sz="1600" dirty="0"/>
+              <a:t>48874 n</a:t>
+            </a:r>
+          </a:p>
+          <a:p>
+            <a:r>
+              <a:rPr lang="zh-TW" altLang="en-US" sz="1600" dirty="0"/>
+              <a:t>经济 </a:t>
+            </a:r>
+            <a:r>
+              <a:rPr lang="en-US" altLang="zh-TW" sz="1600" dirty="0"/>
+              <a:t>48718 n</a:t>
+            </a:r>
+          </a:p>
+          <a:p>
+            <a:r>
+              <a:rPr lang="zh-TW" altLang="en-US" sz="1600" dirty="0" smtClean="0"/>
+              <a:t>听 </a:t>
+            </a:r>
+            <a:r>
+              <a:rPr lang="en-US" altLang="zh-TW" sz="1600" dirty="0"/>
+              <a:t>45776 v</a:t>
+            </a:r>
+          </a:p>
+          <a:p>
+            <a:r>
+              <a:rPr lang="zh-TW" altLang="en-US" sz="1600" dirty="0"/>
+              <a:t>公司 </a:t>
+            </a:r>
+            <a:r>
+              <a:rPr lang="en-US" altLang="zh-TW" sz="1600" dirty="0"/>
+              <a:t>45604 n</a:t>
+            </a:r>
+          </a:p>
+          <a:p>
+            <a:r>
+              <a:rPr lang="zh-TW" altLang="en-US" sz="1600" dirty="0"/>
+              <a:t>成 </a:t>
+            </a:r>
+            <a:r>
+              <a:rPr lang="en-US" altLang="zh-TW" sz="1600" dirty="0"/>
+              <a:t>44880 n</a:t>
+            </a:r>
+          </a:p>
+          <a:p>
+            <a:r>
+              <a:rPr lang="zh-TW" altLang="en-US" sz="1600" dirty="0"/>
+              <a:t>各 </a:t>
+            </a:r>
+            <a:r>
+              <a:rPr lang="en-US" altLang="zh-TW" sz="1600" dirty="0"/>
+              <a:t>44807 r</a:t>
+            </a:r>
+          </a:p>
+          <a:p>
+            <a:r>
+              <a:rPr lang="zh-TW" altLang="en-US" sz="1600" dirty="0" smtClean="0"/>
+              <a:t>事 </a:t>
+            </a:r>
+            <a:r>
+              <a:rPr lang="en-US" altLang="zh-TW" sz="1600" dirty="0" smtClean="0"/>
+              <a:t>44769 n</a:t>
+            </a:r>
+          </a:p>
+          <a:p>
+            <a:r>
+              <a:rPr lang="zh-TW" altLang="en-US" sz="1600" dirty="0" smtClean="0"/>
+              <a:t>人民 </a:t>
+            </a:r>
+            <a:r>
+              <a:rPr lang="en-US" altLang="zh-TW" sz="1600" dirty="0"/>
+              <a:t>43719 </a:t>
+            </a:r>
+            <a:r>
+              <a:rPr lang="en-US" altLang="zh-TW" sz="1600" dirty="0" smtClean="0"/>
+              <a:t>n</a:t>
+            </a:r>
+          </a:p>
+          <a:p>
+            <a:r>
+              <a:rPr lang="zh-TW" altLang="en-US" sz="1600" dirty="0"/>
+              <a:t>社会 </a:t>
+            </a:r>
+            <a:r>
+              <a:rPr lang="en-US" altLang="zh-TW" sz="1600" dirty="0"/>
+              <a:t>43401 n </a:t>
+            </a:r>
+            <a:endParaRPr lang="en-US" altLang="zh-TW" sz="1600" dirty="0" smtClean="0"/>
+          </a:p>
+        </p:txBody>
+      </p:sp>
+      <p:sp>
+        <p:nvSpPr>
+          <p:cNvPr id="8" name="文字方塊 7"/>
+          <p:cNvSpPr txBox="1"/>
+          <p:nvPr/>
+        </p:nvSpPr>
+        <p:spPr>
+          <a:xfrm>
+            <a:off x="2699792" y="4077072"/>
+            <a:ext cx="1544538" cy="2062103"/>
+          </a:xfrm>
+          <a:prstGeom prst="rect">
+            <a:avLst/>
+          </a:prstGeom>
+          <a:noFill/>
+          <a:ln>
+            <a:solidFill>
+              <a:schemeClr val="bg1">
+                <a:lumMod val="50000"/>
+              </a:schemeClr>
+            </a:solidFill>
+          </a:ln>
+        </p:spPr>
+        <p:txBody>
+          <a:bodyPr wrap="square" rtlCol="0">
+            <a:spAutoFit/>
+          </a:bodyPr>
+          <a:lstStyle/>
+          <a:p>
+            <a:r>
+              <a:rPr lang="zh-CN" altLang="en-US" sz="1600" dirty="0" smtClean="0"/>
+              <a:t>蔡英文</a:t>
+            </a:r>
+            <a:r>
+              <a:rPr lang="zh-TW" altLang="en-US" sz="1600" dirty="0" smtClean="0"/>
+              <a:t> </a:t>
+            </a:r>
+            <a:r>
+              <a:rPr lang="en-US" altLang="zh-CN" sz="1600" dirty="0" smtClean="0"/>
+              <a:t>119</a:t>
+            </a:r>
+            <a:r>
+              <a:rPr lang="zh-CN" altLang="en-US" sz="1600" dirty="0" smtClean="0"/>
+              <a:t> </a:t>
+            </a:r>
+            <a:r>
+              <a:rPr lang="en-US" altLang="zh-TW" sz="1600" dirty="0" smtClean="0"/>
+              <a:t>n </a:t>
+            </a:r>
+            <a:endParaRPr lang="en-US" altLang="zh-CN" sz="1600" dirty="0" smtClean="0"/>
+          </a:p>
+          <a:p>
+            <a:r>
+              <a:rPr lang="zh-CN" altLang="en-US" sz="1600" dirty="0" smtClean="0"/>
+              <a:t>韓國瑜 </a:t>
+            </a:r>
+            <a:r>
+              <a:rPr lang="en-US" altLang="zh-CN" sz="1600" dirty="0" smtClean="0"/>
+              <a:t>146</a:t>
+            </a:r>
+            <a:r>
+              <a:rPr lang="zh-CN" altLang="en-US" sz="1600" dirty="0" smtClean="0"/>
+              <a:t> </a:t>
+            </a:r>
+            <a:r>
+              <a:rPr lang="en-US" altLang="zh-CN" sz="1600" dirty="0" smtClean="0"/>
+              <a:t>n</a:t>
+            </a:r>
+          </a:p>
+          <a:p>
+            <a:r>
+              <a:rPr lang="zh-CN" altLang="en-US" sz="1600" dirty="0" smtClean="0"/>
+              <a:t>柯文哲 </a:t>
+            </a:r>
+            <a:r>
+              <a:rPr lang="en-US" altLang="zh-CN" sz="1600" dirty="0" smtClean="0"/>
+              <a:t>135 n</a:t>
+            </a:r>
+          </a:p>
+          <a:p>
+            <a:r>
+              <a:rPr lang="zh-CN" altLang="en-US" sz="1600" dirty="0" smtClean="0"/>
+              <a:t>侯友宜 </a:t>
+            </a:r>
+            <a:r>
+              <a:rPr lang="en-US" altLang="zh-CN" sz="1600" dirty="0" smtClean="0"/>
+              <a:t>123 n</a:t>
+            </a:r>
+          </a:p>
+          <a:p>
+            <a:r>
+              <a:rPr lang="zh-CN" altLang="en-US" sz="1600" dirty="0" smtClean="0"/>
+              <a:t>民進黨 </a:t>
+            </a:r>
+            <a:r>
+              <a:rPr lang="en-US" altLang="zh-CN" sz="1600" dirty="0" smtClean="0"/>
+              <a:t>202 n</a:t>
+            </a:r>
+          </a:p>
+          <a:p>
+            <a:r>
+              <a:rPr lang="zh-CN" altLang="en-US" sz="1600" dirty="0" smtClean="0"/>
+              <a:t>國民黨 </a:t>
+            </a:r>
+            <a:r>
+              <a:rPr lang="en-US" altLang="zh-CN" sz="1600" dirty="0" smtClean="0"/>
+              <a:t>213 n</a:t>
+            </a:r>
+          </a:p>
+          <a:p>
+            <a:r>
+              <a:rPr lang="zh-CN" altLang="en-US" sz="1600" dirty="0" smtClean="0"/>
+              <a:t>台北 </a:t>
+            </a:r>
+            <a:r>
+              <a:rPr lang="en-US" altLang="zh-CN" sz="1600" dirty="0" smtClean="0"/>
+              <a:t>422 n</a:t>
+            </a:r>
+          </a:p>
+          <a:p>
+            <a:r>
+              <a:rPr lang="zh-CN" altLang="en-US" sz="1600" dirty="0" smtClean="0"/>
+              <a:t>高雄 </a:t>
+            </a:r>
+            <a:r>
+              <a:rPr lang="en-US" altLang="zh-CN" sz="1600" dirty="0" smtClean="0"/>
+              <a:t>368 n</a:t>
+            </a:r>
+            <a:endParaRPr lang="en-US" altLang="zh-TW" sz="1600" dirty="0" smtClean="0"/>
+          </a:p>
+        </p:txBody>
+      </p:sp>
+      <p:sp>
+        <p:nvSpPr>
+          <p:cNvPr id="9" name="文字方塊 8"/>
+          <p:cNvSpPr txBox="1"/>
+          <p:nvPr/>
+        </p:nvSpPr>
+        <p:spPr>
+          <a:xfrm>
+            <a:off x="4860032" y="4077444"/>
+            <a:ext cx="1587996" cy="2554545"/>
+          </a:xfrm>
+          <a:prstGeom prst="rect">
+            <a:avLst/>
+          </a:prstGeom>
+          <a:noFill/>
+          <a:ln>
+            <a:solidFill>
+              <a:schemeClr val="bg1">
+                <a:lumMod val="50000"/>
+              </a:schemeClr>
+            </a:solidFill>
+          </a:ln>
+        </p:spPr>
+        <p:txBody>
+          <a:bodyPr wrap="square" numCol="3" rtlCol="0">
+            <a:spAutoFit/>
+          </a:bodyPr>
+          <a:lstStyle/>
+          <a:p>
+            <a:r>
+              <a:rPr lang="zh-TW" altLang="en-US" sz="1600" dirty="0"/>
+              <a:t>的</a:t>
+            </a:r>
+          </a:p>
+          <a:p>
+            <a:r>
+              <a:rPr lang="zh-TW" altLang="en-US" sz="1600" dirty="0"/>
+              <a:t>是</a:t>
+            </a:r>
+          </a:p>
+          <a:p>
+            <a:r>
+              <a:rPr lang="zh-TW" altLang="en-US" sz="1600" dirty="0"/>
+              <a:t>一</a:t>
+            </a:r>
+          </a:p>
+          <a:p>
+            <a:r>
+              <a:rPr lang="zh-TW" altLang="en-US" sz="1600" dirty="0"/>
+              <a:t>在</a:t>
+            </a:r>
+          </a:p>
+          <a:p>
+            <a:r>
+              <a:rPr lang="zh-TW" altLang="en-US" sz="1600" dirty="0"/>
+              <a:t>有</a:t>
+            </a:r>
+          </a:p>
+          <a:p>
+            <a:r>
+              <a:rPr lang="zh-TW" altLang="en-US" sz="1600" dirty="0"/>
+              <a:t>個</a:t>
+            </a:r>
+          </a:p>
+          <a:p>
+            <a:r>
+              <a:rPr lang="zh-TW" altLang="en-US" sz="1600" dirty="0"/>
+              <a:t>我</a:t>
+            </a:r>
+          </a:p>
+          <a:p>
+            <a:r>
+              <a:rPr lang="zh-TW" altLang="en-US" sz="1600" dirty="0"/>
+              <a:t>不</a:t>
+            </a:r>
+          </a:p>
+          <a:p>
+            <a:r>
+              <a:rPr lang="zh-TW" altLang="en-US" sz="1600" dirty="0"/>
+              <a:t>這</a:t>
+            </a:r>
+          </a:p>
+          <a:p>
+            <a:r>
+              <a:rPr lang="zh-TW" altLang="en-US" sz="1600" dirty="0" smtClean="0"/>
+              <a:t>了</a:t>
+            </a:r>
+            <a:endParaRPr lang="en-US" altLang="zh-TW" sz="1600" dirty="0" smtClean="0"/>
+          </a:p>
+          <a:p>
+            <a:r>
+              <a:rPr lang="zh-CN" altLang="en-US" sz="1600" dirty="0" smtClean="0"/>
+              <a:t>他</a:t>
+            </a:r>
+            <a:endParaRPr lang="en-US" altLang="zh-CN" sz="1600" dirty="0" smtClean="0"/>
+          </a:p>
+          <a:p>
+            <a:r>
+              <a:rPr lang="zh-CN" altLang="en-US" sz="1600" dirty="0" smtClean="0"/>
+              <a:t>也</a:t>
+            </a:r>
+            <a:endParaRPr lang="en-US" altLang="zh-CN" sz="1600" dirty="0" smtClean="0"/>
+          </a:p>
+          <a:p>
+            <a:r>
+              <a:rPr lang="zh-CN" altLang="en-US" sz="1600" dirty="0" smtClean="0"/>
+              <a:t>就</a:t>
+            </a:r>
+            <a:endParaRPr lang="en-US" altLang="zh-CN" sz="1600" dirty="0" smtClean="0"/>
+          </a:p>
+          <a:p>
+            <a:r>
+              <a:rPr lang="zh-CN" altLang="en-US" sz="1600" dirty="0" smtClean="0"/>
+              <a:t>人</a:t>
+            </a:r>
+            <a:endParaRPr lang="en-US" altLang="zh-CN" sz="1600" dirty="0" smtClean="0"/>
+          </a:p>
+          <a:p>
+            <a:r>
+              <a:rPr lang="zh-CN" altLang="en-US" sz="1600" dirty="0" smtClean="0"/>
+              <a:t>都</a:t>
+            </a:r>
+            <a:endParaRPr lang="en-US" altLang="zh-CN" sz="1600" dirty="0" smtClean="0"/>
+          </a:p>
+          <a:p>
+            <a:r>
+              <a:rPr lang="zh-CN" altLang="en-US" sz="1600" dirty="0" smtClean="0"/>
+              <a:t>說</a:t>
+            </a:r>
+            <a:endParaRPr lang="en-US" altLang="zh-CN" sz="1600" dirty="0" smtClean="0"/>
+          </a:p>
+          <a:p>
+            <a:r>
+              <a:rPr lang="zh-CN" altLang="en-US" sz="1600" dirty="0" smtClean="0"/>
+              <a:t>而</a:t>
+            </a:r>
+            <a:endParaRPr lang="en-US" altLang="zh-CN" sz="1600" dirty="0" smtClean="0"/>
+          </a:p>
+          <a:p>
+            <a:r>
+              <a:rPr lang="zh-CN" altLang="en-US" sz="1600" dirty="0" smtClean="0"/>
+              <a:t>你</a:t>
+            </a:r>
+            <a:endParaRPr lang="en-US" altLang="zh-CN" sz="1600" dirty="0" smtClean="0"/>
+          </a:p>
+          <a:p>
+            <a:r>
+              <a:rPr lang="zh-CN" altLang="en-US" sz="1600" dirty="0" smtClean="0"/>
+              <a:t>要</a:t>
+            </a:r>
+            <a:endParaRPr lang="en-US" altLang="zh-CN" sz="1600" dirty="0" smtClean="0"/>
+          </a:p>
+          <a:p>
+            <a:r>
+              <a:rPr lang="zh-CN" altLang="en-US" sz="1600" dirty="0" smtClean="0"/>
+              <a:t>和</a:t>
+            </a:r>
+            <a:endParaRPr lang="en-US" altLang="zh-CN" sz="1600" dirty="0" smtClean="0"/>
+          </a:p>
+          <a:p>
+            <a:r>
+              <a:rPr lang="zh-CN" altLang="en-US" sz="1600" dirty="0" smtClean="0"/>
+              <a:t>，</a:t>
+            </a:r>
+            <a:endParaRPr lang="en-US" altLang="zh-CN" sz="1600" dirty="0" smtClean="0"/>
+          </a:p>
+          <a:p>
+            <a:r>
+              <a:rPr lang="zh-CN" altLang="en-US" sz="1600" dirty="0" smtClean="0"/>
+              <a:t>。</a:t>
+            </a:r>
+            <a:endParaRPr lang="en-US" altLang="zh-CN" sz="1600" dirty="0" smtClean="0"/>
+          </a:p>
+          <a:p>
+            <a:r>
+              <a:rPr lang="zh-CN" altLang="en-US" sz="1600" dirty="0" smtClean="0"/>
+              <a:t>？</a:t>
+            </a:r>
+            <a:endParaRPr lang="en-US" altLang="zh-CN" sz="1600" dirty="0" smtClean="0"/>
+          </a:p>
+          <a:p>
+            <a:r>
+              <a:rPr lang="en-US" altLang="zh-CN" sz="1600" dirty="0" smtClean="0"/>
+              <a:t>{</a:t>
+            </a:r>
+          </a:p>
+          <a:p>
+            <a:r>
+              <a:rPr lang="en-US" altLang="zh-CN" sz="1600" dirty="0" smtClean="0"/>
+              <a:t>}</a:t>
+            </a:r>
+          </a:p>
+          <a:p>
+            <a:r>
+              <a:rPr lang="en-US" altLang="zh-CN" sz="1600" dirty="0" smtClean="0"/>
+              <a:t>(</a:t>
+            </a:r>
+          </a:p>
+          <a:p>
+            <a:r>
+              <a:rPr lang="en-US" altLang="zh-CN" sz="1600" dirty="0" smtClean="0"/>
+              <a:t>)</a:t>
+            </a:r>
+          </a:p>
+          <a:p>
+            <a:r>
+              <a:rPr lang="zh-CN" altLang="en-US" sz="1600" dirty="0" smtClean="0"/>
+              <a:t>：</a:t>
+            </a:r>
+            <a:endParaRPr lang="en-US" altLang="zh-CN" sz="1600" dirty="0" smtClean="0"/>
+          </a:p>
+          <a:p>
+            <a:r>
+              <a:rPr lang="zh-CN" altLang="en-US" sz="1600" dirty="0" smtClean="0"/>
+              <a:t>；</a:t>
+            </a:r>
+            <a:endParaRPr lang="en-US" altLang="zh-CN" sz="1600" dirty="0" smtClean="0"/>
+          </a:p>
+          <a:p>
+            <a:r>
+              <a:rPr lang="zh-CN" altLang="en-US" sz="1600" dirty="0" smtClean="0"/>
+              <a:t>、</a:t>
+            </a:r>
+            <a:endParaRPr lang="en-US" altLang="zh-TW" sz="1600" dirty="0" smtClean="0"/>
+          </a:p>
+        </p:txBody>
+      </p:sp>
+      <p:sp>
+        <p:nvSpPr>
+          <p:cNvPr id="11" name="文字方塊 10"/>
+          <p:cNvSpPr txBox="1"/>
+          <p:nvPr/>
+        </p:nvSpPr>
+        <p:spPr>
+          <a:xfrm>
+            <a:off x="6804248" y="4077072"/>
+            <a:ext cx="2016224" cy="830997"/>
+          </a:xfrm>
+          <a:prstGeom prst="rect">
+            <a:avLst/>
+          </a:prstGeom>
+          <a:noFill/>
+          <a:ln>
+            <a:solidFill>
+              <a:schemeClr val="bg1">
+                <a:lumMod val="50000"/>
+              </a:schemeClr>
+            </a:solidFill>
+          </a:ln>
+        </p:spPr>
+        <p:txBody>
+          <a:bodyPr wrap="square" rtlCol="0">
+            <a:spAutoFit/>
+          </a:bodyPr>
+          <a:lstStyle/>
+          <a:p>
+            <a:r>
+              <a:rPr lang="zh-CN" altLang="en-US" sz="1600" dirty="0" smtClean="0"/>
+              <a:t>柯文哲</a:t>
+            </a:r>
+            <a:r>
+              <a:rPr lang="en-US" altLang="zh-CN" sz="1600" dirty="0" smtClean="0"/>
+              <a:t>\</a:t>
+            </a:r>
+            <a:r>
+              <a:rPr lang="zh-CN" altLang="en-US" sz="1600" dirty="0" smtClean="0"/>
+              <a:t>柯</a:t>
+            </a:r>
+            <a:r>
+              <a:rPr lang="en-US" altLang="zh-CN" sz="1600" dirty="0" smtClean="0"/>
+              <a:t>P\KP</a:t>
+            </a:r>
+          </a:p>
+          <a:p>
+            <a:r>
+              <a:rPr lang="zh-CN" altLang="en-US" sz="1600" dirty="0" smtClean="0"/>
+              <a:t>台北</a:t>
+            </a:r>
+            <a:r>
+              <a:rPr lang="en-US" altLang="zh-TW" sz="1600" dirty="0" smtClean="0"/>
+              <a:t>\</a:t>
+            </a:r>
+            <a:r>
+              <a:rPr lang="zh-CN" altLang="en-US" sz="1600" dirty="0" smtClean="0"/>
+              <a:t>臺北</a:t>
+            </a:r>
+            <a:endParaRPr lang="en-US" altLang="zh-CN" sz="1600" dirty="0"/>
+          </a:p>
+          <a:p>
+            <a:r>
+              <a:rPr lang="zh-CN" altLang="en-US" sz="1600" dirty="0" smtClean="0"/>
+              <a:t>中國信托</a:t>
+            </a:r>
+            <a:r>
+              <a:rPr lang="en-US" altLang="zh-CN" sz="1600" dirty="0" smtClean="0"/>
+              <a:t>\</a:t>
+            </a:r>
+            <a:r>
+              <a:rPr lang="zh-CN" altLang="en-US" sz="1600" dirty="0" smtClean="0"/>
+              <a:t>中信</a:t>
+            </a:r>
+            <a:r>
+              <a:rPr lang="en-US" altLang="zh-CN" sz="1600" dirty="0" smtClean="0"/>
+              <a:t>\CTBC</a:t>
+            </a:r>
+            <a:endParaRPr lang="en-US" altLang="zh-TW" sz="1600" dirty="0" smtClean="0"/>
           </a:p>
         </p:txBody>
       </p:sp>
@@ -9618,6 +11778,47 @@
           <a:chExt cx="0" cy="0"/>
         </a:xfrm>
       </p:grpSpPr>
+      <p:pic>
+        <p:nvPicPr>
+          <p:cNvPr id="61" name="Picture 2" descr="C:\Users\YB0002777\Desktop\輿情平台\Social Listening Steps\Graph Based Summarization Model.JPG"/>
+          <p:cNvPicPr>
+            <a:picLocks noChangeAspect="1" noChangeArrowheads="1"/>
+          </p:cNvPicPr>
+          <p:nvPr/>
+        </p:nvPicPr>
+        <p:blipFill>
+          <a:blip r:embed="rId3">
+            <a:extLst>
+              <a:ext uri="{28A0092B-C50C-407E-A947-70E740481C1C}">
+                <a14:useLocalDpi xmlns:a14="http://schemas.microsoft.com/office/drawing/2010/main" val="0"/>
+              </a:ext>
+            </a:extLst>
+          </a:blip>
+          <a:srcRect/>
+          <a:stretch>
+            <a:fillRect/>
+          </a:stretch>
+        </p:blipFill>
+        <p:spPr bwMode="auto">
+          <a:xfrm>
+            <a:off x="6329486" y="4398760"/>
+            <a:ext cx="2476525" cy="2349368"/>
+          </a:xfrm>
+          <a:prstGeom prst="rect">
+            <a:avLst/>
+          </a:prstGeom>
+          <a:noFill/>
+          <a:extLst>
+            <a:ext uri="{909E8E84-426E-40DD-AFC4-6F175D3DCCD1}">
+              <a14:hiddenFill xmlns:a14="http://schemas.microsoft.com/office/drawing/2010/main">
+                <a:solidFill>
+                  <a:srgbClr val="FFFFFF"/>
+                </a:solidFill>
+              </a14:hiddenFill>
+            </a:ext>
+          </a:extLst>
+        </p:spPr>
+      </p:pic>
       <p:sp>
         <p:nvSpPr>
           <p:cNvPr id="2" name="標題 1"/>
@@ -9650,7 +11851,7 @@
           <p:nvPr>
             <p:extLst>
               <p:ext uri="{D42A27DB-BD31-4B8C-83A1-F6EECF244321}">
-                <p14:modId xmlns:p14="http://schemas.microsoft.com/office/powerpoint/2010/main" val="20149036"/>
+                <p14:modId xmlns:p14="http://schemas.microsoft.com/office/powerpoint/2010/main" val="2161151623"/>
               </p:ext>
             </p:extLst>
           </p:nvPr>
@@ -9758,6 +11959,14 @@
                           <a:cs typeface="Arial" panose="020B0604020202020204" pitchFamily="34" charset="0"/>
                         </a:rPr>
                         <a:t>TF-IDF</a:t>
+                      </a:r>
+                      <a:r>
+                        <a:rPr lang="zh-CN" altLang="en-US" sz="1700" dirty="0" smtClean="0">
+                          <a:latin typeface="Arial" panose="020B0604020202020204" pitchFamily="34" charset="0"/>
+                          <a:ea typeface="微軟正黑體" panose="020B0604030504040204" pitchFamily="34" charset="-120"/>
+                          <a:cs typeface="Arial" panose="020B0604020202020204" pitchFamily="34" charset="0"/>
+                        </a:rPr>
+                        <a:t> 詞數法</a:t>
                       </a:r>
                       <a:endParaRPr lang="zh-TW" altLang="en-US" sz="1700" dirty="0">
                         <a:latin typeface="Arial" panose="020B0604020202020204" pitchFamily="34" charset="0"/>
@@ -9943,28 +12152,17 @@
                           <a:ea typeface="微軟正黑體" panose="020B0604030504040204" pitchFamily="34" charset="-120"/>
                           <a:cs typeface="Arial" panose="020B0604020202020204" pitchFamily="34" charset="0"/>
                         </a:rPr>
-                        <a:t>training data</a:t>
+                        <a:t>training </a:t>
                       </a:r>
-                      <a:endParaRPr lang="en-US" altLang="zh-TW" sz="1700" dirty="0" smtClean="0">
-                        <a:latin typeface="Arial" panose="020B0604020202020204" pitchFamily="34" charset="0"/>
-                        <a:ea typeface="微軟正黑體" panose="020B0604030504040204" pitchFamily="34" charset="-120"/>
-                        <a:cs typeface="Arial" panose="020B0604020202020204" pitchFamily="34" charset="0"/>
-                      </a:endParaRPr>
-                    </a:p>
-                    <a:p>
-                      <a:pPr marL="285750" indent="-285750">
-                        <a:buFont typeface="Arial" panose="020B0604020202020204" pitchFamily="34" charset="0"/>
-                        <a:buChar char="•"/>
-                      </a:pPr>
                       <a:r>
-                        <a:rPr lang="zh-CN" altLang="en-US" sz="1700" dirty="0" smtClean="0">
+                        <a:rPr lang="en-US" altLang="zh-CN" sz="1700" dirty="0" smtClean="0">
                           <a:latin typeface="Arial" panose="020B0604020202020204" pitchFamily="34" charset="0"/>
                           <a:ea typeface="微軟正黑體" panose="020B0604030504040204" pitchFamily="34" charset="-120"/>
                           <a:cs typeface="Arial" panose="020B0604020202020204" pitchFamily="34" charset="0"/>
                         </a:rPr>
-                        <a:t>適合做多文件摘要</a:t>
+                        <a:t>data</a:t>
                       </a:r>
-                      <a:endParaRPr lang="zh-TW" altLang="en-US" sz="1700" dirty="0">
+                      <a:endParaRPr lang="en-US" altLang="zh-TW" sz="1700" dirty="0" smtClean="0">
                         <a:latin typeface="Arial" panose="020B0604020202020204" pitchFamily="34" charset="0"/>
                         <a:ea typeface="微軟正黑體" panose="020B0604030504040204" pitchFamily="34" charset="-120"/>
                         <a:cs typeface="Arial" panose="020B0604020202020204" pitchFamily="34" charset="0"/>
@@ -10025,19 +12223,7 @@
                           <a:ea typeface="微軟正黑體" panose="020B0604030504040204" pitchFamily="34" charset="-120"/>
                           <a:cs typeface="Arial" panose="020B0604020202020204" pitchFamily="34" charset="0"/>
                         </a:rPr>
-                        <a:t>計算</a:t>
-                      </a:r>
-                      <a:r>
-                        <a:rPr lang="zh-TW" altLang="en-US" sz="1700" b="0" i="0" kern="1200" dirty="0" smtClean="0">
-                          <a:solidFill>
-                            <a:schemeClr val="dk1"/>
-                          </a:solidFill>
-                          <a:effectLst/>
-                          <a:latin typeface="Arial" panose="020B0604020202020204" pitchFamily="34" charset="0"/>
-                          <a:ea typeface="微軟正黑體" panose="020B0604030504040204" pitchFamily="34" charset="-120"/>
-                          <a:cs typeface="Arial" panose="020B0604020202020204" pitchFamily="34" charset="0"/>
-                        </a:rPr>
-                        <a:t>文章中各個句子的獨特性，摘取文章中最具獨特性的</a:t>
+                        <a:t>計算文章中各個句子的獨特性，摘取文章中最具獨特性的</a:t>
                       </a:r>
                       <a:r>
                         <a:rPr lang="en-US" altLang="zh-TW" sz="1700" b="0" i="0" kern="1200" dirty="0" smtClean="0">
@@ -10112,19 +12298,7 @@
                           <a:ea typeface="微軟正黑體" panose="020B0604030504040204" pitchFamily="34" charset="-120"/>
                           <a:cs typeface="Arial" panose="020B0604020202020204" pitchFamily="34" charset="0"/>
                         </a:rPr>
-                        <a:t>training </a:t>
-                      </a:r>
-                      <a:r>
-                        <a:rPr lang="en-US" altLang="zh-CN" sz="1700" b="0" i="0" kern="1200" dirty="0" smtClean="0">
-                          <a:solidFill>
-                            <a:schemeClr val="dk1"/>
-                          </a:solidFill>
-                          <a:effectLst/>
-                          <a:latin typeface="Arial" panose="020B0604020202020204" pitchFamily="34" charset="0"/>
-                          <a:ea typeface="微軟正黑體" panose="020B0604030504040204" pitchFamily="34" charset="-120"/>
-                          <a:cs typeface="Arial" panose="020B0604020202020204" pitchFamily="34" charset="0"/>
-                        </a:rPr>
-                        <a:t>data</a:t>
+                        <a:t>training data</a:t>
                       </a:r>
                       <a:endParaRPr lang="en-US" altLang="zh-TW" sz="1700" b="0" i="0" kern="1200" dirty="0" smtClean="0">
                         <a:solidFill>
@@ -10417,10 +12591,10 @@
         </p:nvGrpSpPr>
         <p:grpSpPr>
           <a:xfrm>
-            <a:off x="539552" y="5622383"/>
-            <a:ext cx="2251573" cy="1190993"/>
+            <a:off x="539552" y="5262343"/>
+            <a:ext cx="2160120" cy="1406897"/>
             <a:chOff x="602056" y="2973999"/>
-            <a:chExt cx="2251573" cy="1190993"/>
+            <a:chExt cx="2160120" cy="1406897"/>
           </a:xfrm>
         </p:grpSpPr>
         <p:sp>
@@ -10715,7 +12889,7 @@
           </p:nvSpPr>
           <p:spPr>
             <a:xfrm>
-              <a:off x="2303808" y="3265496"/>
+              <a:off x="2212355" y="3481400"/>
               <a:ext cx="108000" cy="108000"/>
             </a:xfrm>
             <a:prstGeom prst="ellipse">
@@ -10755,7 +12929,7 @@
           </p:nvSpPr>
           <p:spPr>
             <a:xfrm>
-              <a:off x="2087784" y="3513999"/>
+              <a:off x="1996331" y="3729903"/>
               <a:ext cx="108000" cy="108000"/>
             </a:xfrm>
             <a:prstGeom prst="ellipse">
@@ -10798,7 +12972,7 @@
           </p:nvSpPr>
           <p:spPr>
             <a:xfrm>
-              <a:off x="2199615" y="3872799"/>
+              <a:off x="2108162" y="4088703"/>
               <a:ext cx="108000" cy="108000"/>
             </a:xfrm>
             <a:prstGeom prst="ellipse">
@@ -10838,7 +13012,7 @@
           </p:nvSpPr>
           <p:spPr>
             <a:xfrm>
-              <a:off x="2446584" y="3501080"/>
+              <a:off x="2355131" y="3716984"/>
               <a:ext cx="108000" cy="108000"/>
             </a:xfrm>
             <a:prstGeom prst="ellipse">
@@ -10878,7 +13052,7 @@
           </p:nvSpPr>
           <p:spPr>
             <a:xfrm>
-              <a:off x="2015776" y="3745734"/>
+              <a:off x="1924323" y="3961638"/>
               <a:ext cx="108000" cy="108000"/>
             </a:xfrm>
             <a:prstGeom prst="ellipse">
@@ -10918,7 +13092,7 @@
           </p:nvSpPr>
           <p:spPr>
             <a:xfrm>
-              <a:off x="2392584" y="3818799"/>
+              <a:off x="2301131" y="4034703"/>
               <a:ext cx="108000" cy="108000"/>
             </a:xfrm>
             <a:prstGeom prst="ellipse">
@@ -10958,7 +13132,7 @@
           </p:nvSpPr>
           <p:spPr>
             <a:xfrm>
-              <a:off x="2268012" y="3602485"/>
+              <a:off x="2176559" y="3818389"/>
               <a:ext cx="88776" cy="98400"/>
             </a:xfrm>
             <a:prstGeom prst="mathPlus">
@@ -10998,7 +13172,7 @@
           </p:nvSpPr>
           <p:spPr>
             <a:xfrm>
-              <a:off x="1773629" y="3084992"/>
+              <a:off x="1682176" y="3300896"/>
               <a:ext cx="1080000" cy="1080000"/>
             </a:xfrm>
             <a:prstGeom prst="ellipse">
@@ -11074,14 +13248,14 @@
       </p:grpSp>
       <p:sp>
         <p:nvSpPr>
-          <p:cNvPr id="22" name="文字方塊 21"/>
+          <p:cNvPr id="25" name="文字方塊 24"/>
           <p:cNvSpPr txBox="1"/>
           <p:nvPr/>
         </p:nvSpPr>
         <p:spPr>
           <a:xfrm>
-            <a:off x="-1869084" y="3531961"/>
-            <a:ext cx="1925040" cy="2585323"/>
+            <a:off x="3553886" y="4170716"/>
+            <a:ext cx="2592288" cy="648072"/>
           </a:xfrm>
           <a:prstGeom prst="rect">
             <a:avLst/>
@@ -11095,90 +13269,31 @@
           <a:lstStyle/>
           <a:p>
             <a:r>
+              <a:rPr lang="zh-TW" altLang="en-US" dirty="0" smtClean="0"/>
+              <a:t>記者</a:t>
+            </a:r>
+            <a:r>
+              <a:rPr lang="zh-TW" altLang="en-US" dirty="0"/>
+              <a:t>在</a:t>
+            </a:r>
+            <a:r>
+              <a:rPr lang="zh-TW" altLang="en-US" dirty="0" smtClean="0"/>
+              <a:t>台北報導</a:t>
+            </a:r>
+            <a:endParaRPr lang="en-US" altLang="zh-TW" dirty="0" smtClean="0"/>
+          </a:p>
+          <a:p>
+            <a:r>
+              <a:rPr lang="zh-TW" altLang="en-US" dirty="0" smtClean="0"/>
+              <a:t>柯</a:t>
+            </a:r>
+            <a:r>
               <a:rPr lang="en-US" altLang="zh-TW" dirty="0" smtClean="0"/>
-              <a:t>Example</a:t>
-            </a:r>
-          </a:p>
-          <a:p>
-            <a:endParaRPr lang="en-US" altLang="zh-TW" dirty="0"/>
-          </a:p>
-          <a:p>
-            <a:r>
-              <a:rPr lang="en-US" altLang="zh-TW" dirty="0"/>
-              <a:t> </a:t>
+              <a:t>P</a:t>
             </a:r>
             <a:r>
               <a:rPr lang="zh-TW" altLang="en-US" dirty="0" smtClean="0"/>
-              <a:t>我是</a:t>
-            </a:r>
-            <a:r>
-              <a:rPr lang="en-US" altLang="zh-TW" dirty="0" smtClean="0"/>
-              <a:t>OO</a:t>
-            </a:r>
-          </a:p>
-          <a:p>
-            <a:r>
-              <a:rPr lang="zh-TW" altLang="en-US" dirty="0"/>
-              <a:t> </a:t>
-            </a:r>
-            <a:r>
-              <a:rPr lang="zh-TW" altLang="en-US" dirty="0" smtClean="0"/>
-              <a:t>我是</a:t>
-            </a:r>
-            <a:r>
-              <a:rPr lang="en-US" altLang="zh-TW" dirty="0" smtClean="0"/>
-              <a:t>OO</a:t>
-            </a:r>
-          </a:p>
-          <a:p>
-            <a:r>
-              <a:rPr lang="zh-TW" altLang="en-US" dirty="0"/>
-              <a:t> 我是</a:t>
-            </a:r>
-            <a:r>
-              <a:rPr lang="en-US" altLang="zh-TW" dirty="0" smtClean="0"/>
-              <a:t>OO</a:t>
-            </a:r>
-          </a:p>
-          <a:p>
-            <a:endParaRPr lang="en-US" altLang="zh-TW" dirty="0" smtClean="0"/>
-          </a:p>
-          <a:p>
-            <a:r>
-              <a:rPr lang="zh-TW" altLang="en-US" dirty="0"/>
-              <a:t> 我</a:t>
-            </a:r>
-            <a:r>
-              <a:rPr lang="zh-TW" altLang="en-US" dirty="0" smtClean="0"/>
-              <a:t>是</a:t>
-            </a:r>
-            <a:r>
-              <a:rPr lang="en-US" altLang="zh-TW" dirty="0" smtClean="0"/>
-              <a:t>XX</a:t>
-            </a:r>
-          </a:p>
-          <a:p>
-            <a:r>
-              <a:rPr lang="zh-TW" altLang="en-US" dirty="0"/>
-              <a:t> 我是</a:t>
-            </a:r>
-            <a:r>
-              <a:rPr lang="en-US" altLang="zh-TW" dirty="0" smtClean="0"/>
-              <a:t>XX</a:t>
-            </a:r>
-          </a:p>
-          <a:p>
-            <a:r>
-              <a:rPr lang="zh-TW" altLang="en-US" dirty="0"/>
-              <a:t> 我是</a:t>
-            </a:r>
-            <a:r>
-              <a:rPr lang="en-US" altLang="zh-TW" dirty="0"/>
-              <a:t>XX</a:t>
-            </a:r>
-            <a:r>
-              <a:rPr lang="en-US" altLang="zh-TW" dirty="0" smtClean="0"/>
-              <a:t> </a:t>
+              <a:t>決定選總統</a:t>
             </a:r>
             <a:endParaRPr lang="zh-TW" altLang="en-US" dirty="0"/>
           </a:p>
@@ -11186,60 +13301,14 @@
       </p:sp>
       <p:sp>
         <p:nvSpPr>
-          <p:cNvPr id="24" name="矩形 23"/>
-          <p:cNvSpPr/>
-          <p:nvPr/>
-        </p:nvSpPr>
-        <p:spPr>
-          <a:xfrm>
-            <a:off x="-1869085" y="4954015"/>
-            <a:ext cx="1032593" cy="792088"/>
-          </a:xfrm>
-          <a:prstGeom prst="rect">
-            <a:avLst/>
-          </a:prstGeom>
-          <a:noFill/>
-          <a:ln w="28575">
-            <a:solidFill>
-              <a:schemeClr val="accent5"/>
-            </a:solidFill>
-          </a:ln>
-        </p:spPr>
-        <p:style>
-          <a:lnRef idx="2">
-            <a:schemeClr val="accent1">
-              <a:shade val="50000"/>
-            </a:schemeClr>
-          </a:lnRef>
-          <a:fillRef idx="1">
-            <a:schemeClr val="accent1"/>
-          </a:fillRef>
-          <a:effectRef idx="0">
-            <a:schemeClr val="accent1"/>
-          </a:effectRef>
-          <a:fontRef idx="minor">
-            <a:schemeClr val="lt1"/>
-          </a:fontRef>
-        </p:style>
-        <p:txBody>
-          <a:bodyPr rtlCol="0" anchor="ctr"/>
-          <a:lstStyle/>
-          <a:p>
-            <a:pPr algn="ctr"/>
-            <a:endParaRPr lang="zh-TW" altLang="en-US"/>
-          </a:p>
-        </p:txBody>
-      </p:sp>
-      <p:sp>
-        <p:nvSpPr>
-          <p:cNvPr id="25" name="文字方塊 24"/>
+          <p:cNvPr id="11" name="文字方塊 10"/>
           <p:cNvSpPr txBox="1"/>
           <p:nvPr/>
         </p:nvSpPr>
         <p:spPr>
           <a:xfrm>
-            <a:off x="3491880" y="4725144"/>
-            <a:ext cx="1368152" cy="1200329"/>
+            <a:off x="710008" y="4725144"/>
+            <a:ext cx="837656" cy="307777"/>
           </a:xfrm>
           <a:prstGeom prst="rect">
             <a:avLst/>
@@ -11252,39 +13321,33 @@
           </a:bodyPr>
           <a:lstStyle/>
           <a:p>
-            <a:endParaRPr lang="en-US" altLang="zh-TW" dirty="0" smtClean="0"/>
-          </a:p>
-          <a:p>
-            <a:r>
-              <a:rPr lang="zh-TW" altLang="en-US" dirty="0"/>
-              <a:t>記者在</a:t>
-            </a:r>
-            <a:r>
-              <a:rPr lang="zh-TW" altLang="en-US" dirty="0" smtClean="0"/>
-              <a:t>台北報導。柯</a:t>
-            </a:r>
-            <a:r>
-              <a:rPr lang="en-US" altLang="zh-TW" dirty="0" smtClean="0"/>
+            <a:r>
+              <a:rPr lang="zh-CN" altLang="en-US" sz="1400" i="1" dirty="0" smtClean="0">
+                <a:latin typeface="微軟正黑體" panose="020B0604030504040204" pitchFamily="34" charset="-120"/>
+                <a:ea typeface="微軟正黑體" panose="020B0604030504040204" pitchFamily="34" charset="-120"/>
+              </a:rPr>
+              <a:t>我是柯</a:t>
+            </a:r>
+            <a:r>
+              <a:rPr lang="en-US" altLang="zh-CN" sz="1400" i="1" dirty="0" smtClean="0">
+                <a:latin typeface="微軟正黑體" panose="020B0604030504040204" pitchFamily="34" charset="-120"/>
+                <a:ea typeface="微軟正黑體" panose="020B0604030504040204" pitchFamily="34" charset="-120"/>
+              </a:rPr>
               <a:t>P</a:t>
             </a:r>
-            <a:r>
-              <a:rPr lang="zh-TW" altLang="en-US" dirty="0" smtClean="0"/>
-              <a:t>決定選總統</a:t>
-            </a:r>
-            <a:endParaRPr lang="zh-TW" altLang="en-US" dirty="0"/>
           </a:p>
         </p:txBody>
       </p:sp>
       <p:sp>
         <p:nvSpPr>
-          <p:cNvPr id="11" name="文字方塊 10"/>
+          <p:cNvPr id="28" name="文字方塊 27"/>
           <p:cNvSpPr txBox="1"/>
           <p:nvPr/>
         </p:nvSpPr>
         <p:spPr>
           <a:xfrm>
-            <a:off x="899592" y="5085184"/>
-            <a:ext cx="1125688" cy="369332"/>
+            <a:off x="-72565" y="4818788"/>
+            <a:ext cx="782573" cy="307777"/>
           </a:xfrm>
           <a:prstGeom prst="rect">
             <a:avLst/>
@@ -11298,32 +13361,36 @@
           <a:lstStyle/>
           <a:p>
             <a:r>
-              <a:rPr lang="zh-CN" altLang="en-US" i="1" dirty="0" smtClean="0">
-                <a:latin typeface="微軟正黑體" panose="020B0604030504040204" pitchFamily="34" charset="-120"/>
-                <a:ea typeface="微軟正黑體" panose="020B0604030504040204" pitchFamily="34" charset="-120"/>
-              </a:rPr>
-              <a:t>我是柯</a:t>
-            </a:r>
-            <a:r>
-              <a:rPr lang="en-US" altLang="zh-CN" i="1" dirty="0" smtClean="0">
-                <a:latin typeface="微軟正黑體" panose="020B0604030504040204" pitchFamily="34" charset="-120"/>
-                <a:ea typeface="微軟正黑體" panose="020B0604030504040204" pitchFamily="34" charset="-120"/>
-              </a:rPr>
-              <a:t>P</a:t>
-            </a:r>
+              <a:rPr lang="zh-CN" altLang="en-US" sz="1400" i="1" dirty="0" smtClean="0">
+                <a:latin typeface="微軟正黑體" panose="020B0604030504040204" pitchFamily="34" charset="-120"/>
+                <a:ea typeface="微軟正黑體" panose="020B0604030504040204" pitchFamily="34" charset="-120"/>
+              </a:rPr>
+              <a:t>我是</a:t>
+            </a:r>
+            <a:r>
+              <a:rPr lang="en-US" altLang="zh-CN" sz="1400" i="1" dirty="0" smtClean="0">
+                <a:latin typeface="微軟正黑體" panose="020B0604030504040204" pitchFamily="34" charset="-120"/>
+                <a:ea typeface="微軟正黑體" panose="020B0604030504040204" pitchFamily="34" charset="-120"/>
+              </a:rPr>
+              <a:t>KP</a:t>
+            </a:r>
+            <a:endParaRPr lang="en-US" altLang="zh-CN" sz="1400" i="1" dirty="0">
+              <a:latin typeface="微軟正黑體" panose="020B0604030504040204" pitchFamily="34" charset="-120"/>
+              <a:ea typeface="微軟正黑體" panose="020B0604030504040204" pitchFamily="34" charset="-120"/>
+            </a:endParaRPr>
           </a:p>
         </p:txBody>
       </p:sp>
       <p:sp>
         <p:nvSpPr>
-          <p:cNvPr id="28" name="文字方塊 27"/>
+          <p:cNvPr id="29" name="文字方塊 28"/>
           <p:cNvSpPr txBox="1"/>
           <p:nvPr/>
         </p:nvSpPr>
         <p:spPr>
           <a:xfrm>
-            <a:off x="-72565" y="5178828"/>
-            <a:ext cx="1097108" cy="369332"/>
+            <a:off x="-9647" y="4293096"/>
+            <a:ext cx="1098823" cy="307777"/>
           </a:xfrm>
           <a:prstGeom prst="rect">
             <a:avLst/>
@@ -11337,56 +13404,13 @@
           <a:lstStyle/>
           <a:p>
             <a:r>
-              <a:rPr lang="zh-CN" altLang="en-US" i="1" dirty="0" smtClean="0">
-                <a:latin typeface="微軟正黑體" panose="020B0604030504040204" pitchFamily="34" charset="-120"/>
-                <a:ea typeface="微軟正黑體" panose="020B0604030504040204" pitchFamily="34" charset="-120"/>
-              </a:rPr>
-              <a:t>我是</a:t>
-            </a:r>
-            <a:r>
-              <a:rPr lang="en-US" altLang="zh-CN" i="1" dirty="0" smtClean="0">
-                <a:latin typeface="微軟正黑體" panose="020B0604030504040204" pitchFamily="34" charset="-120"/>
-                <a:ea typeface="微軟正黑體" panose="020B0604030504040204" pitchFamily="34" charset="-120"/>
-              </a:rPr>
-              <a:t>KP</a:t>
-            </a:r>
-            <a:endParaRPr lang="en-US" altLang="zh-CN" i="1" dirty="0">
-              <a:latin typeface="微軟正黑體" panose="020B0604030504040204" pitchFamily="34" charset="-120"/>
-              <a:ea typeface="微軟正黑體" panose="020B0604030504040204" pitchFamily="34" charset="-120"/>
-            </a:endParaRPr>
-          </a:p>
-        </p:txBody>
-      </p:sp>
-      <p:sp>
-        <p:nvSpPr>
-          <p:cNvPr id="29" name="文字方塊 28"/>
-          <p:cNvSpPr txBox="1"/>
-          <p:nvPr/>
-        </p:nvSpPr>
-        <p:spPr>
-          <a:xfrm>
-            <a:off x="206377" y="4725144"/>
-            <a:ext cx="1341287" cy="369332"/>
-          </a:xfrm>
-          <a:prstGeom prst="rect">
-            <a:avLst/>
-          </a:prstGeom>
-          <a:noFill/>
-        </p:spPr>
-        <p:txBody>
-          <a:bodyPr wrap="square" rtlCol="0">
-            <a:spAutoFit/>
-          </a:bodyPr>
-          <a:lstStyle/>
-          <a:p>
-            <a:r>
-              <a:rPr lang="zh-CN" altLang="en-US" i="1" dirty="0" smtClean="0">
+              <a:rPr lang="zh-CN" altLang="en-US" sz="1400" i="1" dirty="0" smtClean="0">
                 <a:latin typeface="微軟正黑體" panose="020B0604030504040204" pitchFamily="34" charset="-120"/>
                 <a:ea typeface="微軟正黑體" panose="020B0604030504040204" pitchFamily="34" charset="-120"/>
               </a:rPr>
               <a:t>我是柯文哲</a:t>
             </a:r>
-            <a:endParaRPr lang="zh-TW" altLang="en-US" i="1" dirty="0">
+            <a:endParaRPr lang="zh-TW" altLang="en-US" sz="1400" i="1" dirty="0">
               <a:latin typeface="微軟正黑體" panose="020B0604030504040204" pitchFamily="34" charset="-120"/>
               <a:ea typeface="微軟正黑體" panose="020B0604030504040204" pitchFamily="34" charset="-120"/>
             </a:endParaRPr>
@@ -11398,13 +13422,14 @@
           <p:cNvPr id="31" name="直線單箭頭接點 30"/>
           <p:cNvCxnSpPr>
             <a:stCxn id="28" idx="2"/>
+            <a:endCxn id="7" idx="1"/>
           </p:cNvCxnSpPr>
           <p:nvPr/>
         </p:nvCxnSpPr>
         <p:spPr>
           <a:xfrm>
-            <a:off x="475989" y="5548160"/>
-            <a:ext cx="379155" cy="473720"/>
+            <a:off x="318722" y="5126565"/>
+            <a:ext cx="570246" cy="593194"/>
           </a:xfrm>
           <a:prstGeom prst="straightConnector1">
             <a:avLst/>
@@ -11434,13 +13459,16 @@
       <p:cxnSp>
         <p:nvCxnSpPr>
           <p:cNvPr id="36" name="直線單箭頭接點 35"/>
-          <p:cNvCxnSpPr/>
+          <p:cNvCxnSpPr>
+            <a:stCxn id="29" idx="2"/>
+            <a:endCxn id="8" idx="1"/>
+          </p:cNvCxnSpPr>
           <p:nvPr/>
         </p:nvCxnSpPr>
         <p:spPr>
           <a:xfrm>
-            <a:off x="867381" y="5013176"/>
-            <a:ext cx="176227" cy="1162002"/>
+            <a:off x="539765" y="4600873"/>
+            <a:ext cx="501603" cy="1271286"/>
           </a:xfrm>
           <a:prstGeom prst="straightConnector1">
             <a:avLst/>
@@ -11472,13 +13500,282 @@
           <p:cNvPr id="40" name="直線單箭頭接點 39"/>
           <p:cNvCxnSpPr>
             <a:stCxn id="11" idx="2"/>
+            <a:endCxn id="6" idx="7"/>
+          </p:cNvCxnSpPr>
+          <p:nvPr/>
+        </p:nvCxnSpPr>
+        <p:spPr>
+          <a:xfrm>
+            <a:off x="1128836" y="5032921"/>
+            <a:ext cx="52524" cy="438335"/>
+          </a:xfrm>
+          <a:prstGeom prst="straightConnector1">
+            <a:avLst/>
+          </a:prstGeom>
+          <a:ln>
+            <a:solidFill>
+              <a:schemeClr val="tx1"/>
+            </a:solidFill>
+            <a:tailEnd type="arrow"/>
+          </a:ln>
+        </p:spPr>
+        <p:style>
+          <a:lnRef idx="1">
+            <a:schemeClr val="accent1"/>
+          </a:lnRef>
+          <a:fillRef idx="0">
+            <a:schemeClr val="accent1"/>
+          </a:fillRef>
+          <a:effectRef idx="0">
+            <a:schemeClr val="accent1"/>
+          </a:effectRef>
+          <a:fontRef idx="minor">
+            <a:schemeClr val="tx1"/>
+          </a:fontRef>
+        </p:style>
+      </p:cxnSp>
+      <p:sp>
+        <p:nvSpPr>
+          <p:cNvPr id="32" name="文字方塊 31"/>
+          <p:cNvSpPr txBox="1"/>
+          <p:nvPr/>
+        </p:nvSpPr>
+        <p:spPr>
+          <a:xfrm>
+            <a:off x="1475656" y="4365104"/>
+            <a:ext cx="1186827" cy="307777"/>
+          </a:xfrm>
+          <a:prstGeom prst="rect">
+            <a:avLst/>
+          </a:prstGeom>
+          <a:noFill/>
+        </p:spPr>
+        <p:txBody>
+          <a:bodyPr wrap="square" rtlCol="0">
+            <a:spAutoFit/>
+          </a:bodyPr>
+          <a:lstStyle/>
+          <a:p>
+            <a:r>
+              <a:rPr lang="zh-CN" altLang="en-US" sz="1400" i="1" dirty="0" smtClean="0">
+                <a:latin typeface="微軟正黑體" panose="020B0604030504040204" pitchFamily="34" charset="-120"/>
+                <a:ea typeface="微軟正黑體" panose="020B0604030504040204" pitchFamily="34" charset="-120"/>
+              </a:rPr>
+              <a:t>我</a:t>
+            </a:r>
+            <a:r>
+              <a:rPr lang="zh-CN" altLang="en-US" sz="1400" i="1" dirty="0" smtClean="0">
+                <a:latin typeface="微軟正黑體" panose="020B0604030504040204" pitchFamily="34" charset="-120"/>
+                <a:ea typeface="微軟正黑體" panose="020B0604030504040204" pitchFamily="34" charset="-120"/>
+              </a:rPr>
+              <a:t>是</a:t>
+            </a:r>
+            <a:r>
+              <a:rPr lang="en-US" altLang="zh-CN" sz="1400" i="1" dirty="0" smtClean="0">
+                <a:latin typeface="微軟正黑體" panose="020B0604030504040204" pitchFamily="34" charset="-120"/>
+                <a:ea typeface="微軟正黑體" panose="020B0604030504040204" pitchFamily="34" charset="-120"/>
+              </a:rPr>
+              <a:t>Trump</a:t>
+            </a:r>
+            <a:endParaRPr lang="zh-TW" altLang="en-US" sz="1400" i="1" dirty="0">
+              <a:latin typeface="微軟正黑體" panose="020B0604030504040204" pitchFamily="34" charset="-120"/>
+              <a:ea typeface="微軟正黑體" panose="020B0604030504040204" pitchFamily="34" charset="-120"/>
+            </a:endParaRPr>
+          </a:p>
+        </p:txBody>
+      </p:sp>
+      <p:sp>
+        <p:nvSpPr>
+          <p:cNvPr id="35" name="文字方塊 34"/>
+          <p:cNvSpPr txBox="1"/>
+          <p:nvPr/>
+        </p:nvSpPr>
+        <p:spPr>
+          <a:xfrm>
+            <a:off x="2078585" y="4869160"/>
+            <a:ext cx="1197271" cy="307777"/>
+          </a:xfrm>
+          <a:prstGeom prst="rect">
+            <a:avLst/>
+          </a:prstGeom>
+          <a:noFill/>
+        </p:spPr>
+        <p:txBody>
+          <a:bodyPr wrap="square" rtlCol="0">
+            <a:spAutoFit/>
+          </a:bodyPr>
+          <a:lstStyle/>
+          <a:p>
+            <a:r>
+              <a:rPr lang="zh-CN" altLang="en-US" sz="1400" i="1" dirty="0" smtClean="0">
+                <a:latin typeface="微軟正黑體" panose="020B0604030504040204" pitchFamily="34" charset="-120"/>
+                <a:ea typeface="微軟正黑體" panose="020B0604030504040204" pitchFamily="34" charset="-120"/>
+              </a:rPr>
+              <a:t>我</a:t>
+            </a:r>
+            <a:r>
+              <a:rPr lang="zh-CN" altLang="en-US" sz="1400" i="1" dirty="0" smtClean="0">
+                <a:latin typeface="微軟正黑體" panose="020B0604030504040204" pitchFamily="34" charset="-120"/>
+                <a:ea typeface="微軟正黑體" panose="020B0604030504040204" pitchFamily="34" charset="-120"/>
+              </a:rPr>
+              <a:t>是</a:t>
+            </a:r>
+            <a:r>
+              <a:rPr lang="en-US" altLang="zh-CN" sz="1400" i="1" dirty="0" smtClean="0">
+                <a:latin typeface="微軟正黑體" panose="020B0604030504040204" pitchFamily="34" charset="-120"/>
+                <a:ea typeface="微軟正黑體" panose="020B0604030504040204" pitchFamily="34" charset="-120"/>
+              </a:rPr>
+              <a:t>Donald</a:t>
+            </a:r>
+            <a:endParaRPr lang="zh-TW" altLang="en-US" sz="1400" i="1" dirty="0">
+              <a:latin typeface="微軟正黑體" panose="020B0604030504040204" pitchFamily="34" charset="-120"/>
+              <a:ea typeface="微軟正黑體" panose="020B0604030504040204" pitchFamily="34" charset="-120"/>
+            </a:endParaRPr>
+          </a:p>
+        </p:txBody>
+      </p:sp>
+      <p:sp>
+        <p:nvSpPr>
+          <p:cNvPr id="49" name="文字方塊 48"/>
+          <p:cNvSpPr txBox="1"/>
+          <p:nvPr/>
+        </p:nvSpPr>
+        <p:spPr>
+          <a:xfrm>
+            <a:off x="2662483" y="5281463"/>
+            <a:ext cx="891403" cy="307777"/>
+          </a:xfrm>
+          <a:prstGeom prst="rect">
+            <a:avLst/>
+          </a:prstGeom>
+          <a:noFill/>
+        </p:spPr>
+        <p:txBody>
+          <a:bodyPr wrap="square" rtlCol="0">
+            <a:spAutoFit/>
+          </a:bodyPr>
+          <a:lstStyle/>
+          <a:p>
+            <a:pPr algn="r"/>
+            <a:r>
+              <a:rPr lang="zh-CN" altLang="en-US" sz="1400" i="1" dirty="0" smtClean="0">
+                <a:latin typeface="微軟正黑體" panose="020B0604030504040204" pitchFamily="34" charset="-120"/>
+                <a:ea typeface="微軟正黑體" panose="020B0604030504040204" pitchFamily="34" charset="-120"/>
+              </a:rPr>
+              <a:t>我</a:t>
+            </a:r>
+            <a:r>
+              <a:rPr lang="zh-CN" altLang="en-US" sz="1400" i="1" dirty="0" smtClean="0">
+                <a:latin typeface="微軟正黑體" panose="020B0604030504040204" pitchFamily="34" charset="-120"/>
+                <a:ea typeface="微軟正黑體" panose="020B0604030504040204" pitchFamily="34" charset="-120"/>
+              </a:rPr>
+              <a:t>是</a:t>
+            </a:r>
+            <a:r>
+              <a:rPr lang="en-US" altLang="zh-CN" sz="1400" i="1" dirty="0" smtClean="0">
+                <a:latin typeface="微軟正黑體" panose="020B0604030504040204" pitchFamily="34" charset="-120"/>
+                <a:ea typeface="微軟正黑體" panose="020B0604030504040204" pitchFamily="34" charset="-120"/>
+              </a:rPr>
+              <a:t>DT</a:t>
+            </a:r>
+            <a:endParaRPr lang="zh-TW" altLang="en-US" sz="1400" i="1" dirty="0">
+              <a:latin typeface="微軟正黑體" panose="020B0604030504040204" pitchFamily="34" charset="-120"/>
+              <a:ea typeface="微軟正黑體" panose="020B0604030504040204" pitchFamily="34" charset="-120"/>
+            </a:endParaRPr>
+          </a:p>
+        </p:txBody>
+      </p:sp>
+      <p:cxnSp>
+        <p:nvCxnSpPr>
+          <p:cNvPr id="51" name="直線單箭頭接點 50"/>
+          <p:cNvCxnSpPr>
+            <a:stCxn id="32" idx="2"/>
+            <a:endCxn id="14" idx="7"/>
           </p:cNvCxnSpPr>
           <p:nvPr/>
         </p:nvCxnSpPr>
         <p:spPr>
           <a:xfrm flipH="1">
-            <a:off x="1197178" y="5454516"/>
-            <a:ext cx="265258" cy="330504"/>
+            <a:off x="2026011" y="4672881"/>
+            <a:ext cx="43059" cy="1361182"/>
+          </a:xfrm>
+          <a:prstGeom prst="straightConnector1">
+            <a:avLst/>
+          </a:prstGeom>
+          <a:ln>
+            <a:solidFill>
+              <a:schemeClr val="tx1"/>
+            </a:solidFill>
+            <a:tailEnd type="arrow"/>
+          </a:ln>
+        </p:spPr>
+        <p:style>
+          <a:lnRef idx="1">
+            <a:schemeClr val="accent1"/>
+          </a:lnRef>
+          <a:fillRef idx="0">
+            <a:schemeClr val="accent1"/>
+          </a:fillRef>
+          <a:effectRef idx="0">
+            <a:schemeClr val="accent1"/>
+          </a:effectRef>
+          <a:fontRef idx="minor">
+            <a:schemeClr val="tx1"/>
+          </a:fontRef>
+        </p:style>
+      </p:cxnSp>
+      <p:cxnSp>
+        <p:nvCxnSpPr>
+          <p:cNvPr id="54" name="直線單箭頭接點 53"/>
+          <p:cNvCxnSpPr>
+            <a:stCxn id="35" idx="2"/>
+            <a:endCxn id="13" idx="6"/>
+          </p:cNvCxnSpPr>
+          <p:nvPr/>
+        </p:nvCxnSpPr>
+        <p:spPr>
+          <a:xfrm flipH="1">
+            <a:off x="2257851" y="5176937"/>
+            <a:ext cx="419370" cy="646807"/>
+          </a:xfrm>
+          <a:prstGeom prst="straightConnector1">
+            <a:avLst/>
+          </a:prstGeom>
+          <a:ln>
+            <a:solidFill>
+              <a:schemeClr val="tx1"/>
+            </a:solidFill>
+            <a:tailEnd type="arrow"/>
+          </a:ln>
+        </p:spPr>
+        <p:style>
+          <a:lnRef idx="1">
+            <a:schemeClr val="accent1"/>
+          </a:lnRef>
+          <a:fillRef idx="0">
+            <a:schemeClr val="accent1"/>
+          </a:fillRef>
+          <a:effectRef idx="0">
+            <a:schemeClr val="accent1"/>
+          </a:effectRef>
+          <a:fontRef idx="minor">
+            <a:schemeClr val="tx1"/>
+          </a:fontRef>
+        </p:style>
+      </p:cxnSp>
+      <p:cxnSp>
+        <p:nvCxnSpPr>
+          <p:cNvPr id="59" name="直線單箭頭接點 58"/>
+          <p:cNvCxnSpPr>
+            <a:stCxn id="49" idx="2"/>
+            <a:endCxn id="16" idx="6"/>
+          </p:cNvCxnSpPr>
+          <p:nvPr/>
+        </p:nvCxnSpPr>
+        <p:spPr>
+          <a:xfrm flipH="1">
+            <a:off x="2400627" y="5589240"/>
+            <a:ext cx="707558" cy="470088"/>
           </a:xfrm>
           <a:prstGeom prst="straightConnector1">
             <a:avLst/>
@@ -11800,13 +14097,13 @@
       </p:sp>
       <p:sp>
         <p:nvSpPr>
-          <p:cNvPr id="9" name="矩形 8"/>
+          <p:cNvPr id="12" name="矩形 11"/>
           <p:cNvSpPr/>
           <p:nvPr/>
         </p:nvSpPr>
         <p:spPr>
           <a:xfrm>
-            <a:off x="4295897" y="926826"/>
+            <a:off x="4644007" y="926826"/>
             <a:ext cx="4392488" cy="360040"/>
           </a:xfrm>
           <a:prstGeom prst="rect">
@@ -11844,14 +14141,14 @@
       </p:sp>
       <p:sp>
         <p:nvSpPr>
-          <p:cNvPr id="10" name="文字方塊 9"/>
+          <p:cNvPr id="13" name="文字方塊 12"/>
           <p:cNvSpPr txBox="1"/>
           <p:nvPr/>
         </p:nvSpPr>
         <p:spPr>
           <a:xfrm>
-            <a:off x="4295898" y="1412776"/>
-            <a:ext cx="4392488" cy="2952328"/>
+            <a:off x="4644008" y="1412776"/>
+            <a:ext cx="4392488" cy="3168352"/>
           </a:xfrm>
           <a:prstGeom prst="rect">
             <a:avLst/>
@@ -11870,22 +14167,533 @@
           <a:lstStyle/>
           <a:p>
             <a:r>
-              <a:rPr lang="zh-TW" altLang="en-US" dirty="0" smtClean="0"/>
-              <a:t>原文</a:t>
-            </a:r>
-            <a:endParaRPr lang="zh-TW" altLang="en-US" dirty="0"/>
+              <a:rPr lang="zh-TW" altLang="en-US" sz="1100" b="1" u="sng" dirty="0">
+                <a:latin typeface="微軟正黑體" panose="020B0604030504040204" pitchFamily="34" charset="-120"/>
+                <a:ea typeface="微軟正黑體" panose="020B0604030504040204" pitchFamily="34" charset="-120"/>
+              </a:rPr>
+              <a:t>標題</a:t>
+            </a:r>
+            <a:r>
+              <a:rPr lang="en-US" altLang="zh-TW" sz="1100" b="1" u="sng" dirty="0">
+                <a:latin typeface="微軟正黑體" panose="020B0604030504040204" pitchFamily="34" charset="-120"/>
+                <a:ea typeface="微軟正黑體" panose="020B0604030504040204" pitchFamily="34" charset="-120"/>
+              </a:rPr>
+              <a:t>: 《</a:t>
+            </a:r>
+            <a:r>
+              <a:rPr lang="zh-TW" altLang="en-US" sz="1100" b="1" u="sng" dirty="0">
+                <a:latin typeface="微軟正黑體" panose="020B0604030504040204" pitchFamily="34" charset="-120"/>
+                <a:ea typeface="微軟正黑體" panose="020B0604030504040204" pitchFamily="34" charset="-120"/>
+              </a:rPr>
+              <a:t>柯文哲若尋求下任總統　民調：</a:t>
+            </a:r>
+            <a:r>
+              <a:rPr lang="en-US" altLang="zh-TW" sz="1100" b="1" u="sng" dirty="0">
+                <a:latin typeface="微軟正黑體" panose="020B0604030504040204" pitchFamily="34" charset="-120"/>
+                <a:ea typeface="微軟正黑體" panose="020B0604030504040204" pitchFamily="34" charset="-120"/>
+              </a:rPr>
+              <a:t>4</a:t>
+            </a:r>
+            <a:r>
+              <a:rPr lang="zh-TW" altLang="en-US" sz="1100" b="1" u="sng" dirty="0">
+                <a:latin typeface="微軟正黑體" panose="020B0604030504040204" pitchFamily="34" charset="-120"/>
+                <a:ea typeface="微軟正黑體" panose="020B0604030504040204" pitchFamily="34" charset="-120"/>
+              </a:rPr>
+              <a:t>成</a:t>
+            </a:r>
+            <a:r>
+              <a:rPr lang="en-US" altLang="zh-TW" sz="1100" b="1" u="sng" dirty="0">
+                <a:latin typeface="微軟正黑體" panose="020B0604030504040204" pitchFamily="34" charset="-120"/>
+                <a:ea typeface="微軟正黑體" panose="020B0604030504040204" pitchFamily="34" charset="-120"/>
+              </a:rPr>
+              <a:t>4</a:t>
+            </a:r>
+            <a:r>
+              <a:rPr lang="zh-TW" altLang="en-US" sz="1100" b="1" u="sng" dirty="0">
+                <a:latin typeface="微軟正黑體" panose="020B0604030504040204" pitchFamily="34" charset="-120"/>
+                <a:ea typeface="微軟正黑體" panose="020B0604030504040204" pitchFamily="34" charset="-120"/>
+              </a:rPr>
+              <a:t>民眾支持、</a:t>
+            </a:r>
+            <a:r>
+              <a:rPr lang="en-US" altLang="zh-TW" sz="1100" b="1" u="sng" dirty="0">
+                <a:latin typeface="微軟正黑體" panose="020B0604030504040204" pitchFamily="34" charset="-120"/>
+                <a:ea typeface="微軟正黑體" panose="020B0604030504040204" pitchFamily="34" charset="-120"/>
+              </a:rPr>
+              <a:t>5</a:t>
+            </a:r>
+            <a:r>
+              <a:rPr lang="zh-TW" altLang="en-US" sz="1100" b="1" u="sng" dirty="0">
+                <a:latin typeface="微軟正黑體" panose="020B0604030504040204" pitchFamily="34" charset="-120"/>
+                <a:ea typeface="微軟正黑體" panose="020B0604030504040204" pitchFamily="34" charset="-120"/>
+              </a:rPr>
+              <a:t>成反對</a:t>
+            </a:r>
+            <a:r>
+              <a:rPr lang="en-US" altLang="zh-TW" sz="1100" b="1" u="sng" dirty="0" smtClean="0">
+                <a:latin typeface="微軟正黑體" panose="020B0604030504040204" pitchFamily="34" charset="-120"/>
+                <a:ea typeface="微軟正黑體" panose="020B0604030504040204" pitchFamily="34" charset="-120"/>
+              </a:rPr>
+              <a:t>》</a:t>
+            </a:r>
+          </a:p>
+          <a:p>
+            <a:r>
+              <a:rPr lang="en-US" altLang="zh-TW" sz="1000" dirty="0" smtClean="0">
+                <a:latin typeface="微軟正黑體" panose="020B0604030504040204" pitchFamily="34" charset="-120"/>
+                <a:ea typeface="微軟正黑體" panose="020B0604030504040204" pitchFamily="34" charset="-120"/>
+              </a:rPr>
+              <a:t>0 </a:t>
+            </a:r>
+            <a:r>
+              <a:rPr lang="zh-TW" altLang="en-US" sz="1000" dirty="0">
+                <a:latin typeface="微軟正黑體" panose="020B0604030504040204" pitchFamily="34" charset="-120"/>
+                <a:ea typeface="微軟正黑體" panose="020B0604030504040204" pitchFamily="34" charset="-120"/>
+              </a:rPr>
+              <a:t>九合一選舉過後，誰來角逐</a:t>
+            </a:r>
+            <a:r>
+              <a:rPr lang="en-US" altLang="zh-TW" sz="1000" dirty="0">
+                <a:latin typeface="微軟正黑體" panose="020B0604030504040204" pitchFamily="34" charset="-120"/>
+                <a:ea typeface="微軟正黑體" panose="020B0604030504040204" pitchFamily="34" charset="-120"/>
+              </a:rPr>
+              <a:t>2020</a:t>
+            </a:r>
+            <a:r>
+              <a:rPr lang="zh-TW" altLang="en-US" sz="1000" dirty="0">
+                <a:latin typeface="微軟正黑體" panose="020B0604030504040204" pitchFamily="34" charset="-120"/>
+                <a:ea typeface="微軟正黑體" panose="020B0604030504040204" pitchFamily="34" charset="-120"/>
+              </a:rPr>
+              <a:t>引發關注。 </a:t>
+            </a:r>
+            <a:endParaRPr lang="en-US" altLang="zh-TW" sz="1000" dirty="0" smtClean="0">
+              <a:latin typeface="微軟正黑體" panose="020B0604030504040204" pitchFamily="34" charset="-120"/>
+              <a:ea typeface="微軟正黑體" panose="020B0604030504040204" pitchFamily="34" charset="-120"/>
+            </a:endParaRPr>
+          </a:p>
+          <a:p>
+            <a:r>
+              <a:rPr lang="en-US" altLang="zh-TW" sz="1000" dirty="0" smtClean="0">
+                <a:latin typeface="微軟正黑體" panose="020B0604030504040204" pitchFamily="34" charset="-120"/>
+                <a:ea typeface="微軟正黑體" panose="020B0604030504040204" pitchFamily="34" charset="-120"/>
+              </a:rPr>
+              <a:t>1 </a:t>
+            </a:r>
+            <a:r>
+              <a:rPr lang="zh-TW" altLang="en-US" sz="1000" dirty="0">
+                <a:latin typeface="微軟正黑體" panose="020B0604030504040204" pitchFamily="34" charset="-120"/>
+                <a:ea typeface="微軟正黑體" panose="020B0604030504040204" pitchFamily="34" charset="-120"/>
+              </a:rPr>
+              <a:t>台灣民意調查基金會今（</a:t>
+            </a:r>
+            <a:r>
+              <a:rPr lang="en-US" altLang="zh-TW" sz="1000" dirty="0">
+                <a:latin typeface="微軟正黑體" panose="020B0604030504040204" pitchFamily="34" charset="-120"/>
+                <a:ea typeface="微軟正黑體" panose="020B0604030504040204" pitchFamily="34" charset="-120"/>
+              </a:rPr>
+              <a:t>24</a:t>
+            </a:r>
+            <a:r>
+              <a:rPr lang="zh-TW" altLang="en-US" sz="1000" dirty="0">
+                <a:latin typeface="微軟正黑體" panose="020B0604030504040204" pitchFamily="34" charset="-120"/>
+                <a:ea typeface="微軟正黑體" panose="020B0604030504040204" pitchFamily="34" charset="-120"/>
+              </a:rPr>
+              <a:t>）日公布民調顯示，在政治人物的好感度方面，剛連任的台北市長柯文哲以（</a:t>
+            </a:r>
+            <a:r>
+              <a:rPr lang="en-US" altLang="zh-TW" sz="1000" dirty="0">
+                <a:latin typeface="微軟正黑體" panose="020B0604030504040204" pitchFamily="34" charset="-120"/>
+                <a:ea typeface="微軟正黑體" panose="020B0604030504040204" pitchFamily="34" charset="-120"/>
+              </a:rPr>
+              <a:t>65.81</a:t>
+            </a:r>
+            <a:r>
+              <a:rPr lang="zh-TW" altLang="en-US" sz="1000" dirty="0">
+                <a:latin typeface="微軟正黑體" panose="020B0604030504040204" pitchFamily="34" charset="-120"/>
+                <a:ea typeface="微軟正黑體" panose="020B0604030504040204" pitchFamily="34" charset="-120"/>
+              </a:rPr>
+              <a:t>度）領先高雄市長韓國瑜等政治人物。 </a:t>
+            </a:r>
+            <a:endParaRPr lang="en-US" altLang="zh-TW" sz="1000" dirty="0" smtClean="0">
+              <a:latin typeface="微軟正黑體" panose="020B0604030504040204" pitchFamily="34" charset="-120"/>
+              <a:ea typeface="微軟正黑體" panose="020B0604030504040204" pitchFamily="34" charset="-120"/>
+            </a:endParaRPr>
+          </a:p>
+          <a:p>
+            <a:r>
+              <a:rPr lang="en-US" altLang="zh-TW" sz="1000" dirty="0" smtClean="0">
+                <a:latin typeface="微軟正黑體" panose="020B0604030504040204" pitchFamily="34" charset="-120"/>
+                <a:ea typeface="微軟正黑體" panose="020B0604030504040204" pitchFamily="34" charset="-120"/>
+              </a:rPr>
+              <a:t>2 </a:t>
+            </a:r>
+            <a:r>
+              <a:rPr lang="zh-TW" altLang="en-US" sz="1000" dirty="0">
+                <a:latin typeface="微軟正黑體" panose="020B0604030504040204" pitchFamily="34" charset="-120"/>
+                <a:ea typeface="微軟正黑體" panose="020B0604030504040204" pitchFamily="34" charset="-120"/>
+              </a:rPr>
+              <a:t>至於如果柯</a:t>
+            </a:r>
+            <a:r>
+              <a:rPr lang="en-US" altLang="zh-TW" sz="1000" dirty="0">
+                <a:latin typeface="微軟正黑體" panose="020B0604030504040204" pitchFamily="34" charset="-120"/>
+                <a:ea typeface="微軟正黑體" panose="020B0604030504040204" pitchFamily="34" charset="-120"/>
+              </a:rPr>
+              <a:t>P</a:t>
+            </a:r>
+            <a:r>
+              <a:rPr lang="zh-TW" altLang="en-US" sz="1000" dirty="0">
+                <a:latin typeface="微軟正黑體" panose="020B0604030504040204" pitchFamily="34" charset="-120"/>
+                <a:ea typeface="微軟正黑體" panose="020B0604030504040204" pitchFamily="34" charset="-120"/>
+              </a:rPr>
+              <a:t>尋求參選下任總統，民調顯示，有</a:t>
+            </a:r>
+            <a:r>
+              <a:rPr lang="en-US" altLang="zh-TW" sz="1000" dirty="0">
+                <a:latin typeface="微軟正黑體" panose="020B0604030504040204" pitchFamily="34" charset="-120"/>
+                <a:ea typeface="微軟正黑體" panose="020B0604030504040204" pitchFamily="34" charset="-120"/>
+              </a:rPr>
+              <a:t>4</a:t>
+            </a:r>
+            <a:r>
+              <a:rPr lang="zh-TW" altLang="en-US" sz="1000" dirty="0">
+                <a:latin typeface="微軟正黑體" panose="020B0604030504040204" pitchFamily="34" charset="-120"/>
+                <a:ea typeface="微軟正黑體" panose="020B0604030504040204" pitchFamily="34" charset="-120"/>
+              </a:rPr>
+              <a:t>成</a:t>
+            </a:r>
+            <a:r>
+              <a:rPr lang="en-US" altLang="zh-TW" sz="1000" dirty="0">
+                <a:latin typeface="微軟正黑體" panose="020B0604030504040204" pitchFamily="34" charset="-120"/>
+                <a:ea typeface="微軟正黑體" panose="020B0604030504040204" pitchFamily="34" charset="-120"/>
+              </a:rPr>
+              <a:t>4</a:t>
+            </a:r>
+            <a:r>
+              <a:rPr lang="zh-TW" altLang="en-US" sz="1000" dirty="0">
+                <a:latin typeface="微軟正黑體" panose="020B0604030504040204" pitchFamily="34" charset="-120"/>
+                <a:ea typeface="微軟正黑體" panose="020B0604030504040204" pitchFamily="34" charset="-120"/>
+              </a:rPr>
+              <a:t>的民眾支持，但有</a:t>
+            </a:r>
+            <a:r>
+              <a:rPr lang="en-US" altLang="zh-TW" sz="1000" dirty="0">
+                <a:latin typeface="微軟正黑體" panose="020B0604030504040204" pitchFamily="34" charset="-120"/>
+                <a:ea typeface="微軟正黑體" panose="020B0604030504040204" pitchFamily="34" charset="-120"/>
+              </a:rPr>
+              <a:t>5</a:t>
+            </a:r>
+            <a:r>
+              <a:rPr lang="zh-TW" altLang="en-US" sz="1000" dirty="0">
+                <a:latin typeface="微軟正黑體" panose="020B0604030504040204" pitchFamily="34" charset="-120"/>
+                <a:ea typeface="微軟正黑體" panose="020B0604030504040204" pitchFamily="34" charset="-120"/>
+              </a:rPr>
+              <a:t>成的人反對，反對的人多於支持的人。 </a:t>
+            </a:r>
+            <a:endParaRPr lang="en-US" altLang="zh-TW" sz="1000" dirty="0" smtClean="0">
+              <a:latin typeface="微軟正黑體" panose="020B0604030504040204" pitchFamily="34" charset="-120"/>
+              <a:ea typeface="微軟正黑體" panose="020B0604030504040204" pitchFamily="34" charset="-120"/>
+            </a:endParaRPr>
+          </a:p>
+          <a:p>
+            <a:r>
+              <a:rPr lang="en-US" altLang="zh-TW" sz="1000" dirty="0" smtClean="0">
+                <a:latin typeface="微軟正黑體" panose="020B0604030504040204" pitchFamily="34" charset="-120"/>
+                <a:ea typeface="微軟正黑體" panose="020B0604030504040204" pitchFamily="34" charset="-120"/>
+              </a:rPr>
+              <a:t>3 </a:t>
+            </a:r>
+            <a:r>
+              <a:rPr lang="zh-TW" altLang="en-US" sz="1000" dirty="0">
+                <a:latin typeface="微軟正黑體" panose="020B0604030504040204" pitchFamily="34" charset="-120"/>
+                <a:ea typeface="微軟正黑體" panose="020B0604030504040204" pitchFamily="34" charset="-120"/>
+              </a:rPr>
+              <a:t>台灣民意基金會董事長游盈隆今天上午召開「</a:t>
+            </a:r>
+            <a:r>
+              <a:rPr lang="en-US" altLang="zh-TW" sz="1000" dirty="0">
+                <a:latin typeface="微軟正黑體" panose="020B0604030504040204" pitchFamily="34" charset="-120"/>
+                <a:ea typeface="微軟正黑體" panose="020B0604030504040204" pitchFamily="34" charset="-120"/>
+              </a:rPr>
+              <a:t>2018</a:t>
+            </a:r>
+            <a:r>
+              <a:rPr lang="zh-TW" altLang="en-US" sz="1000" dirty="0">
+                <a:latin typeface="微軟正黑體" panose="020B0604030504040204" pitchFamily="34" charset="-120"/>
+                <a:ea typeface="微軟正黑體" panose="020B0604030504040204" pitchFamily="34" charset="-120"/>
+              </a:rPr>
+              <a:t>年終台灣重大民意走向」記者會。 </a:t>
+            </a:r>
+            <a:endParaRPr lang="en-US" altLang="zh-TW" sz="1000" dirty="0" smtClean="0">
+              <a:latin typeface="微軟正黑體" panose="020B0604030504040204" pitchFamily="34" charset="-120"/>
+              <a:ea typeface="微軟正黑體" panose="020B0604030504040204" pitchFamily="34" charset="-120"/>
+            </a:endParaRPr>
+          </a:p>
+          <a:p>
+            <a:r>
+              <a:rPr lang="en-US" altLang="zh-TW" sz="1000" dirty="0" smtClean="0">
+                <a:latin typeface="微軟正黑體" panose="020B0604030504040204" pitchFamily="34" charset="-120"/>
+                <a:ea typeface="微軟正黑體" panose="020B0604030504040204" pitchFamily="34" charset="-120"/>
+              </a:rPr>
+              <a:t>4 </a:t>
+            </a:r>
+            <a:r>
+              <a:rPr lang="zh-TW" altLang="en-US" sz="1000" dirty="0">
+                <a:latin typeface="微軟正黑體" panose="020B0604030504040204" pitchFamily="34" charset="-120"/>
+                <a:ea typeface="微軟正黑體" panose="020B0604030504040204" pitchFamily="34" charset="-120"/>
+              </a:rPr>
+              <a:t>此次調查重點包括蔡英文總統聲望、賴清德內閣的施政表現、蔡英文總統兩岸表現的民意反應、台灣人對主要政治人的感情溫度、台灣人對</a:t>
+            </a:r>
+            <a:r>
+              <a:rPr lang="en-US" altLang="zh-TW" sz="1000" dirty="0">
+                <a:latin typeface="微軟正黑體" panose="020B0604030504040204" pitchFamily="34" charset="-120"/>
+                <a:ea typeface="微軟正黑體" panose="020B0604030504040204" pitchFamily="34" charset="-120"/>
+              </a:rPr>
+              <a:t>2020</a:t>
+            </a:r>
+            <a:r>
+              <a:rPr lang="zh-TW" altLang="en-US" sz="1000" dirty="0">
+                <a:latin typeface="微軟正黑體" panose="020B0604030504040204" pitchFamily="34" charset="-120"/>
+                <a:ea typeface="微軟正黑體" panose="020B0604030504040204" pitchFamily="34" charset="-120"/>
+              </a:rPr>
+              <a:t>主要總統可能人選的支持傾向、台灣人的統獨傾向、台灣人的政黨認同。 </a:t>
+            </a:r>
+            <a:endParaRPr lang="en-US" altLang="zh-TW" sz="1000" dirty="0" smtClean="0">
+              <a:latin typeface="微軟正黑體" panose="020B0604030504040204" pitchFamily="34" charset="-120"/>
+              <a:ea typeface="微軟正黑體" panose="020B0604030504040204" pitchFamily="34" charset="-120"/>
+            </a:endParaRPr>
+          </a:p>
+          <a:p>
+            <a:r>
+              <a:rPr lang="en-US" altLang="zh-TW" sz="1000" dirty="0" smtClean="0">
+                <a:latin typeface="微軟正黑體" panose="020B0604030504040204" pitchFamily="34" charset="-120"/>
+                <a:ea typeface="微軟正黑體" panose="020B0604030504040204" pitchFamily="34" charset="-120"/>
+              </a:rPr>
+              <a:t>5 </a:t>
+            </a:r>
+            <a:r>
+              <a:rPr lang="zh-TW" altLang="en-US" sz="1000" dirty="0">
+                <a:latin typeface="微軟正黑體" panose="020B0604030504040204" pitchFamily="34" charset="-120"/>
+                <a:ea typeface="微軟正黑體" panose="020B0604030504040204" pitchFamily="34" charset="-120"/>
+              </a:rPr>
+              <a:t>關於台灣人對主要政治人物的感情溫度，民調顯示，台北市長最高（</a:t>
+            </a:r>
+            <a:r>
+              <a:rPr lang="en-US" altLang="zh-TW" sz="1000" dirty="0">
+                <a:latin typeface="微軟正黑體" panose="020B0604030504040204" pitchFamily="34" charset="-120"/>
+                <a:ea typeface="微軟正黑體" panose="020B0604030504040204" pitchFamily="34" charset="-120"/>
+              </a:rPr>
+              <a:t>65.81</a:t>
+            </a:r>
+            <a:r>
+              <a:rPr lang="zh-TW" altLang="en-US" sz="1000" dirty="0">
+                <a:latin typeface="微軟正黑體" panose="020B0604030504040204" pitchFamily="34" charset="-120"/>
+                <a:ea typeface="微軟正黑體" panose="020B0604030504040204" pitchFamily="34" charset="-120"/>
+              </a:rPr>
+              <a:t>度）、其次是高雄市長韓國瑜（</a:t>
+            </a:r>
+            <a:r>
+              <a:rPr lang="en-US" altLang="zh-TW" sz="1000" dirty="0">
+                <a:latin typeface="微軟正黑體" panose="020B0604030504040204" pitchFamily="34" charset="-120"/>
+                <a:ea typeface="微軟正黑體" panose="020B0604030504040204" pitchFamily="34" charset="-120"/>
+              </a:rPr>
+              <a:t>62.12</a:t>
+            </a:r>
+            <a:r>
+              <a:rPr lang="zh-TW" altLang="en-US" sz="1000" dirty="0">
+                <a:latin typeface="微軟正黑體" panose="020B0604030504040204" pitchFamily="34" charset="-120"/>
+                <a:ea typeface="微軟正黑體" panose="020B0604030504040204" pitchFamily="34" charset="-120"/>
+              </a:rPr>
+              <a:t>度），第三是新北市長侯友宜（</a:t>
+            </a:r>
+            <a:r>
+              <a:rPr lang="en-US" altLang="zh-TW" sz="1000" dirty="0">
+                <a:latin typeface="微軟正黑體" panose="020B0604030504040204" pitchFamily="34" charset="-120"/>
+                <a:ea typeface="微軟正黑體" panose="020B0604030504040204" pitchFamily="34" charset="-120"/>
+              </a:rPr>
+              <a:t>59.79</a:t>
+            </a:r>
+            <a:r>
+              <a:rPr lang="zh-TW" altLang="en-US" sz="1000" dirty="0">
+                <a:latin typeface="微軟正黑體" panose="020B0604030504040204" pitchFamily="34" charset="-120"/>
+                <a:ea typeface="微軟正黑體" panose="020B0604030504040204" pitchFamily="34" charset="-120"/>
+              </a:rPr>
+              <a:t>度）、第四是行政院長賴清德（</a:t>
+            </a:r>
+            <a:r>
+              <a:rPr lang="en-US" altLang="zh-TW" sz="1000" dirty="0">
+                <a:latin typeface="微軟正黑體" panose="020B0604030504040204" pitchFamily="34" charset="-120"/>
+                <a:ea typeface="微軟正黑體" panose="020B0604030504040204" pitchFamily="34" charset="-120"/>
+              </a:rPr>
+              <a:t>53.818</a:t>
+            </a:r>
+            <a:r>
+              <a:rPr lang="zh-TW" altLang="en-US" sz="1000" dirty="0">
+                <a:latin typeface="微軟正黑體" panose="020B0604030504040204" pitchFamily="34" charset="-120"/>
+                <a:ea typeface="微軟正黑體" panose="020B0604030504040204" pitchFamily="34" charset="-120"/>
+              </a:rPr>
+              <a:t>度）、第五是蔡英文總統（</a:t>
+            </a:r>
+            <a:r>
+              <a:rPr lang="en-US" altLang="zh-TW" sz="1000" dirty="0">
+                <a:latin typeface="微軟正黑體" panose="020B0604030504040204" pitchFamily="34" charset="-120"/>
+                <a:ea typeface="微軟正黑體" panose="020B0604030504040204" pitchFamily="34" charset="-120"/>
+              </a:rPr>
+              <a:t>42.98</a:t>
+            </a:r>
+            <a:r>
+              <a:rPr lang="zh-TW" altLang="en-US" sz="1000" dirty="0">
+                <a:latin typeface="微軟正黑體" panose="020B0604030504040204" pitchFamily="34" charset="-120"/>
+                <a:ea typeface="微軟正黑體" panose="020B0604030504040204" pitchFamily="34" charset="-120"/>
+              </a:rPr>
+              <a:t>度）。 </a:t>
+            </a:r>
+            <a:endParaRPr lang="en-US" altLang="zh-TW" sz="1000" dirty="0" smtClean="0">
+              <a:latin typeface="微軟正黑體" panose="020B0604030504040204" pitchFamily="34" charset="-120"/>
+              <a:ea typeface="微軟正黑體" panose="020B0604030504040204" pitchFamily="34" charset="-120"/>
+            </a:endParaRPr>
+          </a:p>
+          <a:p>
+            <a:r>
+              <a:rPr lang="en-US" altLang="zh-TW" sz="1000" dirty="0" smtClean="0">
+                <a:latin typeface="微軟正黑體" panose="020B0604030504040204" pitchFamily="34" charset="-120"/>
+                <a:ea typeface="微軟正黑體" panose="020B0604030504040204" pitchFamily="34" charset="-120"/>
+              </a:rPr>
+              <a:t>6 </a:t>
+            </a:r>
+            <a:r>
+              <a:rPr lang="zh-TW" altLang="en-US" sz="1000" dirty="0">
+                <a:latin typeface="微軟正黑體" panose="020B0604030504040204" pitchFamily="34" charset="-120"/>
+                <a:ea typeface="微軟正黑體" panose="020B0604030504040204" pitchFamily="34" charset="-120"/>
+              </a:rPr>
+              <a:t>至於柯文哲若參選下任總統？ </a:t>
+            </a:r>
+            <a:endParaRPr lang="en-US" altLang="zh-TW" sz="1000" dirty="0" smtClean="0">
+              <a:latin typeface="微軟正黑體" panose="020B0604030504040204" pitchFamily="34" charset="-120"/>
+              <a:ea typeface="微軟正黑體" panose="020B0604030504040204" pitchFamily="34" charset="-120"/>
+            </a:endParaRPr>
+          </a:p>
+          <a:p>
+            <a:r>
+              <a:rPr lang="en-US" altLang="zh-TW" sz="1000" dirty="0" smtClean="0">
+                <a:latin typeface="微軟正黑體" panose="020B0604030504040204" pitchFamily="34" charset="-120"/>
+                <a:ea typeface="微軟正黑體" panose="020B0604030504040204" pitchFamily="34" charset="-120"/>
+              </a:rPr>
+              <a:t>7 </a:t>
+            </a:r>
+            <a:r>
+              <a:rPr lang="zh-TW" altLang="en-US" sz="1000" dirty="0">
+                <a:latin typeface="微軟正黑體" panose="020B0604030504040204" pitchFamily="34" charset="-120"/>
+                <a:ea typeface="微軟正黑體" panose="020B0604030504040204" pitchFamily="34" charset="-120"/>
+              </a:rPr>
+              <a:t>民調顯示，有</a:t>
+            </a:r>
+            <a:r>
+              <a:rPr lang="en-US" altLang="zh-TW" sz="1000" dirty="0">
+                <a:latin typeface="微軟正黑體" panose="020B0604030504040204" pitchFamily="34" charset="-120"/>
+                <a:ea typeface="微軟正黑體" panose="020B0604030504040204" pitchFamily="34" charset="-120"/>
+              </a:rPr>
+              <a:t>18.3%</a:t>
+            </a:r>
+            <a:r>
+              <a:rPr lang="zh-TW" altLang="en-US" sz="1000" dirty="0">
+                <a:latin typeface="微軟正黑體" panose="020B0604030504040204" pitchFamily="34" charset="-120"/>
+                <a:ea typeface="微軟正黑體" panose="020B0604030504040204" pitchFamily="34" charset="-120"/>
+              </a:rPr>
+              <a:t>非常支持，</a:t>
+            </a:r>
+            <a:r>
+              <a:rPr lang="en-US" altLang="zh-TW" sz="1000" dirty="0">
+                <a:latin typeface="微軟正黑體" panose="020B0604030504040204" pitchFamily="34" charset="-120"/>
+                <a:ea typeface="微軟正黑體" panose="020B0604030504040204" pitchFamily="34" charset="-120"/>
+              </a:rPr>
+              <a:t>25.5%</a:t>
+            </a:r>
+            <a:r>
+              <a:rPr lang="zh-TW" altLang="en-US" sz="1000" dirty="0">
+                <a:latin typeface="微軟正黑體" panose="020B0604030504040204" pitchFamily="34" charset="-120"/>
+                <a:ea typeface="微軟正黑體" panose="020B0604030504040204" pitchFamily="34" charset="-120"/>
+              </a:rPr>
+              <a:t>還算支持，</a:t>
+            </a:r>
+            <a:r>
+              <a:rPr lang="en-US" altLang="zh-TW" sz="1000" dirty="0">
+                <a:latin typeface="微軟正黑體" panose="020B0604030504040204" pitchFamily="34" charset="-120"/>
+                <a:ea typeface="微軟正黑體" panose="020B0604030504040204" pitchFamily="34" charset="-120"/>
+              </a:rPr>
+              <a:t>25.1%</a:t>
+            </a:r>
+            <a:r>
+              <a:rPr lang="zh-TW" altLang="en-US" sz="1000" dirty="0">
+                <a:latin typeface="微軟正黑體" panose="020B0604030504040204" pitchFamily="34" charset="-120"/>
+                <a:ea typeface="微軟正黑體" panose="020B0604030504040204" pitchFamily="34" charset="-120"/>
+              </a:rPr>
+              <a:t>不太支持，</a:t>
+            </a:r>
+            <a:r>
+              <a:rPr lang="en-US" altLang="zh-TW" sz="1000" dirty="0">
+                <a:latin typeface="微軟正黑體" panose="020B0604030504040204" pitchFamily="34" charset="-120"/>
+                <a:ea typeface="微軟正黑體" panose="020B0604030504040204" pitchFamily="34" charset="-120"/>
+              </a:rPr>
+              <a:t>24.8%</a:t>
+            </a:r>
+            <a:r>
+              <a:rPr lang="zh-TW" altLang="en-US" sz="1000" dirty="0">
+                <a:latin typeface="微軟正黑體" panose="020B0604030504040204" pitchFamily="34" charset="-120"/>
+                <a:ea typeface="微軟正黑體" panose="020B0604030504040204" pitchFamily="34" charset="-120"/>
+              </a:rPr>
+              <a:t>一點也不支持，</a:t>
+            </a:r>
+            <a:r>
+              <a:rPr lang="en-US" altLang="zh-TW" sz="1000" dirty="0">
+                <a:latin typeface="微軟正黑體" panose="020B0604030504040204" pitchFamily="34" charset="-120"/>
+                <a:ea typeface="微軟正黑體" panose="020B0604030504040204" pitchFamily="34" charset="-120"/>
+              </a:rPr>
+              <a:t>6.3%</a:t>
+            </a:r>
+            <a:r>
+              <a:rPr lang="zh-TW" altLang="en-US" sz="1000" dirty="0">
+                <a:latin typeface="微軟正黑體" panose="020B0604030504040204" pitchFamily="34" charset="-120"/>
+                <a:ea typeface="微軟正黑體" panose="020B0604030504040204" pitchFamily="34" charset="-120"/>
+              </a:rPr>
+              <a:t>沒意見、不知道、拒答。 </a:t>
+            </a:r>
+            <a:endParaRPr lang="en-US" altLang="zh-TW" sz="1000" dirty="0" smtClean="0">
+              <a:latin typeface="微軟正黑體" panose="020B0604030504040204" pitchFamily="34" charset="-120"/>
+              <a:ea typeface="微軟正黑體" panose="020B0604030504040204" pitchFamily="34" charset="-120"/>
+            </a:endParaRPr>
+          </a:p>
+          <a:p>
+            <a:r>
+              <a:rPr lang="en-US" altLang="zh-TW" sz="1000" dirty="0" smtClean="0">
+                <a:latin typeface="微軟正黑體" panose="020B0604030504040204" pitchFamily="34" charset="-120"/>
+                <a:ea typeface="微軟正黑體" panose="020B0604030504040204" pitchFamily="34" charset="-120"/>
+              </a:rPr>
+              <a:t>8 </a:t>
+            </a:r>
+            <a:r>
+              <a:rPr lang="zh-TW" altLang="en-US" sz="1000" dirty="0">
+                <a:latin typeface="微軟正黑體" panose="020B0604030504040204" pitchFamily="34" charset="-120"/>
+                <a:ea typeface="微軟正黑體" panose="020B0604030504040204" pitchFamily="34" charset="-120"/>
+              </a:rPr>
+              <a:t>換句話說，在二十歲以上的台灣人當中，有四成四的人基本上支持柯文哲參選下一屆總統，但有五成的人反對，反對的人多於支持的人。</a:t>
+            </a:r>
+            <a:endParaRPr lang="zh-TW" altLang="en-US" sz="1000" dirty="0">
+              <a:latin typeface="微軟正黑體" panose="020B0604030504040204" pitchFamily="34" charset="-120"/>
+              <a:ea typeface="微軟正黑體" panose="020B0604030504040204" pitchFamily="34" charset="-120"/>
+            </a:endParaRPr>
           </a:p>
         </p:txBody>
       </p:sp>
       <p:sp>
         <p:nvSpPr>
-          <p:cNvPr id="11" name="文字方塊 10"/>
+          <p:cNvPr id="14" name="文字方塊 13"/>
           <p:cNvSpPr txBox="1"/>
           <p:nvPr/>
         </p:nvSpPr>
         <p:spPr>
           <a:xfrm>
-            <a:off x="4295897" y="4437112"/>
+            <a:off x="4644007" y="4653136"/>
             <a:ext cx="4392488" cy="2016224"/>
           </a:xfrm>
           <a:prstGeom prst="rect">
@@ -11905,10 +14713,323 @@
           <a:lstStyle/>
           <a:p>
             <a:r>
-              <a:rPr lang="zh-TW" altLang="en-US" dirty="0" smtClean="0"/>
-              <a:t>摘要結果</a:t>
-            </a:r>
-            <a:endParaRPr lang="zh-TW" altLang="en-US" dirty="0"/>
+              <a:rPr lang="zh-TW" altLang="en-US" sz="1100" b="1" u="sng" dirty="0">
+                <a:latin typeface="微軟正黑體" panose="020B0604030504040204" pitchFamily="34" charset="-120"/>
+                <a:ea typeface="微軟正黑體" panose="020B0604030504040204" pitchFamily="34" charset="-120"/>
+              </a:rPr>
+              <a:t>標題</a:t>
+            </a:r>
+            <a:r>
+              <a:rPr lang="en-US" altLang="zh-TW" sz="1100" b="1" u="sng" dirty="0">
+                <a:latin typeface="微軟正黑體" panose="020B0604030504040204" pitchFamily="34" charset="-120"/>
+                <a:ea typeface="微軟正黑體" panose="020B0604030504040204" pitchFamily="34" charset="-120"/>
+              </a:rPr>
+              <a:t>: 《</a:t>
+            </a:r>
+            <a:r>
+              <a:rPr lang="zh-TW" altLang="en-US" sz="1100" b="1" u="sng" dirty="0">
+                <a:latin typeface="微軟正黑體" panose="020B0604030504040204" pitchFamily="34" charset="-120"/>
+                <a:ea typeface="微軟正黑體" panose="020B0604030504040204" pitchFamily="34" charset="-120"/>
+              </a:rPr>
+              <a:t>柯文哲若尋求下任總統　民調：</a:t>
+            </a:r>
+            <a:r>
+              <a:rPr lang="en-US" altLang="zh-TW" sz="1100" b="1" u="sng" dirty="0">
+                <a:latin typeface="微軟正黑體" panose="020B0604030504040204" pitchFamily="34" charset="-120"/>
+                <a:ea typeface="微軟正黑體" panose="020B0604030504040204" pitchFamily="34" charset="-120"/>
+              </a:rPr>
+              <a:t>4</a:t>
+            </a:r>
+            <a:r>
+              <a:rPr lang="zh-TW" altLang="en-US" sz="1100" b="1" u="sng" dirty="0">
+                <a:latin typeface="微軟正黑體" panose="020B0604030504040204" pitchFamily="34" charset="-120"/>
+                <a:ea typeface="微軟正黑體" panose="020B0604030504040204" pitchFamily="34" charset="-120"/>
+              </a:rPr>
+              <a:t>成</a:t>
+            </a:r>
+            <a:r>
+              <a:rPr lang="en-US" altLang="zh-TW" sz="1100" b="1" u="sng" dirty="0">
+                <a:latin typeface="微軟正黑體" panose="020B0604030504040204" pitchFamily="34" charset="-120"/>
+                <a:ea typeface="微軟正黑體" panose="020B0604030504040204" pitchFamily="34" charset="-120"/>
+              </a:rPr>
+              <a:t>4</a:t>
+            </a:r>
+            <a:r>
+              <a:rPr lang="zh-TW" altLang="en-US" sz="1100" b="1" u="sng" dirty="0">
+                <a:latin typeface="微軟正黑體" panose="020B0604030504040204" pitchFamily="34" charset="-120"/>
+                <a:ea typeface="微軟正黑體" panose="020B0604030504040204" pitchFamily="34" charset="-120"/>
+              </a:rPr>
+              <a:t>民眾支持、</a:t>
+            </a:r>
+            <a:r>
+              <a:rPr lang="en-US" altLang="zh-TW" sz="1100" b="1" u="sng" dirty="0">
+                <a:latin typeface="微軟正黑體" panose="020B0604030504040204" pitchFamily="34" charset="-120"/>
+                <a:ea typeface="微軟正黑體" panose="020B0604030504040204" pitchFamily="34" charset="-120"/>
+              </a:rPr>
+              <a:t>5</a:t>
+            </a:r>
+            <a:r>
+              <a:rPr lang="zh-TW" altLang="en-US" sz="1100" b="1" u="sng" dirty="0">
+                <a:latin typeface="微軟正黑體" panose="020B0604030504040204" pitchFamily="34" charset="-120"/>
+                <a:ea typeface="微軟正黑體" panose="020B0604030504040204" pitchFamily="34" charset="-120"/>
+              </a:rPr>
+              <a:t>成反對</a:t>
+            </a:r>
+            <a:r>
+              <a:rPr lang="en-US" altLang="zh-TW" sz="1100" b="1" u="sng" dirty="0">
+                <a:latin typeface="微軟正黑體" panose="020B0604030504040204" pitchFamily="34" charset="-120"/>
+                <a:ea typeface="微軟正黑體" panose="020B0604030504040204" pitchFamily="34" charset="-120"/>
+              </a:rPr>
+              <a:t>》 </a:t>
+            </a:r>
+            <a:r>
+              <a:rPr lang="en-US" altLang="zh-TW" sz="1100" b="1" u="sng" dirty="0" smtClean="0">
+                <a:latin typeface="微軟正黑體" panose="020B0604030504040204" pitchFamily="34" charset="-120"/>
+                <a:ea typeface="微軟正黑體" panose="020B0604030504040204" pitchFamily="34" charset="-120"/>
+              </a:rPr>
+              <a:t> </a:t>
+            </a:r>
+          </a:p>
+          <a:p>
+            <a:r>
+              <a:rPr lang="en-US" altLang="zh-TW" sz="1000" dirty="0" smtClean="0">
+                <a:latin typeface="微軟正黑體" panose="020B0604030504040204" pitchFamily="34" charset="-120"/>
+                <a:ea typeface="微軟正黑體" panose="020B0604030504040204" pitchFamily="34" charset="-120"/>
+              </a:rPr>
+              <a:t>0 </a:t>
+            </a:r>
+            <a:r>
+              <a:rPr lang="zh-TW" altLang="en-US" sz="1000" dirty="0">
+                <a:latin typeface="微軟正黑體" panose="020B0604030504040204" pitchFamily="34" charset="-120"/>
+                <a:ea typeface="微軟正黑體" panose="020B0604030504040204" pitchFamily="34" charset="-120"/>
+              </a:rPr>
+              <a:t>九合一選舉過後，誰來角逐</a:t>
+            </a:r>
+            <a:r>
+              <a:rPr lang="en-US" altLang="zh-TW" sz="1000" dirty="0">
+                <a:latin typeface="微軟正黑體" panose="020B0604030504040204" pitchFamily="34" charset="-120"/>
+                <a:ea typeface="微軟正黑體" panose="020B0604030504040204" pitchFamily="34" charset="-120"/>
+              </a:rPr>
+              <a:t>2020</a:t>
+            </a:r>
+            <a:r>
+              <a:rPr lang="zh-TW" altLang="en-US" sz="1000" dirty="0">
+                <a:latin typeface="微軟正黑體" panose="020B0604030504040204" pitchFamily="34" charset="-120"/>
+                <a:ea typeface="微軟正黑體" panose="020B0604030504040204" pitchFamily="34" charset="-120"/>
+              </a:rPr>
+              <a:t>引發關注</a:t>
+            </a:r>
+            <a:r>
+              <a:rPr lang="zh-TW" altLang="en-US" sz="1000" dirty="0" smtClean="0">
+                <a:latin typeface="微軟正黑體" panose="020B0604030504040204" pitchFamily="34" charset="-120"/>
+                <a:ea typeface="微軟正黑體" panose="020B0604030504040204" pitchFamily="34" charset="-120"/>
+              </a:rPr>
+              <a:t>。</a:t>
+            </a:r>
+            <a:endParaRPr lang="en-US" altLang="zh-TW" sz="1000" dirty="0" smtClean="0">
+              <a:latin typeface="微軟正黑體" panose="020B0604030504040204" pitchFamily="34" charset="-120"/>
+              <a:ea typeface="微軟正黑體" panose="020B0604030504040204" pitchFamily="34" charset="-120"/>
+            </a:endParaRPr>
+          </a:p>
+          <a:p>
+            <a:r>
+              <a:rPr lang="en-US" altLang="zh-TW" sz="1000" dirty="0" smtClean="0">
+                <a:latin typeface="微軟正黑體" panose="020B0604030504040204" pitchFamily="34" charset="-120"/>
+                <a:ea typeface="微軟正黑體" panose="020B0604030504040204" pitchFamily="34" charset="-120"/>
+              </a:rPr>
+              <a:t>2 </a:t>
+            </a:r>
+            <a:r>
+              <a:rPr lang="zh-TW" altLang="en-US" sz="1000" dirty="0">
+                <a:latin typeface="微軟正黑體" panose="020B0604030504040204" pitchFamily="34" charset="-120"/>
+                <a:ea typeface="微軟正黑體" panose="020B0604030504040204" pitchFamily="34" charset="-120"/>
+              </a:rPr>
+              <a:t>至於如果柯</a:t>
+            </a:r>
+            <a:r>
+              <a:rPr lang="en-US" altLang="zh-TW" sz="1000" dirty="0">
+                <a:latin typeface="微軟正黑體" panose="020B0604030504040204" pitchFamily="34" charset="-120"/>
+                <a:ea typeface="微軟正黑體" panose="020B0604030504040204" pitchFamily="34" charset="-120"/>
+              </a:rPr>
+              <a:t>P</a:t>
+            </a:r>
+            <a:r>
+              <a:rPr lang="zh-TW" altLang="en-US" sz="1000" dirty="0">
+                <a:latin typeface="微軟正黑體" panose="020B0604030504040204" pitchFamily="34" charset="-120"/>
+                <a:ea typeface="微軟正黑體" panose="020B0604030504040204" pitchFamily="34" charset="-120"/>
+              </a:rPr>
+              <a:t>尋求參選下任總統，民調顯示，有</a:t>
+            </a:r>
+            <a:r>
+              <a:rPr lang="en-US" altLang="zh-TW" sz="1000" dirty="0">
+                <a:latin typeface="微軟正黑體" panose="020B0604030504040204" pitchFamily="34" charset="-120"/>
+                <a:ea typeface="微軟正黑體" panose="020B0604030504040204" pitchFamily="34" charset="-120"/>
+              </a:rPr>
+              <a:t>4</a:t>
+            </a:r>
+            <a:r>
+              <a:rPr lang="zh-TW" altLang="en-US" sz="1000" dirty="0">
+                <a:latin typeface="微軟正黑體" panose="020B0604030504040204" pitchFamily="34" charset="-120"/>
+                <a:ea typeface="微軟正黑體" panose="020B0604030504040204" pitchFamily="34" charset="-120"/>
+              </a:rPr>
+              <a:t>成</a:t>
+            </a:r>
+            <a:r>
+              <a:rPr lang="en-US" altLang="zh-TW" sz="1000" dirty="0">
+                <a:latin typeface="微軟正黑體" panose="020B0604030504040204" pitchFamily="34" charset="-120"/>
+                <a:ea typeface="微軟正黑體" panose="020B0604030504040204" pitchFamily="34" charset="-120"/>
+              </a:rPr>
+              <a:t>4</a:t>
+            </a:r>
+            <a:r>
+              <a:rPr lang="zh-TW" altLang="en-US" sz="1000" dirty="0">
+                <a:latin typeface="微軟正黑體" panose="020B0604030504040204" pitchFamily="34" charset="-120"/>
+                <a:ea typeface="微軟正黑體" panose="020B0604030504040204" pitchFamily="34" charset="-120"/>
+              </a:rPr>
+              <a:t>的民眾支持，但有</a:t>
+            </a:r>
+            <a:r>
+              <a:rPr lang="en-US" altLang="zh-TW" sz="1000" dirty="0">
+                <a:latin typeface="微軟正黑體" panose="020B0604030504040204" pitchFamily="34" charset="-120"/>
+                <a:ea typeface="微軟正黑體" panose="020B0604030504040204" pitchFamily="34" charset="-120"/>
+              </a:rPr>
+              <a:t>5</a:t>
+            </a:r>
+            <a:r>
+              <a:rPr lang="zh-TW" altLang="en-US" sz="1000" dirty="0">
+                <a:latin typeface="微軟正黑體" panose="020B0604030504040204" pitchFamily="34" charset="-120"/>
+                <a:ea typeface="微軟正黑體" panose="020B0604030504040204" pitchFamily="34" charset="-120"/>
+              </a:rPr>
+              <a:t>成的人反對，反對的人多於支持的人。 </a:t>
+            </a:r>
+            <a:endParaRPr lang="en-US" altLang="zh-TW" sz="1000" dirty="0" smtClean="0">
+              <a:latin typeface="微軟正黑體" panose="020B0604030504040204" pitchFamily="34" charset="-120"/>
+              <a:ea typeface="微軟正黑體" panose="020B0604030504040204" pitchFamily="34" charset="-120"/>
+            </a:endParaRPr>
+          </a:p>
+          <a:p>
+            <a:r>
+              <a:rPr lang="en-US" altLang="zh-TW" sz="1000" dirty="0" smtClean="0">
+                <a:latin typeface="微軟正黑體" panose="020B0604030504040204" pitchFamily="34" charset="-120"/>
+                <a:ea typeface="微軟正黑體" panose="020B0604030504040204" pitchFamily="34" charset="-120"/>
+              </a:rPr>
+              <a:t>3 </a:t>
+            </a:r>
+            <a:r>
+              <a:rPr lang="zh-TW" altLang="en-US" sz="1000" dirty="0">
+                <a:latin typeface="微軟正黑體" panose="020B0604030504040204" pitchFamily="34" charset="-120"/>
+                <a:ea typeface="微軟正黑體" panose="020B0604030504040204" pitchFamily="34" charset="-120"/>
+              </a:rPr>
+              <a:t>台灣民意基金會董事長游盈隆今天上午召開「</a:t>
+            </a:r>
+            <a:r>
+              <a:rPr lang="en-US" altLang="zh-TW" sz="1000" dirty="0">
+                <a:latin typeface="微軟正黑體" panose="020B0604030504040204" pitchFamily="34" charset="-120"/>
+                <a:ea typeface="微軟正黑體" panose="020B0604030504040204" pitchFamily="34" charset="-120"/>
+              </a:rPr>
+              <a:t>2018</a:t>
+            </a:r>
+            <a:r>
+              <a:rPr lang="zh-TW" altLang="en-US" sz="1000" dirty="0">
+                <a:latin typeface="微軟正黑體" panose="020B0604030504040204" pitchFamily="34" charset="-120"/>
+                <a:ea typeface="微軟正黑體" panose="020B0604030504040204" pitchFamily="34" charset="-120"/>
+              </a:rPr>
+              <a:t>年終台灣重大民意走向」記者會。 </a:t>
+            </a:r>
+            <a:endParaRPr lang="en-US" altLang="zh-TW" sz="1000" dirty="0" smtClean="0">
+              <a:latin typeface="微軟正黑體" panose="020B0604030504040204" pitchFamily="34" charset="-120"/>
+              <a:ea typeface="微軟正黑體" panose="020B0604030504040204" pitchFamily="34" charset="-120"/>
+            </a:endParaRPr>
+          </a:p>
+          <a:p>
+            <a:r>
+              <a:rPr lang="en-US" altLang="zh-TW" sz="1000" dirty="0" smtClean="0">
+                <a:latin typeface="微軟正黑體" panose="020B0604030504040204" pitchFamily="34" charset="-120"/>
+                <a:ea typeface="微軟正黑體" panose="020B0604030504040204" pitchFamily="34" charset="-120"/>
+              </a:rPr>
+              <a:t>5 </a:t>
+            </a:r>
+            <a:r>
+              <a:rPr lang="zh-TW" altLang="en-US" sz="1000" dirty="0">
+                <a:latin typeface="微軟正黑體" panose="020B0604030504040204" pitchFamily="34" charset="-120"/>
+                <a:ea typeface="微軟正黑體" panose="020B0604030504040204" pitchFamily="34" charset="-120"/>
+              </a:rPr>
+              <a:t>關於台灣人對主要政治人物的感情溫度，民調顯示，台北市長最高（</a:t>
+            </a:r>
+            <a:r>
+              <a:rPr lang="en-US" altLang="zh-TW" sz="1000" dirty="0">
+                <a:latin typeface="微軟正黑體" panose="020B0604030504040204" pitchFamily="34" charset="-120"/>
+                <a:ea typeface="微軟正黑體" panose="020B0604030504040204" pitchFamily="34" charset="-120"/>
+              </a:rPr>
+              <a:t>65.81</a:t>
+            </a:r>
+            <a:r>
+              <a:rPr lang="zh-TW" altLang="en-US" sz="1000" dirty="0">
+                <a:latin typeface="微軟正黑體" panose="020B0604030504040204" pitchFamily="34" charset="-120"/>
+                <a:ea typeface="微軟正黑體" panose="020B0604030504040204" pitchFamily="34" charset="-120"/>
+              </a:rPr>
+              <a:t>度）、其次是高雄市長韓國瑜（</a:t>
+            </a:r>
+            <a:r>
+              <a:rPr lang="en-US" altLang="zh-TW" sz="1000" dirty="0">
+                <a:latin typeface="微軟正黑體" panose="020B0604030504040204" pitchFamily="34" charset="-120"/>
+                <a:ea typeface="微軟正黑體" panose="020B0604030504040204" pitchFamily="34" charset="-120"/>
+              </a:rPr>
+              <a:t>62.12</a:t>
+            </a:r>
+            <a:r>
+              <a:rPr lang="zh-TW" altLang="en-US" sz="1000" dirty="0">
+                <a:latin typeface="微軟正黑體" panose="020B0604030504040204" pitchFamily="34" charset="-120"/>
+                <a:ea typeface="微軟正黑體" panose="020B0604030504040204" pitchFamily="34" charset="-120"/>
+              </a:rPr>
+              <a:t>度），第三是新北市長侯友宜（</a:t>
+            </a:r>
+            <a:r>
+              <a:rPr lang="en-US" altLang="zh-TW" sz="1000" dirty="0">
+                <a:latin typeface="微軟正黑體" panose="020B0604030504040204" pitchFamily="34" charset="-120"/>
+                <a:ea typeface="微軟正黑體" panose="020B0604030504040204" pitchFamily="34" charset="-120"/>
+              </a:rPr>
+              <a:t>59.79</a:t>
+            </a:r>
+            <a:r>
+              <a:rPr lang="zh-TW" altLang="en-US" sz="1000" dirty="0">
+                <a:latin typeface="微軟正黑體" panose="020B0604030504040204" pitchFamily="34" charset="-120"/>
+                <a:ea typeface="微軟正黑體" panose="020B0604030504040204" pitchFamily="34" charset="-120"/>
+              </a:rPr>
+              <a:t>度）、第四是行政院長賴清德（</a:t>
+            </a:r>
+            <a:r>
+              <a:rPr lang="en-US" altLang="zh-TW" sz="1000" dirty="0">
+                <a:latin typeface="微軟正黑體" panose="020B0604030504040204" pitchFamily="34" charset="-120"/>
+                <a:ea typeface="微軟正黑體" panose="020B0604030504040204" pitchFamily="34" charset="-120"/>
+              </a:rPr>
+              <a:t>53.818</a:t>
+            </a:r>
+            <a:r>
+              <a:rPr lang="zh-TW" altLang="en-US" sz="1000" dirty="0">
+                <a:latin typeface="微軟正黑體" panose="020B0604030504040204" pitchFamily="34" charset="-120"/>
+                <a:ea typeface="微軟正黑體" panose="020B0604030504040204" pitchFamily="34" charset="-120"/>
+              </a:rPr>
+              <a:t>度）、第五是蔡英文總統（</a:t>
+            </a:r>
+            <a:r>
+              <a:rPr lang="en-US" altLang="zh-TW" sz="1000" dirty="0">
+                <a:latin typeface="微軟正黑體" panose="020B0604030504040204" pitchFamily="34" charset="-120"/>
+                <a:ea typeface="微軟正黑體" panose="020B0604030504040204" pitchFamily="34" charset="-120"/>
+              </a:rPr>
+              <a:t>42.98</a:t>
+            </a:r>
+            <a:r>
+              <a:rPr lang="zh-TW" altLang="en-US" sz="1000" dirty="0">
+                <a:latin typeface="微軟正黑體" panose="020B0604030504040204" pitchFamily="34" charset="-120"/>
+                <a:ea typeface="微軟正黑體" panose="020B0604030504040204" pitchFamily="34" charset="-120"/>
+              </a:rPr>
+              <a:t>度）。</a:t>
+            </a:r>
+            <a:endParaRPr lang="zh-TW" altLang="en-US" sz="1000" dirty="0">
+              <a:latin typeface="微軟正黑體" panose="020B0604030504040204" pitchFamily="34" charset="-120"/>
+              <a:ea typeface="微軟正黑體" panose="020B0604030504040204" pitchFamily="34" charset="-120"/>
+            </a:endParaRPr>
           </a:p>
         </p:txBody>
       </p:sp>
@@ -12088,7 +15209,7 @@
         <p:spPr>
           <a:xfrm>
             <a:off x="4644008" y="1412776"/>
-            <a:ext cx="4392488" cy="2952328"/>
+            <a:ext cx="4392488" cy="3168352"/>
           </a:xfrm>
           <a:prstGeom prst="rect">
             <a:avLst/>
@@ -12107,10 +15228,521 @@
           <a:lstStyle/>
           <a:p>
             <a:r>
-              <a:rPr lang="zh-TW" altLang="en-US" dirty="0" smtClean="0"/>
-              <a:t>原文</a:t>
-            </a:r>
-            <a:endParaRPr lang="zh-TW" altLang="en-US" dirty="0"/>
+              <a:rPr lang="zh-TW" altLang="en-US" sz="1100" b="1" u="sng" dirty="0">
+                <a:latin typeface="微軟正黑體" panose="020B0604030504040204" pitchFamily="34" charset="-120"/>
+                <a:ea typeface="微軟正黑體" panose="020B0604030504040204" pitchFamily="34" charset="-120"/>
+              </a:rPr>
+              <a:t>標題</a:t>
+            </a:r>
+            <a:r>
+              <a:rPr lang="en-US" altLang="zh-TW" sz="1100" b="1" u="sng" dirty="0">
+                <a:latin typeface="微軟正黑體" panose="020B0604030504040204" pitchFamily="34" charset="-120"/>
+                <a:ea typeface="微軟正黑體" panose="020B0604030504040204" pitchFamily="34" charset="-120"/>
+              </a:rPr>
+              <a:t>: 《</a:t>
+            </a:r>
+            <a:r>
+              <a:rPr lang="zh-TW" altLang="en-US" sz="1100" b="1" u="sng" dirty="0">
+                <a:latin typeface="微軟正黑體" panose="020B0604030504040204" pitchFamily="34" charset="-120"/>
+                <a:ea typeface="微軟正黑體" panose="020B0604030504040204" pitchFamily="34" charset="-120"/>
+              </a:rPr>
+              <a:t>柯文哲若尋求下任總統　民調：</a:t>
+            </a:r>
+            <a:r>
+              <a:rPr lang="en-US" altLang="zh-TW" sz="1100" b="1" u="sng" dirty="0">
+                <a:latin typeface="微軟正黑體" panose="020B0604030504040204" pitchFamily="34" charset="-120"/>
+                <a:ea typeface="微軟正黑體" panose="020B0604030504040204" pitchFamily="34" charset="-120"/>
+              </a:rPr>
+              <a:t>4</a:t>
+            </a:r>
+            <a:r>
+              <a:rPr lang="zh-TW" altLang="en-US" sz="1100" b="1" u="sng" dirty="0">
+                <a:latin typeface="微軟正黑體" panose="020B0604030504040204" pitchFamily="34" charset="-120"/>
+                <a:ea typeface="微軟正黑體" panose="020B0604030504040204" pitchFamily="34" charset="-120"/>
+              </a:rPr>
+              <a:t>成</a:t>
+            </a:r>
+            <a:r>
+              <a:rPr lang="en-US" altLang="zh-TW" sz="1100" b="1" u="sng" dirty="0">
+                <a:latin typeface="微軟正黑體" panose="020B0604030504040204" pitchFamily="34" charset="-120"/>
+                <a:ea typeface="微軟正黑體" panose="020B0604030504040204" pitchFamily="34" charset="-120"/>
+              </a:rPr>
+              <a:t>4</a:t>
+            </a:r>
+            <a:r>
+              <a:rPr lang="zh-TW" altLang="en-US" sz="1100" b="1" u="sng" dirty="0">
+                <a:latin typeface="微軟正黑體" panose="020B0604030504040204" pitchFamily="34" charset="-120"/>
+                <a:ea typeface="微軟正黑體" panose="020B0604030504040204" pitchFamily="34" charset="-120"/>
+              </a:rPr>
+              <a:t>民眾支持、</a:t>
+            </a:r>
+            <a:r>
+              <a:rPr lang="en-US" altLang="zh-TW" sz="1100" b="1" u="sng" dirty="0">
+                <a:latin typeface="微軟正黑體" panose="020B0604030504040204" pitchFamily="34" charset="-120"/>
+                <a:ea typeface="微軟正黑體" panose="020B0604030504040204" pitchFamily="34" charset="-120"/>
+              </a:rPr>
+              <a:t>5</a:t>
+            </a:r>
+            <a:r>
+              <a:rPr lang="zh-TW" altLang="en-US" sz="1100" b="1" u="sng" dirty="0">
+                <a:latin typeface="微軟正黑體" panose="020B0604030504040204" pitchFamily="34" charset="-120"/>
+                <a:ea typeface="微軟正黑體" panose="020B0604030504040204" pitchFamily="34" charset="-120"/>
+              </a:rPr>
+              <a:t>成反對</a:t>
+            </a:r>
+            <a:r>
+              <a:rPr lang="en-US" altLang="zh-TW" sz="1100" b="1" u="sng" dirty="0" smtClean="0">
+                <a:latin typeface="微軟正黑體" panose="020B0604030504040204" pitchFamily="34" charset="-120"/>
+                <a:ea typeface="微軟正黑體" panose="020B0604030504040204" pitchFamily="34" charset="-120"/>
+              </a:rPr>
+              <a:t>》</a:t>
+            </a:r>
+          </a:p>
+          <a:p>
+            <a:r>
+              <a:rPr lang="en-US" altLang="zh-TW" sz="1000" dirty="0" smtClean="0">
+                <a:latin typeface="微軟正黑體" panose="020B0604030504040204" pitchFamily="34" charset="-120"/>
+                <a:ea typeface="微軟正黑體" panose="020B0604030504040204" pitchFamily="34" charset="-120"/>
+              </a:rPr>
+              <a:t>0 </a:t>
+            </a:r>
+            <a:r>
+              <a:rPr lang="zh-TW" altLang="en-US" sz="1000" dirty="0">
+                <a:latin typeface="微軟正黑體" panose="020B0604030504040204" pitchFamily="34" charset="-120"/>
+                <a:ea typeface="微軟正黑體" panose="020B0604030504040204" pitchFamily="34" charset="-120"/>
+              </a:rPr>
+              <a:t>九合一選舉過後，誰來角逐</a:t>
+            </a:r>
+            <a:r>
+              <a:rPr lang="en-US" altLang="zh-TW" sz="1000" dirty="0">
+                <a:latin typeface="微軟正黑體" panose="020B0604030504040204" pitchFamily="34" charset="-120"/>
+                <a:ea typeface="微軟正黑體" panose="020B0604030504040204" pitchFamily="34" charset="-120"/>
+              </a:rPr>
+              <a:t>2020</a:t>
+            </a:r>
+            <a:r>
+              <a:rPr lang="zh-TW" altLang="en-US" sz="1000" dirty="0">
+                <a:latin typeface="微軟正黑體" panose="020B0604030504040204" pitchFamily="34" charset="-120"/>
+                <a:ea typeface="微軟正黑體" panose="020B0604030504040204" pitchFamily="34" charset="-120"/>
+              </a:rPr>
+              <a:t>引發關注。 </a:t>
+            </a:r>
+            <a:endParaRPr lang="en-US" altLang="zh-TW" sz="1000" dirty="0" smtClean="0">
+              <a:latin typeface="微軟正黑體" panose="020B0604030504040204" pitchFamily="34" charset="-120"/>
+              <a:ea typeface="微軟正黑體" panose="020B0604030504040204" pitchFamily="34" charset="-120"/>
+            </a:endParaRPr>
+          </a:p>
+          <a:p>
+            <a:r>
+              <a:rPr lang="en-US" altLang="zh-TW" sz="1000" dirty="0" smtClean="0">
+                <a:latin typeface="微軟正黑體" panose="020B0604030504040204" pitchFamily="34" charset="-120"/>
+                <a:ea typeface="微軟正黑體" panose="020B0604030504040204" pitchFamily="34" charset="-120"/>
+              </a:rPr>
+              <a:t>1 </a:t>
+            </a:r>
+            <a:r>
+              <a:rPr lang="zh-TW" altLang="en-US" sz="1000" dirty="0">
+                <a:latin typeface="微軟正黑體" panose="020B0604030504040204" pitchFamily="34" charset="-120"/>
+                <a:ea typeface="微軟正黑體" panose="020B0604030504040204" pitchFamily="34" charset="-120"/>
+              </a:rPr>
+              <a:t>台灣民意調查基金會今（</a:t>
+            </a:r>
+            <a:r>
+              <a:rPr lang="en-US" altLang="zh-TW" sz="1000" dirty="0">
+                <a:latin typeface="微軟正黑體" panose="020B0604030504040204" pitchFamily="34" charset="-120"/>
+                <a:ea typeface="微軟正黑體" panose="020B0604030504040204" pitchFamily="34" charset="-120"/>
+              </a:rPr>
+              <a:t>24</a:t>
+            </a:r>
+            <a:r>
+              <a:rPr lang="zh-TW" altLang="en-US" sz="1000" dirty="0">
+                <a:latin typeface="微軟正黑體" panose="020B0604030504040204" pitchFamily="34" charset="-120"/>
+                <a:ea typeface="微軟正黑體" panose="020B0604030504040204" pitchFamily="34" charset="-120"/>
+              </a:rPr>
+              <a:t>）日公布民調顯示，在政治人物的好感度方面，剛連任的台北市長柯文哲以（</a:t>
+            </a:r>
+            <a:r>
+              <a:rPr lang="en-US" altLang="zh-TW" sz="1000" dirty="0">
+                <a:latin typeface="微軟正黑體" panose="020B0604030504040204" pitchFamily="34" charset="-120"/>
+                <a:ea typeface="微軟正黑體" panose="020B0604030504040204" pitchFamily="34" charset="-120"/>
+              </a:rPr>
+              <a:t>65.81</a:t>
+            </a:r>
+            <a:r>
+              <a:rPr lang="zh-TW" altLang="en-US" sz="1000" dirty="0">
+                <a:latin typeface="微軟正黑體" panose="020B0604030504040204" pitchFamily="34" charset="-120"/>
+                <a:ea typeface="微軟正黑體" panose="020B0604030504040204" pitchFamily="34" charset="-120"/>
+              </a:rPr>
+              <a:t>度）領先高雄市長韓國瑜等政治人物。 </a:t>
+            </a:r>
+            <a:endParaRPr lang="en-US" altLang="zh-TW" sz="1000" dirty="0" smtClean="0">
+              <a:latin typeface="微軟正黑體" panose="020B0604030504040204" pitchFamily="34" charset="-120"/>
+              <a:ea typeface="微軟正黑體" panose="020B0604030504040204" pitchFamily="34" charset="-120"/>
+            </a:endParaRPr>
+          </a:p>
+          <a:p>
+            <a:r>
+              <a:rPr lang="en-US" altLang="zh-TW" sz="1000" dirty="0" smtClean="0">
+                <a:latin typeface="微軟正黑體" panose="020B0604030504040204" pitchFamily="34" charset="-120"/>
+                <a:ea typeface="微軟正黑體" panose="020B0604030504040204" pitchFamily="34" charset="-120"/>
+              </a:rPr>
+              <a:t>2 </a:t>
+            </a:r>
+            <a:r>
+              <a:rPr lang="zh-TW" altLang="en-US" sz="1000" dirty="0">
+                <a:latin typeface="微軟正黑體" panose="020B0604030504040204" pitchFamily="34" charset="-120"/>
+                <a:ea typeface="微軟正黑體" panose="020B0604030504040204" pitchFamily="34" charset="-120"/>
+              </a:rPr>
+              <a:t>至於如果柯</a:t>
+            </a:r>
+            <a:r>
+              <a:rPr lang="en-US" altLang="zh-TW" sz="1000" dirty="0">
+                <a:latin typeface="微軟正黑體" panose="020B0604030504040204" pitchFamily="34" charset="-120"/>
+                <a:ea typeface="微軟正黑體" panose="020B0604030504040204" pitchFamily="34" charset="-120"/>
+              </a:rPr>
+              <a:t>P</a:t>
+            </a:r>
+            <a:r>
+              <a:rPr lang="zh-TW" altLang="en-US" sz="1000" dirty="0">
+                <a:latin typeface="微軟正黑體" panose="020B0604030504040204" pitchFamily="34" charset="-120"/>
+                <a:ea typeface="微軟正黑體" panose="020B0604030504040204" pitchFamily="34" charset="-120"/>
+              </a:rPr>
+              <a:t>尋求參選下任總統，民調顯示，有</a:t>
+            </a:r>
+            <a:r>
+              <a:rPr lang="en-US" altLang="zh-TW" sz="1000" dirty="0">
+                <a:latin typeface="微軟正黑體" panose="020B0604030504040204" pitchFamily="34" charset="-120"/>
+                <a:ea typeface="微軟正黑體" panose="020B0604030504040204" pitchFamily="34" charset="-120"/>
+              </a:rPr>
+              <a:t>4</a:t>
+            </a:r>
+            <a:r>
+              <a:rPr lang="zh-TW" altLang="en-US" sz="1000" dirty="0">
+                <a:latin typeface="微軟正黑體" panose="020B0604030504040204" pitchFamily="34" charset="-120"/>
+                <a:ea typeface="微軟正黑體" panose="020B0604030504040204" pitchFamily="34" charset="-120"/>
+              </a:rPr>
+              <a:t>成</a:t>
+            </a:r>
+            <a:r>
+              <a:rPr lang="en-US" altLang="zh-TW" sz="1000" dirty="0">
+                <a:latin typeface="微軟正黑體" panose="020B0604030504040204" pitchFamily="34" charset="-120"/>
+                <a:ea typeface="微軟正黑體" panose="020B0604030504040204" pitchFamily="34" charset="-120"/>
+              </a:rPr>
+              <a:t>4</a:t>
+            </a:r>
+            <a:r>
+              <a:rPr lang="zh-TW" altLang="en-US" sz="1000" dirty="0">
+                <a:latin typeface="微軟正黑體" panose="020B0604030504040204" pitchFamily="34" charset="-120"/>
+                <a:ea typeface="微軟正黑體" panose="020B0604030504040204" pitchFamily="34" charset="-120"/>
+              </a:rPr>
+              <a:t>的民眾支持，但有</a:t>
+            </a:r>
+            <a:r>
+              <a:rPr lang="en-US" altLang="zh-TW" sz="1000" dirty="0">
+                <a:latin typeface="微軟正黑體" panose="020B0604030504040204" pitchFamily="34" charset="-120"/>
+                <a:ea typeface="微軟正黑體" panose="020B0604030504040204" pitchFamily="34" charset="-120"/>
+              </a:rPr>
+              <a:t>5</a:t>
+            </a:r>
+            <a:r>
+              <a:rPr lang="zh-TW" altLang="en-US" sz="1000" dirty="0">
+                <a:latin typeface="微軟正黑體" panose="020B0604030504040204" pitchFamily="34" charset="-120"/>
+                <a:ea typeface="微軟正黑體" panose="020B0604030504040204" pitchFamily="34" charset="-120"/>
+              </a:rPr>
+              <a:t>成的人反對，反對的人多於支持的人。 </a:t>
+            </a:r>
+            <a:endParaRPr lang="en-US" altLang="zh-TW" sz="1000" dirty="0" smtClean="0">
+              <a:latin typeface="微軟正黑體" panose="020B0604030504040204" pitchFamily="34" charset="-120"/>
+              <a:ea typeface="微軟正黑體" panose="020B0604030504040204" pitchFamily="34" charset="-120"/>
+            </a:endParaRPr>
+          </a:p>
+          <a:p>
+            <a:r>
+              <a:rPr lang="en-US" altLang="zh-TW" sz="1000" dirty="0" smtClean="0">
+                <a:latin typeface="微軟正黑體" panose="020B0604030504040204" pitchFamily="34" charset="-120"/>
+                <a:ea typeface="微軟正黑體" panose="020B0604030504040204" pitchFamily="34" charset="-120"/>
+              </a:rPr>
+              <a:t>3 </a:t>
+            </a:r>
+            <a:r>
+              <a:rPr lang="zh-TW" altLang="en-US" sz="1000" dirty="0">
+                <a:latin typeface="微軟正黑體" panose="020B0604030504040204" pitchFamily="34" charset="-120"/>
+                <a:ea typeface="微軟正黑體" panose="020B0604030504040204" pitchFamily="34" charset="-120"/>
+              </a:rPr>
+              <a:t>台灣民意基金會董事長游盈隆今天上午召開「</a:t>
+            </a:r>
+            <a:r>
+              <a:rPr lang="en-US" altLang="zh-TW" sz="1000" dirty="0">
+                <a:latin typeface="微軟正黑體" panose="020B0604030504040204" pitchFamily="34" charset="-120"/>
+                <a:ea typeface="微軟正黑體" panose="020B0604030504040204" pitchFamily="34" charset="-120"/>
+              </a:rPr>
+              <a:t>2018</a:t>
+            </a:r>
+            <a:r>
+              <a:rPr lang="zh-TW" altLang="en-US" sz="1000" dirty="0">
+                <a:latin typeface="微軟正黑體" panose="020B0604030504040204" pitchFamily="34" charset="-120"/>
+                <a:ea typeface="微軟正黑體" panose="020B0604030504040204" pitchFamily="34" charset="-120"/>
+              </a:rPr>
+              <a:t>年終台灣重大民意走向」記者會。 </a:t>
+            </a:r>
+            <a:endParaRPr lang="en-US" altLang="zh-TW" sz="1000" dirty="0" smtClean="0">
+              <a:latin typeface="微軟正黑體" panose="020B0604030504040204" pitchFamily="34" charset="-120"/>
+              <a:ea typeface="微軟正黑體" panose="020B0604030504040204" pitchFamily="34" charset="-120"/>
+            </a:endParaRPr>
+          </a:p>
+          <a:p>
+            <a:r>
+              <a:rPr lang="en-US" altLang="zh-TW" sz="1000" dirty="0" smtClean="0">
+                <a:latin typeface="微軟正黑體" panose="020B0604030504040204" pitchFamily="34" charset="-120"/>
+                <a:ea typeface="微軟正黑體" panose="020B0604030504040204" pitchFamily="34" charset="-120"/>
+              </a:rPr>
+              <a:t>4 </a:t>
+            </a:r>
+            <a:r>
+              <a:rPr lang="zh-TW" altLang="en-US" sz="1000" dirty="0">
+                <a:latin typeface="微軟正黑體" panose="020B0604030504040204" pitchFamily="34" charset="-120"/>
+                <a:ea typeface="微軟正黑體" panose="020B0604030504040204" pitchFamily="34" charset="-120"/>
+              </a:rPr>
+              <a:t>此次調查重點包括蔡英文總統聲望、賴清德內閣的施政表現、蔡英文總統兩岸表現的民意反應、台灣人對主要政治人的感情溫度、台灣人對</a:t>
+            </a:r>
+            <a:r>
+              <a:rPr lang="en-US" altLang="zh-TW" sz="1000" dirty="0">
+                <a:latin typeface="微軟正黑體" panose="020B0604030504040204" pitchFamily="34" charset="-120"/>
+                <a:ea typeface="微軟正黑體" panose="020B0604030504040204" pitchFamily="34" charset="-120"/>
+              </a:rPr>
+              <a:t>2020</a:t>
+            </a:r>
+            <a:r>
+              <a:rPr lang="zh-TW" altLang="en-US" sz="1000" dirty="0">
+                <a:latin typeface="微軟正黑體" panose="020B0604030504040204" pitchFamily="34" charset="-120"/>
+                <a:ea typeface="微軟正黑體" panose="020B0604030504040204" pitchFamily="34" charset="-120"/>
+              </a:rPr>
+              <a:t>主要總統可能人選的支持傾向、台灣人的統獨傾向、台灣人的政黨認同。 </a:t>
+            </a:r>
+            <a:endParaRPr lang="en-US" altLang="zh-TW" sz="1000" dirty="0" smtClean="0">
+              <a:latin typeface="微軟正黑體" panose="020B0604030504040204" pitchFamily="34" charset="-120"/>
+              <a:ea typeface="微軟正黑體" panose="020B0604030504040204" pitchFamily="34" charset="-120"/>
+            </a:endParaRPr>
+          </a:p>
+          <a:p>
+            <a:r>
+              <a:rPr lang="en-US" altLang="zh-TW" sz="1000" dirty="0" smtClean="0">
+                <a:latin typeface="微軟正黑體" panose="020B0604030504040204" pitchFamily="34" charset="-120"/>
+                <a:ea typeface="微軟正黑體" panose="020B0604030504040204" pitchFamily="34" charset="-120"/>
+              </a:rPr>
+              <a:t>5 </a:t>
+            </a:r>
+            <a:r>
+              <a:rPr lang="zh-TW" altLang="en-US" sz="1000" dirty="0">
+                <a:latin typeface="微軟正黑體" panose="020B0604030504040204" pitchFamily="34" charset="-120"/>
+                <a:ea typeface="微軟正黑體" panose="020B0604030504040204" pitchFamily="34" charset="-120"/>
+              </a:rPr>
+              <a:t>關於台灣人對主要政治人物的感情溫度，民調顯示，台北市長最高（</a:t>
+            </a:r>
+            <a:r>
+              <a:rPr lang="en-US" altLang="zh-TW" sz="1000" dirty="0">
+                <a:latin typeface="微軟正黑體" panose="020B0604030504040204" pitchFamily="34" charset="-120"/>
+                <a:ea typeface="微軟正黑體" panose="020B0604030504040204" pitchFamily="34" charset="-120"/>
+              </a:rPr>
+              <a:t>65.81</a:t>
+            </a:r>
+            <a:r>
+              <a:rPr lang="zh-TW" altLang="en-US" sz="1000" dirty="0">
+                <a:latin typeface="微軟正黑體" panose="020B0604030504040204" pitchFamily="34" charset="-120"/>
+                <a:ea typeface="微軟正黑體" panose="020B0604030504040204" pitchFamily="34" charset="-120"/>
+              </a:rPr>
+              <a:t>度）、其次是高雄市長韓國瑜（</a:t>
+            </a:r>
+            <a:r>
+              <a:rPr lang="en-US" altLang="zh-TW" sz="1000" dirty="0">
+                <a:latin typeface="微軟正黑體" panose="020B0604030504040204" pitchFamily="34" charset="-120"/>
+                <a:ea typeface="微軟正黑體" panose="020B0604030504040204" pitchFamily="34" charset="-120"/>
+              </a:rPr>
+              <a:t>62.12</a:t>
+            </a:r>
+            <a:r>
+              <a:rPr lang="zh-TW" altLang="en-US" sz="1000" dirty="0">
+                <a:latin typeface="微軟正黑體" panose="020B0604030504040204" pitchFamily="34" charset="-120"/>
+                <a:ea typeface="微軟正黑體" panose="020B0604030504040204" pitchFamily="34" charset="-120"/>
+              </a:rPr>
+              <a:t>度），第三是新北市長侯友宜（</a:t>
+            </a:r>
+            <a:r>
+              <a:rPr lang="en-US" altLang="zh-TW" sz="1000" dirty="0">
+                <a:latin typeface="微軟正黑體" panose="020B0604030504040204" pitchFamily="34" charset="-120"/>
+                <a:ea typeface="微軟正黑體" panose="020B0604030504040204" pitchFamily="34" charset="-120"/>
+              </a:rPr>
+              <a:t>59.79</a:t>
+            </a:r>
+            <a:r>
+              <a:rPr lang="zh-TW" altLang="en-US" sz="1000" dirty="0">
+                <a:latin typeface="微軟正黑體" panose="020B0604030504040204" pitchFamily="34" charset="-120"/>
+                <a:ea typeface="微軟正黑體" panose="020B0604030504040204" pitchFamily="34" charset="-120"/>
+              </a:rPr>
+              <a:t>度）、第四是行政院長賴清德（</a:t>
+            </a:r>
+            <a:r>
+              <a:rPr lang="en-US" altLang="zh-TW" sz="1000" dirty="0">
+                <a:latin typeface="微軟正黑體" panose="020B0604030504040204" pitchFamily="34" charset="-120"/>
+                <a:ea typeface="微軟正黑體" panose="020B0604030504040204" pitchFamily="34" charset="-120"/>
+              </a:rPr>
+              <a:t>53.818</a:t>
+            </a:r>
+            <a:r>
+              <a:rPr lang="zh-TW" altLang="en-US" sz="1000" dirty="0">
+                <a:latin typeface="微軟正黑體" panose="020B0604030504040204" pitchFamily="34" charset="-120"/>
+                <a:ea typeface="微軟正黑體" panose="020B0604030504040204" pitchFamily="34" charset="-120"/>
+              </a:rPr>
+              <a:t>度）、第五是蔡英文總統（</a:t>
+            </a:r>
+            <a:r>
+              <a:rPr lang="en-US" altLang="zh-TW" sz="1000" dirty="0">
+                <a:latin typeface="微軟正黑體" panose="020B0604030504040204" pitchFamily="34" charset="-120"/>
+                <a:ea typeface="微軟正黑體" panose="020B0604030504040204" pitchFamily="34" charset="-120"/>
+              </a:rPr>
+              <a:t>42.98</a:t>
+            </a:r>
+            <a:r>
+              <a:rPr lang="zh-TW" altLang="en-US" sz="1000" dirty="0">
+                <a:latin typeface="微軟正黑體" panose="020B0604030504040204" pitchFamily="34" charset="-120"/>
+                <a:ea typeface="微軟正黑體" panose="020B0604030504040204" pitchFamily="34" charset="-120"/>
+              </a:rPr>
+              <a:t>度）。 </a:t>
+            </a:r>
+            <a:endParaRPr lang="en-US" altLang="zh-TW" sz="1000" dirty="0" smtClean="0">
+              <a:latin typeface="微軟正黑體" panose="020B0604030504040204" pitchFamily="34" charset="-120"/>
+              <a:ea typeface="微軟正黑體" panose="020B0604030504040204" pitchFamily="34" charset="-120"/>
+            </a:endParaRPr>
+          </a:p>
+          <a:p>
+            <a:r>
+              <a:rPr lang="en-US" altLang="zh-TW" sz="1000" dirty="0" smtClean="0">
+                <a:latin typeface="微軟正黑體" panose="020B0604030504040204" pitchFamily="34" charset="-120"/>
+                <a:ea typeface="微軟正黑體" panose="020B0604030504040204" pitchFamily="34" charset="-120"/>
+              </a:rPr>
+              <a:t>6 </a:t>
+            </a:r>
+            <a:r>
+              <a:rPr lang="zh-TW" altLang="en-US" sz="1000" dirty="0">
+                <a:latin typeface="微軟正黑體" panose="020B0604030504040204" pitchFamily="34" charset="-120"/>
+                <a:ea typeface="微軟正黑體" panose="020B0604030504040204" pitchFamily="34" charset="-120"/>
+              </a:rPr>
+              <a:t>至於柯文哲若參選下任總統？ </a:t>
+            </a:r>
+            <a:endParaRPr lang="en-US" altLang="zh-TW" sz="1000" dirty="0" smtClean="0">
+              <a:latin typeface="微軟正黑體" panose="020B0604030504040204" pitchFamily="34" charset="-120"/>
+              <a:ea typeface="微軟正黑體" panose="020B0604030504040204" pitchFamily="34" charset="-120"/>
+            </a:endParaRPr>
+          </a:p>
+          <a:p>
+            <a:r>
+              <a:rPr lang="en-US" altLang="zh-TW" sz="1000" dirty="0" smtClean="0">
+                <a:latin typeface="微軟正黑體" panose="020B0604030504040204" pitchFamily="34" charset="-120"/>
+                <a:ea typeface="微軟正黑體" panose="020B0604030504040204" pitchFamily="34" charset="-120"/>
+              </a:rPr>
+              <a:t>7 </a:t>
+            </a:r>
+            <a:r>
+              <a:rPr lang="zh-TW" altLang="en-US" sz="1000" dirty="0">
+                <a:latin typeface="微軟正黑體" panose="020B0604030504040204" pitchFamily="34" charset="-120"/>
+                <a:ea typeface="微軟正黑體" panose="020B0604030504040204" pitchFamily="34" charset="-120"/>
+              </a:rPr>
+              <a:t>民調顯示，有</a:t>
+            </a:r>
+            <a:r>
+              <a:rPr lang="en-US" altLang="zh-TW" sz="1000" dirty="0">
+                <a:latin typeface="微軟正黑體" panose="020B0604030504040204" pitchFamily="34" charset="-120"/>
+                <a:ea typeface="微軟正黑體" panose="020B0604030504040204" pitchFamily="34" charset="-120"/>
+              </a:rPr>
+              <a:t>18.3%</a:t>
+            </a:r>
+            <a:r>
+              <a:rPr lang="zh-TW" altLang="en-US" sz="1000" dirty="0">
+                <a:latin typeface="微軟正黑體" panose="020B0604030504040204" pitchFamily="34" charset="-120"/>
+                <a:ea typeface="微軟正黑體" panose="020B0604030504040204" pitchFamily="34" charset="-120"/>
+              </a:rPr>
+              <a:t>非常支持，</a:t>
+            </a:r>
+            <a:r>
+              <a:rPr lang="en-US" altLang="zh-TW" sz="1000" dirty="0">
+                <a:latin typeface="微軟正黑體" panose="020B0604030504040204" pitchFamily="34" charset="-120"/>
+                <a:ea typeface="微軟正黑體" panose="020B0604030504040204" pitchFamily="34" charset="-120"/>
+              </a:rPr>
+              <a:t>25.5%</a:t>
+            </a:r>
+            <a:r>
+              <a:rPr lang="zh-TW" altLang="en-US" sz="1000" dirty="0">
+                <a:latin typeface="微軟正黑體" panose="020B0604030504040204" pitchFamily="34" charset="-120"/>
+                <a:ea typeface="微軟正黑體" panose="020B0604030504040204" pitchFamily="34" charset="-120"/>
+              </a:rPr>
+              <a:t>還算支持，</a:t>
+            </a:r>
+            <a:r>
+              <a:rPr lang="en-US" altLang="zh-TW" sz="1000" dirty="0">
+                <a:latin typeface="微軟正黑體" panose="020B0604030504040204" pitchFamily="34" charset="-120"/>
+                <a:ea typeface="微軟正黑體" panose="020B0604030504040204" pitchFamily="34" charset="-120"/>
+              </a:rPr>
+              <a:t>25.1%</a:t>
+            </a:r>
+            <a:r>
+              <a:rPr lang="zh-TW" altLang="en-US" sz="1000" dirty="0">
+                <a:latin typeface="微軟正黑體" panose="020B0604030504040204" pitchFamily="34" charset="-120"/>
+                <a:ea typeface="微軟正黑體" panose="020B0604030504040204" pitchFamily="34" charset="-120"/>
+              </a:rPr>
+              <a:t>不太支持，</a:t>
+            </a:r>
+            <a:r>
+              <a:rPr lang="en-US" altLang="zh-TW" sz="1000" dirty="0">
+                <a:latin typeface="微軟正黑體" panose="020B0604030504040204" pitchFamily="34" charset="-120"/>
+                <a:ea typeface="微軟正黑體" panose="020B0604030504040204" pitchFamily="34" charset="-120"/>
+              </a:rPr>
+              <a:t>24.8%</a:t>
+            </a:r>
+            <a:r>
+              <a:rPr lang="zh-TW" altLang="en-US" sz="1000" dirty="0">
+                <a:latin typeface="微軟正黑體" panose="020B0604030504040204" pitchFamily="34" charset="-120"/>
+                <a:ea typeface="微軟正黑體" panose="020B0604030504040204" pitchFamily="34" charset="-120"/>
+              </a:rPr>
+              <a:t>一點也不支持，</a:t>
+            </a:r>
+            <a:r>
+              <a:rPr lang="en-US" altLang="zh-TW" sz="1000" dirty="0">
+                <a:latin typeface="微軟正黑體" panose="020B0604030504040204" pitchFamily="34" charset="-120"/>
+                <a:ea typeface="微軟正黑體" panose="020B0604030504040204" pitchFamily="34" charset="-120"/>
+              </a:rPr>
+              <a:t>6.3%</a:t>
+            </a:r>
+            <a:r>
+              <a:rPr lang="zh-TW" altLang="en-US" sz="1000" dirty="0">
+                <a:latin typeface="微軟正黑體" panose="020B0604030504040204" pitchFamily="34" charset="-120"/>
+                <a:ea typeface="微軟正黑體" panose="020B0604030504040204" pitchFamily="34" charset="-120"/>
+              </a:rPr>
+              <a:t>沒意見、不知道、拒答。 </a:t>
+            </a:r>
+            <a:endParaRPr lang="en-US" altLang="zh-TW" sz="1000" dirty="0" smtClean="0">
+              <a:latin typeface="微軟正黑體" panose="020B0604030504040204" pitchFamily="34" charset="-120"/>
+              <a:ea typeface="微軟正黑體" panose="020B0604030504040204" pitchFamily="34" charset="-120"/>
+            </a:endParaRPr>
+          </a:p>
+          <a:p>
+            <a:r>
+              <a:rPr lang="en-US" altLang="zh-TW" sz="1000" dirty="0" smtClean="0">
+                <a:latin typeface="微軟正黑體" panose="020B0604030504040204" pitchFamily="34" charset="-120"/>
+                <a:ea typeface="微軟正黑體" panose="020B0604030504040204" pitchFamily="34" charset="-120"/>
+              </a:rPr>
+              <a:t>8 </a:t>
+            </a:r>
+            <a:r>
+              <a:rPr lang="zh-TW" altLang="en-US" sz="1000" dirty="0">
+                <a:latin typeface="微軟正黑體" panose="020B0604030504040204" pitchFamily="34" charset="-120"/>
+                <a:ea typeface="微軟正黑體" panose="020B0604030504040204" pitchFamily="34" charset="-120"/>
+              </a:rPr>
+              <a:t>換句話說，在二十歲以上的台灣人當中，有四成四的人基本上支持柯文哲參選下一屆總統，但有五成的人反對，反對的人多於支持的人。</a:t>
+            </a:r>
+            <a:endParaRPr lang="zh-TW" altLang="en-US" sz="1000" dirty="0">
+              <a:latin typeface="微軟正黑體" panose="020B0604030504040204" pitchFamily="34" charset="-120"/>
+              <a:ea typeface="微軟正黑體" panose="020B0604030504040204" pitchFamily="34" charset="-120"/>
+            </a:endParaRPr>
           </a:p>
         </p:txBody>
       </p:sp>
@@ -12122,7 +15754,7 @@
         </p:nvSpPr>
         <p:spPr>
           <a:xfrm>
-            <a:off x="4644007" y="4437112"/>
+            <a:off x="4644007" y="4653136"/>
             <a:ext cx="4392488" cy="2016224"/>
           </a:xfrm>
           <a:prstGeom prst="rect">
@@ -12142,10 +15774,393 @@
           <a:lstStyle/>
           <a:p>
             <a:r>
-              <a:rPr lang="zh-TW" altLang="en-US" dirty="0" smtClean="0"/>
-              <a:t>摘要結果</a:t>
-            </a:r>
-            <a:endParaRPr lang="zh-TW" altLang="en-US" dirty="0"/>
+              <a:rPr lang="zh-TW" altLang="en-US" sz="1100" b="1" u="sng" dirty="0">
+                <a:latin typeface="微軟正黑體" panose="020B0604030504040204" pitchFamily="34" charset="-120"/>
+                <a:ea typeface="微軟正黑體" panose="020B0604030504040204" pitchFamily="34" charset="-120"/>
+              </a:rPr>
+              <a:t>標題</a:t>
+            </a:r>
+            <a:r>
+              <a:rPr lang="en-US" altLang="zh-TW" sz="1100" b="1" u="sng" dirty="0">
+                <a:latin typeface="微軟正黑體" panose="020B0604030504040204" pitchFamily="34" charset="-120"/>
+                <a:ea typeface="微軟正黑體" panose="020B0604030504040204" pitchFamily="34" charset="-120"/>
+              </a:rPr>
+              <a:t>: 《</a:t>
+            </a:r>
+            <a:r>
+              <a:rPr lang="zh-TW" altLang="en-US" sz="1100" b="1" u="sng" dirty="0">
+                <a:latin typeface="微軟正黑體" panose="020B0604030504040204" pitchFamily="34" charset="-120"/>
+                <a:ea typeface="微軟正黑體" panose="020B0604030504040204" pitchFamily="34" charset="-120"/>
+              </a:rPr>
+              <a:t>柯文哲若尋求下任總統　民調：</a:t>
+            </a:r>
+            <a:r>
+              <a:rPr lang="en-US" altLang="zh-TW" sz="1100" b="1" u="sng" dirty="0">
+                <a:latin typeface="微軟正黑體" panose="020B0604030504040204" pitchFamily="34" charset="-120"/>
+                <a:ea typeface="微軟正黑體" panose="020B0604030504040204" pitchFamily="34" charset="-120"/>
+              </a:rPr>
+              <a:t>4</a:t>
+            </a:r>
+            <a:r>
+              <a:rPr lang="zh-TW" altLang="en-US" sz="1100" b="1" u="sng" dirty="0">
+                <a:latin typeface="微軟正黑體" panose="020B0604030504040204" pitchFamily="34" charset="-120"/>
+                <a:ea typeface="微軟正黑體" panose="020B0604030504040204" pitchFamily="34" charset="-120"/>
+              </a:rPr>
+              <a:t>成</a:t>
+            </a:r>
+            <a:r>
+              <a:rPr lang="en-US" altLang="zh-TW" sz="1100" b="1" u="sng" dirty="0">
+                <a:latin typeface="微軟正黑體" panose="020B0604030504040204" pitchFamily="34" charset="-120"/>
+                <a:ea typeface="微軟正黑體" panose="020B0604030504040204" pitchFamily="34" charset="-120"/>
+              </a:rPr>
+              <a:t>4</a:t>
+            </a:r>
+            <a:r>
+              <a:rPr lang="zh-TW" altLang="en-US" sz="1100" b="1" u="sng" dirty="0">
+                <a:latin typeface="微軟正黑體" panose="020B0604030504040204" pitchFamily="34" charset="-120"/>
+                <a:ea typeface="微軟正黑體" panose="020B0604030504040204" pitchFamily="34" charset="-120"/>
+              </a:rPr>
+              <a:t>民眾支持、</a:t>
+            </a:r>
+            <a:r>
+              <a:rPr lang="en-US" altLang="zh-TW" sz="1100" b="1" u="sng" dirty="0">
+                <a:latin typeface="微軟正黑體" panose="020B0604030504040204" pitchFamily="34" charset="-120"/>
+                <a:ea typeface="微軟正黑體" panose="020B0604030504040204" pitchFamily="34" charset="-120"/>
+              </a:rPr>
+              <a:t>5</a:t>
+            </a:r>
+            <a:r>
+              <a:rPr lang="zh-TW" altLang="en-US" sz="1100" b="1" u="sng" dirty="0">
+                <a:latin typeface="微軟正黑體" panose="020B0604030504040204" pitchFamily="34" charset="-120"/>
+                <a:ea typeface="微軟正黑體" panose="020B0604030504040204" pitchFamily="34" charset="-120"/>
+              </a:rPr>
+              <a:t>成反對</a:t>
+            </a:r>
+            <a:r>
+              <a:rPr lang="en-US" altLang="zh-TW" sz="1100" b="1" u="sng" dirty="0">
+                <a:latin typeface="微軟正黑體" panose="020B0604030504040204" pitchFamily="34" charset="-120"/>
+                <a:ea typeface="微軟正黑體" panose="020B0604030504040204" pitchFamily="34" charset="-120"/>
+              </a:rPr>
+              <a:t>》 </a:t>
+            </a:r>
+            <a:r>
+              <a:rPr lang="en-US" altLang="zh-TW" sz="1100" b="1" u="sng" dirty="0" smtClean="0">
+                <a:latin typeface="微軟正黑體" panose="020B0604030504040204" pitchFamily="34" charset="-120"/>
+                <a:ea typeface="微軟正黑體" panose="020B0604030504040204" pitchFamily="34" charset="-120"/>
+              </a:rPr>
+              <a:t> </a:t>
+            </a:r>
+          </a:p>
+          <a:p>
+            <a:r>
+              <a:rPr lang="en-US" altLang="zh-CN" sz="1000" dirty="0" smtClean="0">
+                <a:latin typeface="微軟正黑體" panose="020B0604030504040204" pitchFamily="34" charset="-120"/>
+                <a:ea typeface="微軟正黑體" panose="020B0604030504040204" pitchFamily="34" charset="-120"/>
+              </a:rPr>
+              <a:t>0</a:t>
+            </a:r>
+            <a:r>
+              <a:rPr lang="zh-CN" altLang="en-US" sz="1000" dirty="0" smtClean="0">
+                <a:latin typeface="微軟正黑體" panose="020B0604030504040204" pitchFamily="34" charset="-120"/>
+                <a:ea typeface="微軟正黑體" panose="020B0604030504040204" pitchFamily="34" charset="-120"/>
+              </a:rPr>
+              <a:t> </a:t>
+            </a:r>
+            <a:r>
+              <a:rPr lang="zh-TW" altLang="en-US" sz="1000" dirty="0" smtClean="0">
+                <a:latin typeface="微軟正黑體" panose="020B0604030504040204" pitchFamily="34" charset="-120"/>
+                <a:ea typeface="微軟正黑體" panose="020B0604030504040204" pitchFamily="34" charset="-120"/>
+              </a:rPr>
+              <a:t>台灣</a:t>
+            </a:r>
+            <a:r>
+              <a:rPr lang="zh-TW" altLang="en-US" sz="1000" dirty="0">
+                <a:latin typeface="微軟正黑體" panose="020B0604030504040204" pitchFamily="34" charset="-120"/>
+                <a:ea typeface="微軟正黑體" panose="020B0604030504040204" pitchFamily="34" charset="-120"/>
+              </a:rPr>
+              <a:t>民意調查基金會今（</a:t>
+            </a:r>
+            <a:r>
+              <a:rPr lang="en-US" altLang="zh-TW" sz="1000" dirty="0">
+                <a:latin typeface="微軟正黑體" panose="020B0604030504040204" pitchFamily="34" charset="-120"/>
+                <a:ea typeface="微軟正黑體" panose="020B0604030504040204" pitchFamily="34" charset="-120"/>
+              </a:rPr>
+              <a:t>24</a:t>
+            </a:r>
+            <a:r>
+              <a:rPr lang="zh-TW" altLang="en-US" sz="1000" dirty="0">
+                <a:latin typeface="微軟正黑體" panose="020B0604030504040204" pitchFamily="34" charset="-120"/>
+                <a:ea typeface="微軟正黑體" panose="020B0604030504040204" pitchFamily="34" charset="-120"/>
+              </a:rPr>
+              <a:t>）日公布民調顯示，在政治人物的好感度方面，剛連任的台北市長柯文哲以（</a:t>
+            </a:r>
+            <a:r>
+              <a:rPr lang="en-US" altLang="zh-TW" sz="1000" dirty="0">
+                <a:latin typeface="微軟正黑體" panose="020B0604030504040204" pitchFamily="34" charset="-120"/>
+                <a:ea typeface="微軟正黑體" panose="020B0604030504040204" pitchFamily="34" charset="-120"/>
+              </a:rPr>
+              <a:t>65.81</a:t>
+            </a:r>
+            <a:r>
+              <a:rPr lang="zh-TW" altLang="en-US" sz="1000" dirty="0">
+                <a:latin typeface="微軟正黑體" panose="020B0604030504040204" pitchFamily="34" charset="-120"/>
+                <a:ea typeface="微軟正黑體" panose="020B0604030504040204" pitchFamily="34" charset="-120"/>
+              </a:rPr>
+              <a:t>度）領先高雄市長韓國瑜等政治人物。 </a:t>
+            </a:r>
+            <a:endParaRPr lang="en-US" altLang="zh-TW" sz="1000" dirty="0" smtClean="0">
+              <a:latin typeface="微軟正黑體" panose="020B0604030504040204" pitchFamily="34" charset="-120"/>
+              <a:ea typeface="微軟正黑體" panose="020B0604030504040204" pitchFamily="34" charset="-120"/>
+            </a:endParaRPr>
+          </a:p>
+          <a:p>
+            <a:r>
+              <a:rPr lang="en-US" altLang="zh-CN" sz="1000" dirty="0" smtClean="0">
+                <a:latin typeface="微軟正黑體" panose="020B0604030504040204" pitchFamily="34" charset="-120"/>
+                <a:ea typeface="微軟正黑體" panose="020B0604030504040204" pitchFamily="34" charset="-120"/>
+              </a:rPr>
+              <a:t>2</a:t>
+            </a:r>
+            <a:r>
+              <a:rPr lang="zh-CN" altLang="en-US" sz="1000" dirty="0" smtClean="0">
+                <a:latin typeface="微軟正黑體" panose="020B0604030504040204" pitchFamily="34" charset="-120"/>
+                <a:ea typeface="微軟正黑體" panose="020B0604030504040204" pitchFamily="34" charset="-120"/>
+              </a:rPr>
+              <a:t> </a:t>
+            </a:r>
+            <a:r>
+              <a:rPr lang="zh-TW" altLang="en-US" sz="1000" dirty="0" smtClean="0">
+                <a:latin typeface="微軟正黑體" panose="020B0604030504040204" pitchFamily="34" charset="-120"/>
+                <a:ea typeface="微軟正黑體" panose="020B0604030504040204" pitchFamily="34" charset="-120"/>
+              </a:rPr>
+              <a:t>至於</a:t>
+            </a:r>
+            <a:r>
+              <a:rPr lang="zh-TW" altLang="en-US" sz="1000" dirty="0">
+                <a:latin typeface="微軟正黑體" panose="020B0604030504040204" pitchFamily="34" charset="-120"/>
+                <a:ea typeface="微軟正黑體" panose="020B0604030504040204" pitchFamily="34" charset="-120"/>
+              </a:rPr>
+              <a:t>如果柯</a:t>
+            </a:r>
+            <a:r>
+              <a:rPr lang="en-US" altLang="zh-TW" sz="1000" dirty="0">
+                <a:latin typeface="微軟正黑體" panose="020B0604030504040204" pitchFamily="34" charset="-120"/>
+                <a:ea typeface="微軟正黑體" panose="020B0604030504040204" pitchFamily="34" charset="-120"/>
+              </a:rPr>
+              <a:t>P</a:t>
+            </a:r>
+            <a:r>
+              <a:rPr lang="zh-TW" altLang="en-US" sz="1000" dirty="0">
+                <a:latin typeface="微軟正黑體" panose="020B0604030504040204" pitchFamily="34" charset="-120"/>
+                <a:ea typeface="微軟正黑體" panose="020B0604030504040204" pitchFamily="34" charset="-120"/>
+              </a:rPr>
+              <a:t>尋求參選下任總統，民調顯示，有</a:t>
+            </a:r>
+            <a:r>
+              <a:rPr lang="en-US" altLang="zh-TW" sz="1000" dirty="0">
+                <a:latin typeface="微軟正黑體" panose="020B0604030504040204" pitchFamily="34" charset="-120"/>
+                <a:ea typeface="微軟正黑體" panose="020B0604030504040204" pitchFamily="34" charset="-120"/>
+              </a:rPr>
+              <a:t>4</a:t>
+            </a:r>
+            <a:r>
+              <a:rPr lang="zh-TW" altLang="en-US" sz="1000" dirty="0">
+                <a:latin typeface="微軟正黑體" panose="020B0604030504040204" pitchFamily="34" charset="-120"/>
+                <a:ea typeface="微軟正黑體" panose="020B0604030504040204" pitchFamily="34" charset="-120"/>
+              </a:rPr>
+              <a:t>成</a:t>
+            </a:r>
+            <a:r>
+              <a:rPr lang="en-US" altLang="zh-TW" sz="1000" dirty="0">
+                <a:latin typeface="微軟正黑體" panose="020B0604030504040204" pitchFamily="34" charset="-120"/>
+                <a:ea typeface="微軟正黑體" panose="020B0604030504040204" pitchFamily="34" charset="-120"/>
+              </a:rPr>
+              <a:t>4</a:t>
+            </a:r>
+            <a:r>
+              <a:rPr lang="zh-TW" altLang="en-US" sz="1000" dirty="0">
+                <a:latin typeface="微軟正黑體" panose="020B0604030504040204" pitchFamily="34" charset="-120"/>
+                <a:ea typeface="微軟正黑體" panose="020B0604030504040204" pitchFamily="34" charset="-120"/>
+              </a:rPr>
+              <a:t>的民眾支持，但有</a:t>
+            </a:r>
+            <a:r>
+              <a:rPr lang="en-US" altLang="zh-TW" sz="1000" dirty="0">
+                <a:latin typeface="微軟正黑體" panose="020B0604030504040204" pitchFamily="34" charset="-120"/>
+                <a:ea typeface="微軟正黑體" panose="020B0604030504040204" pitchFamily="34" charset="-120"/>
+              </a:rPr>
+              <a:t>5</a:t>
+            </a:r>
+            <a:r>
+              <a:rPr lang="zh-TW" altLang="en-US" sz="1000" dirty="0">
+                <a:latin typeface="微軟正黑體" panose="020B0604030504040204" pitchFamily="34" charset="-120"/>
+                <a:ea typeface="微軟正黑體" panose="020B0604030504040204" pitchFamily="34" charset="-120"/>
+              </a:rPr>
+              <a:t>成的人反對，反對的人多於支持的人。 </a:t>
+            </a:r>
+            <a:endParaRPr lang="en-US" altLang="zh-TW" sz="1000" dirty="0" smtClean="0">
+              <a:latin typeface="微軟正黑體" panose="020B0604030504040204" pitchFamily="34" charset="-120"/>
+              <a:ea typeface="微軟正黑體" panose="020B0604030504040204" pitchFamily="34" charset="-120"/>
+            </a:endParaRPr>
+          </a:p>
+          <a:p>
+            <a:r>
+              <a:rPr lang="en-US" altLang="zh-CN" sz="1000" dirty="0" smtClean="0">
+                <a:latin typeface="微軟正黑體" panose="020B0604030504040204" pitchFamily="34" charset="-120"/>
+                <a:ea typeface="微軟正黑體" panose="020B0604030504040204" pitchFamily="34" charset="-120"/>
+              </a:rPr>
+              <a:t>4</a:t>
+            </a:r>
+            <a:r>
+              <a:rPr lang="zh-CN" altLang="en-US" sz="1000" dirty="0" smtClean="0">
+                <a:latin typeface="微軟正黑體" panose="020B0604030504040204" pitchFamily="34" charset="-120"/>
+                <a:ea typeface="微軟正黑體" panose="020B0604030504040204" pitchFamily="34" charset="-120"/>
+              </a:rPr>
+              <a:t> </a:t>
+            </a:r>
+            <a:r>
+              <a:rPr lang="zh-TW" altLang="en-US" sz="1000" dirty="0" smtClean="0">
+                <a:latin typeface="微軟正黑體" panose="020B0604030504040204" pitchFamily="34" charset="-120"/>
+                <a:ea typeface="微軟正黑體" panose="020B0604030504040204" pitchFamily="34" charset="-120"/>
+              </a:rPr>
+              <a:t>此次</a:t>
+            </a:r>
+            <a:r>
+              <a:rPr lang="zh-TW" altLang="en-US" sz="1000" dirty="0">
+                <a:latin typeface="微軟正黑體" panose="020B0604030504040204" pitchFamily="34" charset="-120"/>
+                <a:ea typeface="微軟正黑體" panose="020B0604030504040204" pitchFamily="34" charset="-120"/>
+              </a:rPr>
+              <a:t>調查重點包括蔡英文總統聲望、賴清德內閣的施政表現、蔡英文總統兩岸表現的民意反應、台灣人對主要政治人的感情溫度、台灣人對</a:t>
+            </a:r>
+            <a:r>
+              <a:rPr lang="en-US" altLang="zh-TW" sz="1000" dirty="0">
+                <a:latin typeface="微軟正黑體" panose="020B0604030504040204" pitchFamily="34" charset="-120"/>
+                <a:ea typeface="微軟正黑體" panose="020B0604030504040204" pitchFamily="34" charset="-120"/>
+              </a:rPr>
+              <a:t>2020</a:t>
+            </a:r>
+            <a:r>
+              <a:rPr lang="zh-TW" altLang="en-US" sz="1000" dirty="0">
+                <a:latin typeface="微軟正黑體" panose="020B0604030504040204" pitchFamily="34" charset="-120"/>
+                <a:ea typeface="微軟正黑體" panose="020B0604030504040204" pitchFamily="34" charset="-120"/>
+              </a:rPr>
+              <a:t>主要總統可能人選的支持傾向、台灣人的統獨傾向、台灣人的政黨認同。 </a:t>
+            </a:r>
+            <a:endParaRPr lang="en-US" altLang="zh-TW" sz="1000" dirty="0" smtClean="0">
+              <a:latin typeface="微軟正黑體" panose="020B0604030504040204" pitchFamily="34" charset="-120"/>
+              <a:ea typeface="微軟正黑體" panose="020B0604030504040204" pitchFamily="34" charset="-120"/>
+            </a:endParaRPr>
+          </a:p>
+          <a:p>
+            <a:r>
+              <a:rPr lang="en-US" altLang="zh-CN" sz="1000" dirty="0" smtClean="0">
+                <a:latin typeface="微軟正黑體" panose="020B0604030504040204" pitchFamily="34" charset="-120"/>
+                <a:ea typeface="微軟正黑體" panose="020B0604030504040204" pitchFamily="34" charset="-120"/>
+              </a:rPr>
+              <a:t>5</a:t>
+            </a:r>
+            <a:r>
+              <a:rPr lang="zh-CN" altLang="en-US" sz="1000" dirty="0" smtClean="0">
+                <a:latin typeface="微軟正黑體" panose="020B0604030504040204" pitchFamily="34" charset="-120"/>
+                <a:ea typeface="微軟正黑體" panose="020B0604030504040204" pitchFamily="34" charset="-120"/>
+              </a:rPr>
+              <a:t> </a:t>
+            </a:r>
+            <a:r>
+              <a:rPr lang="zh-TW" altLang="en-US" sz="1000" dirty="0" smtClean="0">
+                <a:latin typeface="微軟正黑體" panose="020B0604030504040204" pitchFamily="34" charset="-120"/>
+                <a:ea typeface="微軟正黑體" panose="020B0604030504040204" pitchFamily="34" charset="-120"/>
+              </a:rPr>
+              <a:t>關於</a:t>
+            </a:r>
+            <a:r>
+              <a:rPr lang="zh-TW" altLang="en-US" sz="1000" dirty="0">
+                <a:latin typeface="微軟正黑體" panose="020B0604030504040204" pitchFamily="34" charset="-120"/>
+                <a:ea typeface="微軟正黑體" panose="020B0604030504040204" pitchFamily="34" charset="-120"/>
+              </a:rPr>
+              <a:t>台灣人對主要政治人物的感情溫度，民調顯示，台北市長</a:t>
+            </a:r>
+            <a:r>
+              <a:rPr lang="zh-TW" altLang="en-US" sz="1000" dirty="0" smtClean="0">
+                <a:latin typeface="微軟正黑體" panose="020B0604030504040204" pitchFamily="34" charset="-120"/>
+                <a:ea typeface="微軟正黑體" panose="020B0604030504040204" pitchFamily="34" charset="-120"/>
+              </a:rPr>
+              <a:t>最高（</a:t>
+            </a:r>
+            <a:r>
+              <a:rPr lang="en-US" altLang="zh-TW" sz="1000" dirty="0">
+                <a:latin typeface="微軟正黑體" panose="020B0604030504040204" pitchFamily="34" charset="-120"/>
+                <a:ea typeface="微軟正黑體" panose="020B0604030504040204" pitchFamily="34" charset="-120"/>
+              </a:rPr>
+              <a:t>65.81</a:t>
+            </a:r>
+            <a:r>
+              <a:rPr lang="zh-TW" altLang="en-US" sz="1000" dirty="0">
+                <a:latin typeface="微軟正黑體" panose="020B0604030504040204" pitchFamily="34" charset="-120"/>
+                <a:ea typeface="微軟正黑體" panose="020B0604030504040204" pitchFamily="34" charset="-120"/>
+              </a:rPr>
+              <a:t>度）、其次是高雄市長韓國瑜（</a:t>
+            </a:r>
+            <a:r>
+              <a:rPr lang="en-US" altLang="zh-TW" sz="1000" dirty="0">
+                <a:latin typeface="微軟正黑體" panose="020B0604030504040204" pitchFamily="34" charset="-120"/>
+                <a:ea typeface="微軟正黑體" panose="020B0604030504040204" pitchFamily="34" charset="-120"/>
+              </a:rPr>
+              <a:t>62.12</a:t>
+            </a:r>
+            <a:r>
+              <a:rPr lang="zh-TW" altLang="en-US" sz="1000" dirty="0">
+                <a:latin typeface="微軟正黑體" panose="020B0604030504040204" pitchFamily="34" charset="-120"/>
+                <a:ea typeface="微軟正黑體" panose="020B0604030504040204" pitchFamily="34" charset="-120"/>
+              </a:rPr>
+              <a:t>度），第三是新北市長侯友宜（</a:t>
+            </a:r>
+            <a:r>
+              <a:rPr lang="en-US" altLang="zh-TW" sz="1000" dirty="0">
+                <a:latin typeface="微軟正黑體" panose="020B0604030504040204" pitchFamily="34" charset="-120"/>
+                <a:ea typeface="微軟正黑體" panose="020B0604030504040204" pitchFamily="34" charset="-120"/>
+              </a:rPr>
+              <a:t>59.79</a:t>
+            </a:r>
+            <a:r>
+              <a:rPr lang="zh-TW" altLang="en-US" sz="1000" dirty="0">
+                <a:latin typeface="微軟正黑體" panose="020B0604030504040204" pitchFamily="34" charset="-120"/>
+                <a:ea typeface="微軟正黑體" panose="020B0604030504040204" pitchFamily="34" charset="-120"/>
+              </a:rPr>
+              <a:t>度）、第四是行政院長賴清德（</a:t>
+            </a:r>
+            <a:r>
+              <a:rPr lang="en-US" altLang="zh-TW" sz="1000" dirty="0">
+                <a:latin typeface="微軟正黑體" panose="020B0604030504040204" pitchFamily="34" charset="-120"/>
+                <a:ea typeface="微軟正黑體" panose="020B0604030504040204" pitchFamily="34" charset="-120"/>
+              </a:rPr>
+              <a:t>53.818</a:t>
+            </a:r>
+            <a:r>
+              <a:rPr lang="zh-TW" altLang="en-US" sz="1000" dirty="0">
+                <a:latin typeface="微軟正黑體" panose="020B0604030504040204" pitchFamily="34" charset="-120"/>
+                <a:ea typeface="微軟正黑體" panose="020B0604030504040204" pitchFamily="34" charset="-120"/>
+              </a:rPr>
+              <a:t>度）、第五是蔡英文總統（</a:t>
+            </a:r>
+            <a:r>
+              <a:rPr lang="en-US" altLang="zh-TW" sz="1000" dirty="0">
+                <a:latin typeface="微軟正黑體" panose="020B0604030504040204" pitchFamily="34" charset="-120"/>
+                <a:ea typeface="微軟正黑體" panose="020B0604030504040204" pitchFamily="34" charset="-120"/>
+              </a:rPr>
+              <a:t>42.98</a:t>
+            </a:r>
+            <a:r>
+              <a:rPr lang="zh-TW" altLang="en-US" sz="1000" dirty="0">
+                <a:latin typeface="微軟正黑體" panose="020B0604030504040204" pitchFamily="34" charset="-120"/>
+                <a:ea typeface="微軟正黑體" panose="020B0604030504040204" pitchFamily="34" charset="-120"/>
+              </a:rPr>
+              <a:t>度）。</a:t>
+            </a:r>
+            <a:endParaRPr lang="zh-TW" altLang="en-US" sz="1000" dirty="0">
+              <a:latin typeface="微軟正黑體" panose="020B0604030504040204" pitchFamily="34" charset="-120"/>
+              <a:ea typeface="微軟正黑體" panose="020B0604030504040204" pitchFamily="34" charset="-120"/>
+            </a:endParaRPr>
           </a:p>
         </p:txBody>
       </p:sp>
